--- a/ppts/进程.pptx
+++ b/ppts/进程.pptx
@@ -12,6 +12,7 @@
     <p:sldId id="269" r:id="rId6"/>
     <p:sldId id="266" r:id="rId7"/>
     <p:sldId id="267" r:id="rId8"/>
+    <p:sldId id="270" r:id="rId9"/>
   </p:sldIdLst>
   <p:sldSz cx="12192000" cy="6858000"/>
   <p:notesSz cx="6858000" cy="9144000"/>
@@ -276,7 +277,7 @@
           <a:p>
             <a:fld id="{3D71AFD6-832F-764F-A8C5-443411455556}" type="datetimeFigureOut">
               <a:rPr kumimoji="1" lang="zh-CN" altLang="en-US" smtClean="0"/>
-              <a:t>2019/10/5</a:t>
+              <a:t>2019/10/22</a:t>
             </a:fld>
             <a:endParaRPr kumimoji="1" lang="zh-CN" altLang="en-US"/>
           </a:p>
@@ -474,7 +475,7 @@
           <a:p>
             <a:fld id="{3D71AFD6-832F-764F-A8C5-443411455556}" type="datetimeFigureOut">
               <a:rPr kumimoji="1" lang="zh-CN" altLang="en-US" smtClean="0"/>
-              <a:t>2019/10/5</a:t>
+              <a:t>2019/10/22</a:t>
             </a:fld>
             <a:endParaRPr kumimoji="1" lang="zh-CN" altLang="en-US"/>
           </a:p>
@@ -682,7 +683,7 @@
           <a:p>
             <a:fld id="{3D71AFD6-832F-764F-A8C5-443411455556}" type="datetimeFigureOut">
               <a:rPr kumimoji="1" lang="zh-CN" altLang="en-US" smtClean="0"/>
-              <a:t>2019/10/5</a:t>
+              <a:t>2019/10/22</a:t>
             </a:fld>
             <a:endParaRPr kumimoji="1" lang="zh-CN" altLang="en-US"/>
           </a:p>
@@ -880,7 +881,7 @@
           <a:p>
             <a:fld id="{3D71AFD6-832F-764F-A8C5-443411455556}" type="datetimeFigureOut">
               <a:rPr kumimoji="1" lang="zh-CN" altLang="en-US" smtClean="0"/>
-              <a:t>2019/10/5</a:t>
+              <a:t>2019/10/22</a:t>
             </a:fld>
             <a:endParaRPr kumimoji="1" lang="zh-CN" altLang="en-US"/>
           </a:p>
@@ -1155,7 +1156,7 @@
           <a:p>
             <a:fld id="{3D71AFD6-832F-764F-A8C5-443411455556}" type="datetimeFigureOut">
               <a:rPr kumimoji="1" lang="zh-CN" altLang="en-US" smtClean="0"/>
-              <a:t>2019/10/5</a:t>
+              <a:t>2019/10/22</a:t>
             </a:fld>
             <a:endParaRPr kumimoji="1" lang="zh-CN" altLang="en-US"/>
           </a:p>
@@ -1420,7 +1421,7 @@
           <a:p>
             <a:fld id="{3D71AFD6-832F-764F-A8C5-443411455556}" type="datetimeFigureOut">
               <a:rPr kumimoji="1" lang="zh-CN" altLang="en-US" smtClean="0"/>
-              <a:t>2019/10/5</a:t>
+              <a:t>2019/10/22</a:t>
             </a:fld>
             <a:endParaRPr kumimoji="1" lang="zh-CN" altLang="en-US"/>
           </a:p>
@@ -1832,7 +1833,7 @@
           <a:p>
             <a:fld id="{3D71AFD6-832F-764F-A8C5-443411455556}" type="datetimeFigureOut">
               <a:rPr kumimoji="1" lang="zh-CN" altLang="en-US" smtClean="0"/>
-              <a:t>2019/10/5</a:t>
+              <a:t>2019/10/22</a:t>
             </a:fld>
             <a:endParaRPr kumimoji="1" lang="zh-CN" altLang="en-US"/>
           </a:p>
@@ -1973,7 +1974,7 @@
           <a:p>
             <a:fld id="{3D71AFD6-832F-764F-A8C5-443411455556}" type="datetimeFigureOut">
               <a:rPr kumimoji="1" lang="zh-CN" altLang="en-US" smtClean="0"/>
-              <a:t>2019/10/5</a:t>
+              <a:t>2019/10/22</a:t>
             </a:fld>
             <a:endParaRPr kumimoji="1" lang="zh-CN" altLang="en-US"/>
           </a:p>
@@ -2086,7 +2087,7 @@
           <a:p>
             <a:fld id="{3D71AFD6-832F-764F-A8C5-443411455556}" type="datetimeFigureOut">
               <a:rPr kumimoji="1" lang="zh-CN" altLang="en-US" smtClean="0"/>
-              <a:t>2019/10/5</a:t>
+              <a:t>2019/10/22</a:t>
             </a:fld>
             <a:endParaRPr kumimoji="1" lang="zh-CN" altLang="en-US"/>
           </a:p>
@@ -2397,7 +2398,7 @@
           <a:p>
             <a:fld id="{3D71AFD6-832F-764F-A8C5-443411455556}" type="datetimeFigureOut">
               <a:rPr kumimoji="1" lang="zh-CN" altLang="en-US" smtClean="0"/>
-              <a:t>2019/10/5</a:t>
+              <a:t>2019/10/22</a:t>
             </a:fld>
             <a:endParaRPr kumimoji="1" lang="zh-CN" altLang="en-US"/>
           </a:p>
@@ -2685,7 +2686,7 @@
           <a:p>
             <a:fld id="{3D71AFD6-832F-764F-A8C5-443411455556}" type="datetimeFigureOut">
               <a:rPr kumimoji="1" lang="zh-CN" altLang="en-US" smtClean="0"/>
-              <a:t>2019/10/5</a:t>
+              <a:t>2019/10/22</a:t>
             </a:fld>
             <a:endParaRPr kumimoji="1" lang="zh-CN" altLang="en-US"/>
           </a:p>
@@ -2926,7 +2927,7 @@
           <a:p>
             <a:fld id="{3D71AFD6-832F-764F-A8C5-443411455556}" type="datetimeFigureOut">
               <a:rPr kumimoji="1" lang="zh-CN" altLang="en-US" smtClean="0"/>
-              <a:t>2019/10/5</a:t>
+              <a:t>2019/10/22</a:t>
             </a:fld>
             <a:endParaRPr kumimoji="1" lang="zh-CN" altLang="en-US"/>
           </a:p>
@@ -16415,6 +16416,1392 @@
 </p:sld>
 </file>
 
+<file path=ppt/slides/slide8.xml><?xml version="1.0" encoding="utf-8"?>
+<p:sld xmlns:a="http://schemas.openxmlformats.org/drawingml/2006/main" xmlns:r="http://schemas.openxmlformats.org/officeDocument/2006/relationships" xmlns:p="http://schemas.openxmlformats.org/presentationml/2006/main">
+  <p:cSld>
+    <p:spTree>
+      <p:nvGrpSpPr>
+        <p:cNvPr id="1" name=""/>
+        <p:cNvGrpSpPr/>
+        <p:nvPr/>
+      </p:nvGrpSpPr>
+      <p:grpSpPr>
+        <a:xfrm>
+          <a:off x="0" y="0"/>
+          <a:ext cx="0" cy="0"/>
+          <a:chOff x="0" y="0"/>
+          <a:chExt cx="0" cy="0"/>
+        </a:xfrm>
+      </p:grpSpPr>
+      <p:grpSp>
+        <p:nvGrpSpPr>
+          <p:cNvPr id="83" name="组合 82">
+            <a:extLst>
+              <a:ext uri="{FF2B5EF4-FFF2-40B4-BE49-F238E27FC236}">
+                <a16:creationId xmlns:a16="http://schemas.microsoft.com/office/drawing/2014/main" id="{2219AA1E-3D72-1B4D-880B-96B28A3AC9E7}"/>
+              </a:ext>
+            </a:extLst>
+          </p:cNvPr>
+          <p:cNvGrpSpPr/>
+          <p:nvPr/>
+        </p:nvGrpSpPr>
+        <p:grpSpPr>
+          <a:xfrm>
+            <a:off x="2512213" y="1621349"/>
+            <a:ext cx="7006858" cy="2627494"/>
+            <a:chOff x="1460248" y="1920755"/>
+            <a:chExt cx="10118194" cy="3470642"/>
+          </a:xfrm>
+        </p:grpSpPr>
+        <p:sp>
+          <p:nvSpPr>
+            <p:cNvPr id="47" name="矩形 46">
+              <a:extLst>
+                <a:ext uri="{FF2B5EF4-FFF2-40B4-BE49-F238E27FC236}">
+                  <a16:creationId xmlns:a16="http://schemas.microsoft.com/office/drawing/2014/main" id="{B26C0D24-9010-B440-A120-D89CDFC4DB3F}"/>
+                </a:ext>
+              </a:extLst>
+            </p:cNvPr>
+            <p:cNvSpPr/>
+            <p:nvPr/>
+          </p:nvSpPr>
+          <p:spPr>
+            <a:xfrm>
+              <a:off x="1888011" y="1979391"/>
+              <a:ext cx="571500" cy="571500"/>
+            </a:xfrm>
+            <a:prstGeom prst="rect">
+              <a:avLst/>
+            </a:prstGeom>
+            <a:noFill/>
+            <a:ln>
+              <a:solidFill>
+                <a:schemeClr val="tx1"/>
+              </a:solidFill>
+            </a:ln>
+          </p:spPr>
+          <p:style>
+            <a:lnRef idx="2">
+              <a:schemeClr val="accent1">
+                <a:shade val="50000"/>
+              </a:schemeClr>
+            </a:lnRef>
+            <a:fillRef idx="1">
+              <a:schemeClr val="accent1"/>
+            </a:fillRef>
+            <a:effectRef idx="0">
+              <a:schemeClr val="accent1"/>
+            </a:effectRef>
+            <a:fontRef idx="minor">
+              <a:schemeClr val="lt1"/>
+            </a:fontRef>
+          </p:style>
+          <p:txBody>
+            <a:bodyPr rot="0" spcFirstLastPara="0" vertOverflow="overflow" horzOverflow="overflow" vert="horz" wrap="square" lIns="91440" tIns="45720" rIns="91440" bIns="45720" numCol="1" spcCol="0" rtlCol="0" fromWordArt="0" anchor="ctr" anchorCtr="0" forceAA="0" compatLnSpc="1">
+              <a:prstTxWarp prst="textNoShape">
+                <a:avLst/>
+              </a:prstTxWarp>
+              <a:noAutofit/>
+            </a:bodyPr>
+            <a:lstStyle/>
+            <a:p>
+              <a:pPr algn="ctr"/>
+              <a:r>
+                <a:rPr kumimoji="1" lang="en-US" altLang="zh-CN" sz="1000">
+                  <a:solidFill>
+                    <a:schemeClr val="tx1"/>
+                  </a:solidFill>
+                </a:rPr>
+                <a:t>P1</a:t>
+              </a:r>
+              <a:endParaRPr kumimoji="1" lang="zh-CN" altLang="en-US" sz="1000">
+                <a:solidFill>
+                  <a:schemeClr val="tx1"/>
+                </a:solidFill>
+              </a:endParaRPr>
+            </a:p>
+          </p:txBody>
+        </p:sp>
+        <p:sp>
+          <p:nvSpPr>
+            <p:cNvPr id="48" name="矩形 47">
+              <a:extLst>
+                <a:ext uri="{FF2B5EF4-FFF2-40B4-BE49-F238E27FC236}">
+                  <a16:creationId xmlns:a16="http://schemas.microsoft.com/office/drawing/2014/main" id="{D623C1A2-C364-0549-85F7-50E6D077F945}"/>
+                </a:ext>
+              </a:extLst>
+            </p:cNvPr>
+            <p:cNvSpPr/>
+            <p:nvPr/>
+          </p:nvSpPr>
+          <p:spPr>
+            <a:xfrm>
+              <a:off x="3253318" y="1979391"/>
+              <a:ext cx="571500" cy="571500"/>
+            </a:xfrm>
+            <a:prstGeom prst="rect">
+              <a:avLst/>
+            </a:prstGeom>
+            <a:noFill/>
+            <a:ln>
+              <a:solidFill>
+                <a:schemeClr val="tx1"/>
+              </a:solidFill>
+            </a:ln>
+          </p:spPr>
+          <p:style>
+            <a:lnRef idx="2">
+              <a:schemeClr val="accent1">
+                <a:shade val="50000"/>
+              </a:schemeClr>
+            </a:lnRef>
+            <a:fillRef idx="1">
+              <a:schemeClr val="accent1"/>
+            </a:fillRef>
+            <a:effectRef idx="0">
+              <a:schemeClr val="accent1"/>
+            </a:effectRef>
+            <a:fontRef idx="minor">
+              <a:schemeClr val="lt1"/>
+            </a:fontRef>
+          </p:style>
+          <p:txBody>
+            <a:bodyPr rot="0" spcFirstLastPara="0" vertOverflow="overflow" horzOverflow="overflow" vert="horz" wrap="square" lIns="91440" tIns="45720" rIns="91440" bIns="45720" numCol="1" spcCol="0" rtlCol="0" fromWordArt="0" anchor="ctr" anchorCtr="0" forceAA="0" compatLnSpc="1">
+              <a:prstTxWarp prst="textNoShape">
+                <a:avLst/>
+              </a:prstTxWarp>
+              <a:noAutofit/>
+            </a:bodyPr>
+            <a:lstStyle/>
+            <a:p>
+              <a:pPr algn="ctr"/>
+              <a:r>
+                <a:rPr kumimoji="1" lang="en-US" altLang="zh-CN" sz="1000">
+                  <a:solidFill>
+                    <a:schemeClr val="tx1"/>
+                  </a:solidFill>
+                </a:rPr>
+                <a:t>P2</a:t>
+              </a:r>
+              <a:endParaRPr kumimoji="1" lang="zh-CN" altLang="en-US" sz="1000">
+                <a:solidFill>
+                  <a:schemeClr val="tx1"/>
+                </a:solidFill>
+              </a:endParaRPr>
+            </a:p>
+          </p:txBody>
+        </p:sp>
+        <p:sp>
+          <p:nvSpPr>
+            <p:cNvPr id="3" name="圆角矩形 2">
+              <a:extLst>
+                <a:ext uri="{FF2B5EF4-FFF2-40B4-BE49-F238E27FC236}">
+                  <a16:creationId xmlns:a16="http://schemas.microsoft.com/office/drawing/2014/main" id="{00D677D4-037B-EF47-ABCC-03B8E965548A}"/>
+                </a:ext>
+              </a:extLst>
+            </p:cNvPr>
+            <p:cNvSpPr/>
+            <p:nvPr/>
+          </p:nvSpPr>
+          <p:spPr>
+            <a:xfrm>
+              <a:off x="1460248" y="3190830"/>
+              <a:ext cx="10118194" cy="851235"/>
+            </a:xfrm>
+            <a:prstGeom prst="roundRect">
+              <a:avLst/>
+            </a:prstGeom>
+            <a:noFill/>
+            <a:ln>
+              <a:solidFill>
+                <a:schemeClr val="tx1"/>
+              </a:solidFill>
+            </a:ln>
+          </p:spPr>
+          <p:style>
+            <a:lnRef idx="2">
+              <a:schemeClr val="accent1">
+                <a:shade val="50000"/>
+              </a:schemeClr>
+            </a:lnRef>
+            <a:fillRef idx="1">
+              <a:schemeClr val="accent1"/>
+            </a:fillRef>
+            <a:effectRef idx="0">
+              <a:schemeClr val="accent1"/>
+            </a:effectRef>
+            <a:fontRef idx="minor">
+              <a:schemeClr val="lt1"/>
+            </a:fontRef>
+          </p:style>
+          <p:txBody>
+            <a:bodyPr rtlCol="0" anchor="ctr"/>
+            <a:lstStyle/>
+            <a:p>
+              <a:pPr algn="ctr"/>
+              <a:endParaRPr kumimoji="1" lang="zh-CN" altLang="en-US" sz="1000">
+                <a:solidFill>
+                  <a:schemeClr val="tx1"/>
+                </a:solidFill>
+              </a:endParaRPr>
+            </a:p>
+          </p:txBody>
+        </p:sp>
+        <p:sp>
+          <p:nvSpPr>
+            <p:cNvPr id="5" name="文本框 4">
+              <a:extLst>
+                <a:ext uri="{FF2B5EF4-FFF2-40B4-BE49-F238E27FC236}">
+                  <a16:creationId xmlns:a16="http://schemas.microsoft.com/office/drawing/2014/main" id="{1D63CAA2-5A38-B94D-A584-C5ECFA16B5E5}"/>
+                </a:ext>
+              </a:extLst>
+            </p:cNvPr>
+            <p:cNvSpPr txBox="1"/>
+            <p:nvPr/>
+          </p:nvSpPr>
+          <p:spPr>
+            <a:xfrm>
+              <a:off x="1603005" y="3429000"/>
+              <a:ext cx="748362" cy="325232"/>
+            </a:xfrm>
+            <a:prstGeom prst="rect">
+              <a:avLst/>
+            </a:prstGeom>
+            <a:noFill/>
+          </p:spPr>
+          <p:txBody>
+            <a:bodyPr wrap="square" rtlCol="0">
+              <a:spAutoFit/>
+            </a:bodyPr>
+            <a:lstStyle/>
+            <a:p>
+              <a:r>
+                <a:rPr kumimoji="1" lang="zh-CN" altLang="en-US" sz="1000"/>
+                <a:t>内核</a:t>
+              </a:r>
+            </a:p>
+          </p:txBody>
+        </p:sp>
+        <p:sp>
+          <p:nvSpPr>
+            <p:cNvPr id="7" name="椭圆 6">
+              <a:extLst>
+                <a:ext uri="{FF2B5EF4-FFF2-40B4-BE49-F238E27FC236}">
+                  <a16:creationId xmlns:a16="http://schemas.microsoft.com/office/drawing/2014/main" id="{D6C383E6-9ED3-4D4A-A8DA-EBC6A4C3D9DA}"/>
+                </a:ext>
+              </a:extLst>
+            </p:cNvPr>
+            <p:cNvSpPr/>
+            <p:nvPr/>
+          </p:nvSpPr>
+          <p:spPr>
+            <a:xfrm>
+              <a:off x="1888754" y="4702628"/>
+              <a:ext cx="1959333" cy="688769"/>
+            </a:xfrm>
+            <a:prstGeom prst="ellipse">
+              <a:avLst/>
+            </a:prstGeom>
+            <a:noFill/>
+            <a:ln>
+              <a:solidFill>
+                <a:schemeClr val="tx1"/>
+              </a:solidFill>
+            </a:ln>
+          </p:spPr>
+          <p:style>
+            <a:lnRef idx="2">
+              <a:schemeClr val="accent1">
+                <a:shade val="50000"/>
+              </a:schemeClr>
+            </a:lnRef>
+            <a:fillRef idx="1">
+              <a:schemeClr val="accent1"/>
+            </a:fillRef>
+            <a:effectRef idx="0">
+              <a:schemeClr val="accent1"/>
+            </a:effectRef>
+            <a:fontRef idx="minor">
+              <a:schemeClr val="lt1"/>
+            </a:fontRef>
+          </p:style>
+          <p:txBody>
+            <a:bodyPr rtlCol="0" anchor="ctr"/>
+            <a:lstStyle/>
+            <a:p>
+              <a:pPr algn="ctr"/>
+              <a:r>
+                <a:rPr kumimoji="1" lang="zh-CN" altLang="en-US" sz="1000">
+                  <a:solidFill>
+                    <a:schemeClr val="tx1"/>
+                  </a:solidFill>
+                </a:rPr>
+                <a:t>文件系统</a:t>
+              </a:r>
+            </a:p>
+          </p:txBody>
+        </p:sp>
+        <p:cxnSp>
+          <p:nvCxnSpPr>
+            <p:cNvPr id="11" name="曲线连接符 10">
+              <a:extLst>
+                <a:ext uri="{FF2B5EF4-FFF2-40B4-BE49-F238E27FC236}">
+                  <a16:creationId xmlns:a16="http://schemas.microsoft.com/office/drawing/2014/main" id="{06370ADA-8912-EB42-A6A8-624CC1E88FB0}"/>
+                </a:ext>
+              </a:extLst>
+            </p:cNvPr>
+            <p:cNvCxnSpPr>
+              <a:cxnSpLocks/>
+              <a:stCxn id="47" idx="2"/>
+              <a:endCxn id="7" idx="0"/>
+            </p:cNvCxnSpPr>
+            <p:nvPr/>
+          </p:nvCxnSpPr>
+          <p:spPr>
+            <a:xfrm rot="16200000" flipH="1">
+              <a:off x="1445223" y="3279429"/>
+              <a:ext cx="2151737" cy="694660"/>
+            </a:xfrm>
+            <a:prstGeom prst="curvedConnector3">
+              <a:avLst/>
+            </a:prstGeom>
+            <a:ln>
+              <a:headEnd type="triangle"/>
+              <a:tailEnd type="triangle"/>
+            </a:ln>
+          </p:spPr>
+          <p:style>
+            <a:lnRef idx="1">
+              <a:schemeClr val="accent1"/>
+            </a:lnRef>
+            <a:fillRef idx="0">
+              <a:schemeClr val="accent1"/>
+            </a:fillRef>
+            <a:effectRef idx="0">
+              <a:schemeClr val="accent1"/>
+            </a:effectRef>
+            <a:fontRef idx="minor">
+              <a:schemeClr val="tx1"/>
+            </a:fontRef>
+          </p:style>
+        </p:cxnSp>
+        <p:cxnSp>
+          <p:nvCxnSpPr>
+            <p:cNvPr id="59" name="曲线连接符 58">
+              <a:extLst>
+                <a:ext uri="{FF2B5EF4-FFF2-40B4-BE49-F238E27FC236}">
+                  <a16:creationId xmlns:a16="http://schemas.microsoft.com/office/drawing/2014/main" id="{381069D7-8F5A-DE41-A946-012F6B207A73}"/>
+                </a:ext>
+              </a:extLst>
+            </p:cNvPr>
+            <p:cNvCxnSpPr>
+              <a:cxnSpLocks/>
+              <a:stCxn id="48" idx="2"/>
+              <a:endCxn id="7" idx="0"/>
+            </p:cNvCxnSpPr>
+            <p:nvPr/>
+          </p:nvCxnSpPr>
+          <p:spPr>
+            <a:xfrm rot="5400000">
+              <a:off x="2127877" y="3291436"/>
+              <a:ext cx="2151737" cy="670647"/>
+            </a:xfrm>
+            <a:prstGeom prst="curvedConnector3">
+              <a:avLst/>
+            </a:prstGeom>
+            <a:ln>
+              <a:headEnd type="triangle"/>
+              <a:tailEnd type="triangle"/>
+            </a:ln>
+          </p:spPr>
+          <p:style>
+            <a:lnRef idx="1">
+              <a:schemeClr val="accent1"/>
+            </a:lnRef>
+            <a:fillRef idx="0">
+              <a:schemeClr val="accent1"/>
+            </a:fillRef>
+            <a:effectRef idx="0">
+              <a:schemeClr val="accent1"/>
+            </a:effectRef>
+            <a:fontRef idx="minor">
+              <a:schemeClr val="tx1"/>
+            </a:fontRef>
+          </p:style>
+        </p:cxnSp>
+        <p:sp>
+          <p:nvSpPr>
+            <p:cNvPr id="24" name="文本框 23">
+              <a:extLst>
+                <a:ext uri="{FF2B5EF4-FFF2-40B4-BE49-F238E27FC236}">
+                  <a16:creationId xmlns:a16="http://schemas.microsoft.com/office/drawing/2014/main" id="{A17FF4E8-4072-A949-BC9D-F59C48059CC8}"/>
+                </a:ext>
+              </a:extLst>
+            </p:cNvPr>
+            <p:cNvSpPr txBox="1"/>
+            <p:nvPr/>
+          </p:nvSpPr>
+          <p:spPr>
+            <a:xfrm>
+              <a:off x="2173760" y="4224206"/>
+              <a:ext cx="670648" cy="325232"/>
+            </a:xfrm>
+            <a:prstGeom prst="rect">
+              <a:avLst/>
+            </a:prstGeom>
+            <a:noFill/>
+          </p:spPr>
+          <p:txBody>
+            <a:bodyPr wrap="square" rtlCol="0">
+              <a:spAutoFit/>
+            </a:bodyPr>
+            <a:lstStyle/>
+            <a:p>
+              <a:r>
+                <a:rPr kumimoji="1" lang="en-US" altLang="zh-CN" sz="1000"/>
+                <a:t>read</a:t>
+              </a:r>
+              <a:endParaRPr kumimoji="1" lang="zh-CN" altLang="en-US" sz="1000"/>
+            </a:p>
+          </p:txBody>
+        </p:sp>
+        <p:sp>
+          <p:nvSpPr>
+            <p:cNvPr id="61" name="文本框 60">
+              <a:extLst>
+                <a:ext uri="{FF2B5EF4-FFF2-40B4-BE49-F238E27FC236}">
+                  <a16:creationId xmlns:a16="http://schemas.microsoft.com/office/drawing/2014/main" id="{B73434DC-D70A-6F4F-928E-AAECFBB1FDE6}"/>
+                </a:ext>
+              </a:extLst>
+            </p:cNvPr>
+            <p:cNvSpPr txBox="1"/>
+            <p:nvPr/>
+          </p:nvSpPr>
+          <p:spPr>
+            <a:xfrm>
+              <a:off x="3011296" y="4251576"/>
+              <a:ext cx="670648" cy="325232"/>
+            </a:xfrm>
+            <a:prstGeom prst="rect">
+              <a:avLst/>
+            </a:prstGeom>
+            <a:noFill/>
+          </p:spPr>
+          <p:txBody>
+            <a:bodyPr wrap="square" rtlCol="0">
+              <a:spAutoFit/>
+            </a:bodyPr>
+            <a:lstStyle/>
+            <a:p>
+              <a:r>
+                <a:rPr kumimoji="1" lang="en-US" altLang="zh-CN" sz="1000"/>
+                <a:t>write</a:t>
+              </a:r>
+              <a:endParaRPr kumimoji="1" lang="zh-CN" altLang="en-US" sz="1000"/>
+            </a:p>
+          </p:txBody>
+        </p:sp>
+        <p:sp>
+          <p:nvSpPr>
+            <p:cNvPr id="62" name="椭圆 61">
+              <a:extLst>
+                <a:ext uri="{FF2B5EF4-FFF2-40B4-BE49-F238E27FC236}">
+                  <a16:creationId xmlns:a16="http://schemas.microsoft.com/office/drawing/2014/main" id="{F80BF503-F789-5A4E-9CD7-2CA6F587E5D7}"/>
+                </a:ext>
+              </a:extLst>
+            </p:cNvPr>
+            <p:cNvSpPr/>
+            <p:nvPr/>
+          </p:nvSpPr>
+          <p:spPr>
+            <a:xfrm>
+              <a:off x="4843731" y="3258277"/>
+              <a:ext cx="1959333" cy="688769"/>
+            </a:xfrm>
+            <a:prstGeom prst="ellipse">
+              <a:avLst/>
+            </a:prstGeom>
+            <a:noFill/>
+            <a:ln>
+              <a:solidFill>
+                <a:schemeClr val="tx1"/>
+              </a:solidFill>
+            </a:ln>
+          </p:spPr>
+          <p:style>
+            <a:lnRef idx="2">
+              <a:schemeClr val="accent1">
+                <a:shade val="50000"/>
+              </a:schemeClr>
+            </a:lnRef>
+            <a:fillRef idx="1">
+              <a:schemeClr val="accent1"/>
+            </a:fillRef>
+            <a:effectRef idx="0">
+              <a:schemeClr val="accent1"/>
+            </a:effectRef>
+            <a:fontRef idx="minor">
+              <a:schemeClr val="lt1"/>
+            </a:fontRef>
+          </p:style>
+          <p:txBody>
+            <a:bodyPr rtlCol="0" anchor="ctr"/>
+            <a:lstStyle/>
+            <a:p>
+              <a:pPr algn="ctr"/>
+              <a:r>
+                <a:rPr kumimoji="1" lang="zh-CN" altLang="en-US" sz="1000">
+                  <a:solidFill>
+                    <a:schemeClr val="tx1"/>
+                  </a:solidFill>
+                </a:rPr>
+                <a:t>共享的信息</a:t>
+              </a:r>
+            </a:p>
+          </p:txBody>
+        </p:sp>
+        <p:sp>
+          <p:nvSpPr>
+            <p:cNvPr id="69" name="矩形 68">
+              <a:extLst>
+                <a:ext uri="{FF2B5EF4-FFF2-40B4-BE49-F238E27FC236}">
+                  <a16:creationId xmlns:a16="http://schemas.microsoft.com/office/drawing/2014/main" id="{281A6824-A92A-D045-BCCA-4E49FDF19033}"/>
+                </a:ext>
+              </a:extLst>
+            </p:cNvPr>
+            <p:cNvSpPr/>
+            <p:nvPr/>
+          </p:nvSpPr>
+          <p:spPr>
+            <a:xfrm>
+              <a:off x="4843731" y="1979390"/>
+              <a:ext cx="571500" cy="571500"/>
+            </a:xfrm>
+            <a:prstGeom prst="rect">
+              <a:avLst/>
+            </a:prstGeom>
+            <a:noFill/>
+            <a:ln>
+              <a:solidFill>
+                <a:schemeClr val="tx1"/>
+              </a:solidFill>
+            </a:ln>
+          </p:spPr>
+          <p:style>
+            <a:lnRef idx="2">
+              <a:schemeClr val="accent1">
+                <a:shade val="50000"/>
+              </a:schemeClr>
+            </a:lnRef>
+            <a:fillRef idx="1">
+              <a:schemeClr val="accent1"/>
+            </a:fillRef>
+            <a:effectRef idx="0">
+              <a:schemeClr val="accent1"/>
+            </a:effectRef>
+            <a:fontRef idx="minor">
+              <a:schemeClr val="lt1"/>
+            </a:fontRef>
+          </p:style>
+          <p:txBody>
+            <a:bodyPr rot="0" spcFirstLastPara="0" vertOverflow="overflow" horzOverflow="overflow" vert="horz" wrap="square" lIns="91440" tIns="45720" rIns="91440" bIns="45720" numCol="1" spcCol="0" rtlCol="0" fromWordArt="0" anchor="ctr" anchorCtr="0" forceAA="0" compatLnSpc="1">
+              <a:prstTxWarp prst="textNoShape">
+                <a:avLst/>
+              </a:prstTxWarp>
+              <a:noAutofit/>
+            </a:bodyPr>
+            <a:lstStyle/>
+            <a:p>
+              <a:pPr algn="ctr"/>
+              <a:r>
+                <a:rPr kumimoji="1" lang="en-US" altLang="zh-CN" sz="1000">
+                  <a:solidFill>
+                    <a:schemeClr val="tx1"/>
+                  </a:solidFill>
+                </a:rPr>
+                <a:t>P1</a:t>
+              </a:r>
+              <a:endParaRPr kumimoji="1" lang="zh-CN" altLang="en-US" sz="1000">
+                <a:solidFill>
+                  <a:schemeClr val="tx1"/>
+                </a:solidFill>
+              </a:endParaRPr>
+            </a:p>
+          </p:txBody>
+        </p:sp>
+        <p:sp>
+          <p:nvSpPr>
+            <p:cNvPr id="73" name="矩形 72">
+              <a:extLst>
+                <a:ext uri="{FF2B5EF4-FFF2-40B4-BE49-F238E27FC236}">
+                  <a16:creationId xmlns:a16="http://schemas.microsoft.com/office/drawing/2014/main" id="{7BB84956-A60C-BB43-9398-D389B2E9F41B}"/>
+                </a:ext>
+              </a:extLst>
+            </p:cNvPr>
+            <p:cNvSpPr/>
+            <p:nvPr/>
+          </p:nvSpPr>
+          <p:spPr>
+            <a:xfrm>
+              <a:off x="6209038" y="1979390"/>
+              <a:ext cx="571500" cy="571500"/>
+            </a:xfrm>
+            <a:prstGeom prst="rect">
+              <a:avLst/>
+            </a:prstGeom>
+            <a:noFill/>
+            <a:ln>
+              <a:solidFill>
+                <a:schemeClr val="tx1"/>
+              </a:solidFill>
+            </a:ln>
+          </p:spPr>
+          <p:style>
+            <a:lnRef idx="2">
+              <a:schemeClr val="accent1">
+                <a:shade val="50000"/>
+              </a:schemeClr>
+            </a:lnRef>
+            <a:fillRef idx="1">
+              <a:schemeClr val="accent1"/>
+            </a:fillRef>
+            <a:effectRef idx="0">
+              <a:schemeClr val="accent1"/>
+            </a:effectRef>
+            <a:fontRef idx="minor">
+              <a:schemeClr val="lt1"/>
+            </a:fontRef>
+          </p:style>
+          <p:txBody>
+            <a:bodyPr rot="0" spcFirstLastPara="0" vertOverflow="overflow" horzOverflow="overflow" vert="horz" wrap="square" lIns="91440" tIns="45720" rIns="91440" bIns="45720" numCol="1" spcCol="0" rtlCol="0" fromWordArt="0" anchor="ctr" anchorCtr="0" forceAA="0" compatLnSpc="1">
+              <a:prstTxWarp prst="textNoShape">
+                <a:avLst/>
+              </a:prstTxWarp>
+              <a:noAutofit/>
+            </a:bodyPr>
+            <a:lstStyle/>
+            <a:p>
+              <a:pPr algn="ctr"/>
+              <a:r>
+                <a:rPr kumimoji="1" lang="en-US" altLang="zh-CN" sz="1000">
+                  <a:solidFill>
+                    <a:schemeClr val="tx1"/>
+                  </a:solidFill>
+                </a:rPr>
+                <a:t>P2</a:t>
+              </a:r>
+              <a:endParaRPr kumimoji="1" lang="zh-CN" altLang="en-US" sz="1000">
+                <a:solidFill>
+                  <a:schemeClr val="tx1"/>
+                </a:solidFill>
+              </a:endParaRPr>
+            </a:p>
+          </p:txBody>
+        </p:sp>
+        <p:cxnSp>
+          <p:nvCxnSpPr>
+            <p:cNvPr id="74" name="曲线连接符 73">
+              <a:extLst>
+                <a:ext uri="{FF2B5EF4-FFF2-40B4-BE49-F238E27FC236}">
+                  <a16:creationId xmlns:a16="http://schemas.microsoft.com/office/drawing/2014/main" id="{CAF1299A-A902-7148-BFF1-BB9266D334B6}"/>
+                </a:ext>
+              </a:extLst>
+            </p:cNvPr>
+            <p:cNvCxnSpPr>
+              <a:cxnSpLocks/>
+              <a:stCxn id="69" idx="2"/>
+              <a:endCxn id="62" idx="1"/>
+            </p:cNvCxnSpPr>
+            <p:nvPr/>
+          </p:nvCxnSpPr>
+          <p:spPr>
+            <a:xfrm rot="16200000" flipH="1">
+              <a:off x="4725948" y="2954423"/>
+              <a:ext cx="808255" cy="1188"/>
+            </a:xfrm>
+            <a:prstGeom prst="curvedConnector3">
+              <a:avLst>
+                <a:gd name="adj1" fmla="val 50000"/>
+              </a:avLst>
+            </a:prstGeom>
+            <a:ln>
+              <a:headEnd type="triangle"/>
+              <a:tailEnd type="triangle"/>
+            </a:ln>
+          </p:spPr>
+          <p:style>
+            <a:lnRef idx="1">
+              <a:schemeClr val="accent1"/>
+            </a:lnRef>
+            <a:fillRef idx="0">
+              <a:schemeClr val="accent1"/>
+            </a:fillRef>
+            <a:effectRef idx="0">
+              <a:schemeClr val="accent1"/>
+            </a:effectRef>
+            <a:fontRef idx="minor">
+              <a:schemeClr val="tx1"/>
+            </a:fontRef>
+          </p:style>
+        </p:cxnSp>
+        <p:cxnSp>
+          <p:nvCxnSpPr>
+            <p:cNvPr id="75" name="曲线连接符 74">
+              <a:extLst>
+                <a:ext uri="{FF2B5EF4-FFF2-40B4-BE49-F238E27FC236}">
+                  <a16:creationId xmlns:a16="http://schemas.microsoft.com/office/drawing/2014/main" id="{147EEEC0-FFEF-054C-B885-0859DA98B79A}"/>
+                </a:ext>
+              </a:extLst>
+            </p:cNvPr>
+            <p:cNvCxnSpPr>
+              <a:cxnSpLocks/>
+              <a:stCxn id="73" idx="2"/>
+              <a:endCxn id="62" idx="7"/>
+            </p:cNvCxnSpPr>
+            <p:nvPr/>
+          </p:nvCxnSpPr>
+          <p:spPr>
+            <a:xfrm rot="16200000" flipH="1">
+              <a:off x="6101330" y="2944348"/>
+              <a:ext cx="808255" cy="21338"/>
+            </a:xfrm>
+            <a:prstGeom prst="curvedConnector3">
+              <a:avLst>
+                <a:gd name="adj1" fmla="val 50000"/>
+              </a:avLst>
+            </a:prstGeom>
+            <a:ln>
+              <a:headEnd type="triangle"/>
+              <a:tailEnd type="triangle"/>
+            </a:ln>
+          </p:spPr>
+          <p:style>
+            <a:lnRef idx="1">
+              <a:schemeClr val="accent1"/>
+            </a:lnRef>
+            <a:fillRef idx="0">
+              <a:schemeClr val="accent1"/>
+            </a:fillRef>
+            <a:effectRef idx="0">
+              <a:schemeClr val="accent1"/>
+            </a:effectRef>
+            <a:fontRef idx="minor">
+              <a:schemeClr val="tx1"/>
+            </a:fontRef>
+          </p:style>
+        </p:cxnSp>
+        <p:sp>
+          <p:nvSpPr>
+            <p:cNvPr id="29" name="文本框 28">
+              <a:extLst>
+                <a:ext uri="{FF2B5EF4-FFF2-40B4-BE49-F238E27FC236}">
+                  <a16:creationId xmlns:a16="http://schemas.microsoft.com/office/drawing/2014/main" id="{ECFBB32C-82A5-394F-8D89-8FE90B1C7559}"/>
+                </a:ext>
+              </a:extLst>
+            </p:cNvPr>
+            <p:cNvSpPr txBox="1"/>
+            <p:nvPr/>
+          </p:nvSpPr>
+          <p:spPr>
+            <a:xfrm>
+              <a:off x="5293904" y="2520527"/>
+              <a:ext cx="1087284" cy="731773"/>
+            </a:xfrm>
+            <a:prstGeom prst="rect">
+              <a:avLst/>
+            </a:prstGeom>
+            <a:noFill/>
+          </p:spPr>
+          <p:txBody>
+            <a:bodyPr wrap="square" rtlCol="0">
+              <a:spAutoFit/>
+            </a:bodyPr>
+            <a:lstStyle/>
+            <a:p>
+              <a:pPr algn="ctr"/>
+              <a:r>
+                <a:rPr kumimoji="1" lang="zh-CN" altLang="en-US" sz="1000"/>
+                <a:t>管道</a:t>
+              </a:r>
+              <a:r>
+                <a:rPr kumimoji="1" lang="en-US" altLang="zh-CN" sz="1000"/>
+                <a:t>/FIFO</a:t>
+              </a:r>
+            </a:p>
+            <a:p>
+              <a:pPr algn="ctr"/>
+              <a:r>
+                <a:rPr kumimoji="1" lang="zh-CN" altLang="en-US" sz="1000"/>
+                <a:t>消息队列</a:t>
+              </a:r>
+              <a:endParaRPr kumimoji="1" lang="en-US" altLang="zh-CN" sz="1000"/>
+            </a:p>
+            <a:p>
+              <a:pPr algn="ctr"/>
+              <a:r>
+                <a:rPr kumimoji="1" lang="zh-CN" altLang="en-US" sz="1000"/>
+                <a:t>信号量</a:t>
+              </a:r>
+            </a:p>
+          </p:txBody>
+        </p:sp>
+        <p:sp>
+          <p:nvSpPr>
+            <p:cNvPr id="76" name="矩形 75">
+              <a:extLst>
+                <a:ext uri="{FF2B5EF4-FFF2-40B4-BE49-F238E27FC236}">
+                  <a16:creationId xmlns:a16="http://schemas.microsoft.com/office/drawing/2014/main" id="{CFBEB5C9-D079-BA49-8934-5DAB78D4FF94}"/>
+                </a:ext>
+              </a:extLst>
+            </p:cNvPr>
+            <p:cNvSpPr/>
+            <p:nvPr/>
+          </p:nvSpPr>
+          <p:spPr>
+            <a:xfrm>
+              <a:off x="7760882" y="1979390"/>
+              <a:ext cx="571500" cy="571500"/>
+            </a:xfrm>
+            <a:prstGeom prst="rect">
+              <a:avLst/>
+            </a:prstGeom>
+            <a:noFill/>
+            <a:ln>
+              <a:solidFill>
+                <a:schemeClr val="tx1"/>
+              </a:solidFill>
+            </a:ln>
+          </p:spPr>
+          <p:style>
+            <a:lnRef idx="2">
+              <a:schemeClr val="accent1">
+                <a:shade val="50000"/>
+              </a:schemeClr>
+            </a:lnRef>
+            <a:fillRef idx="1">
+              <a:schemeClr val="accent1"/>
+            </a:fillRef>
+            <a:effectRef idx="0">
+              <a:schemeClr val="accent1"/>
+            </a:effectRef>
+            <a:fontRef idx="minor">
+              <a:schemeClr val="lt1"/>
+            </a:fontRef>
+          </p:style>
+          <p:txBody>
+            <a:bodyPr rot="0" spcFirstLastPara="0" vertOverflow="overflow" horzOverflow="overflow" vert="horz" wrap="square" lIns="91440" tIns="45720" rIns="91440" bIns="45720" numCol="1" spcCol="0" rtlCol="0" fromWordArt="0" anchor="ctr" anchorCtr="0" forceAA="0" compatLnSpc="1">
+              <a:prstTxWarp prst="textNoShape">
+                <a:avLst/>
+              </a:prstTxWarp>
+              <a:noAutofit/>
+            </a:bodyPr>
+            <a:lstStyle/>
+            <a:p>
+              <a:pPr algn="ctr"/>
+              <a:r>
+                <a:rPr kumimoji="1" lang="en-US" altLang="zh-CN" sz="1000">
+                  <a:solidFill>
+                    <a:schemeClr val="tx1"/>
+                  </a:solidFill>
+                </a:rPr>
+                <a:t>P1</a:t>
+              </a:r>
+              <a:endParaRPr kumimoji="1" lang="zh-CN" altLang="en-US" sz="1000">
+                <a:solidFill>
+                  <a:schemeClr val="tx1"/>
+                </a:solidFill>
+              </a:endParaRPr>
+            </a:p>
+          </p:txBody>
+        </p:sp>
+        <p:sp>
+          <p:nvSpPr>
+            <p:cNvPr id="77" name="矩形 76">
+              <a:extLst>
+                <a:ext uri="{FF2B5EF4-FFF2-40B4-BE49-F238E27FC236}">
+                  <a16:creationId xmlns:a16="http://schemas.microsoft.com/office/drawing/2014/main" id="{65DFAAEA-6F37-E347-825B-7539C6C05DD3}"/>
+                </a:ext>
+              </a:extLst>
+            </p:cNvPr>
+            <p:cNvSpPr/>
+            <p:nvPr/>
+          </p:nvSpPr>
+          <p:spPr>
+            <a:xfrm>
+              <a:off x="10257965" y="1982518"/>
+              <a:ext cx="571500" cy="571500"/>
+            </a:xfrm>
+            <a:prstGeom prst="rect">
+              <a:avLst/>
+            </a:prstGeom>
+            <a:noFill/>
+            <a:ln>
+              <a:solidFill>
+                <a:schemeClr val="tx1"/>
+              </a:solidFill>
+            </a:ln>
+          </p:spPr>
+          <p:style>
+            <a:lnRef idx="2">
+              <a:schemeClr val="accent1">
+                <a:shade val="50000"/>
+              </a:schemeClr>
+            </a:lnRef>
+            <a:fillRef idx="1">
+              <a:schemeClr val="accent1"/>
+            </a:fillRef>
+            <a:effectRef idx="0">
+              <a:schemeClr val="accent1"/>
+            </a:effectRef>
+            <a:fontRef idx="minor">
+              <a:schemeClr val="lt1"/>
+            </a:fontRef>
+          </p:style>
+          <p:txBody>
+            <a:bodyPr rot="0" spcFirstLastPara="0" vertOverflow="overflow" horzOverflow="overflow" vert="horz" wrap="square" lIns="91440" tIns="45720" rIns="91440" bIns="45720" numCol="1" spcCol="0" rtlCol="0" fromWordArt="0" anchor="ctr" anchorCtr="0" forceAA="0" compatLnSpc="1">
+              <a:prstTxWarp prst="textNoShape">
+                <a:avLst/>
+              </a:prstTxWarp>
+              <a:noAutofit/>
+            </a:bodyPr>
+            <a:lstStyle/>
+            <a:p>
+              <a:pPr algn="ctr"/>
+              <a:r>
+                <a:rPr kumimoji="1" lang="en-US" altLang="zh-CN" sz="1000">
+                  <a:solidFill>
+                    <a:schemeClr val="tx1"/>
+                  </a:solidFill>
+                </a:rPr>
+                <a:t>P2</a:t>
+              </a:r>
+              <a:endParaRPr kumimoji="1" lang="zh-CN" altLang="en-US" sz="1000">
+                <a:solidFill>
+                  <a:schemeClr val="tx1"/>
+                </a:solidFill>
+              </a:endParaRPr>
+            </a:p>
+          </p:txBody>
+        </p:sp>
+        <p:sp>
+          <p:nvSpPr>
+            <p:cNvPr id="78" name="椭圆 77">
+              <a:extLst>
+                <a:ext uri="{FF2B5EF4-FFF2-40B4-BE49-F238E27FC236}">
+                  <a16:creationId xmlns:a16="http://schemas.microsoft.com/office/drawing/2014/main" id="{280791AA-E5E9-0940-AC2D-8264C45727F1}"/>
+                </a:ext>
+              </a:extLst>
+            </p:cNvPr>
+            <p:cNvSpPr/>
+            <p:nvPr/>
+          </p:nvSpPr>
+          <p:spPr>
+            <a:xfrm>
+              <a:off x="8641140" y="1920755"/>
+              <a:ext cx="1288727" cy="688769"/>
+            </a:xfrm>
+            <a:prstGeom prst="ellipse">
+              <a:avLst/>
+            </a:prstGeom>
+            <a:noFill/>
+            <a:ln>
+              <a:solidFill>
+                <a:schemeClr val="tx1"/>
+              </a:solidFill>
+            </a:ln>
+          </p:spPr>
+          <p:style>
+            <a:lnRef idx="2">
+              <a:schemeClr val="accent1">
+                <a:shade val="50000"/>
+              </a:schemeClr>
+            </a:lnRef>
+            <a:fillRef idx="1">
+              <a:schemeClr val="accent1"/>
+            </a:fillRef>
+            <a:effectRef idx="0">
+              <a:schemeClr val="accent1"/>
+            </a:effectRef>
+            <a:fontRef idx="minor">
+              <a:schemeClr val="lt1"/>
+            </a:fontRef>
+          </p:style>
+          <p:txBody>
+            <a:bodyPr rtlCol="0" anchor="ctr"/>
+            <a:lstStyle/>
+            <a:p>
+              <a:pPr algn="ctr"/>
+              <a:r>
+                <a:rPr kumimoji="1" lang="zh-CN" altLang="en-US" sz="1000">
+                  <a:solidFill>
+                    <a:schemeClr val="tx1"/>
+                  </a:solidFill>
+                </a:rPr>
+                <a:t>共享内存区</a:t>
+              </a:r>
+            </a:p>
+          </p:txBody>
+        </p:sp>
+        <p:cxnSp>
+          <p:nvCxnSpPr>
+            <p:cNvPr id="31" name="曲线连接符 30">
+              <a:extLst>
+                <a:ext uri="{FF2B5EF4-FFF2-40B4-BE49-F238E27FC236}">
+                  <a16:creationId xmlns:a16="http://schemas.microsoft.com/office/drawing/2014/main" id="{146D7C11-D860-7147-BD2A-63B4AFDCCA21}"/>
+                </a:ext>
+              </a:extLst>
+            </p:cNvPr>
+            <p:cNvCxnSpPr>
+              <a:cxnSpLocks/>
+              <a:stCxn id="76" idx="3"/>
+              <a:endCxn id="78" idx="2"/>
+            </p:cNvCxnSpPr>
+            <p:nvPr/>
+          </p:nvCxnSpPr>
+          <p:spPr>
+            <a:xfrm>
+              <a:off x="8332382" y="2265140"/>
+              <a:ext cx="308758" cy="12700"/>
+            </a:xfrm>
+            <a:prstGeom prst="curvedConnector3">
+              <a:avLst/>
+            </a:prstGeom>
+            <a:ln>
+              <a:headEnd type="triangle"/>
+              <a:tailEnd type="triangle"/>
+            </a:ln>
+          </p:spPr>
+          <p:style>
+            <a:lnRef idx="1">
+              <a:schemeClr val="accent1"/>
+            </a:lnRef>
+            <a:fillRef idx="0">
+              <a:schemeClr val="accent1"/>
+            </a:fillRef>
+            <a:effectRef idx="0">
+              <a:schemeClr val="accent1"/>
+            </a:effectRef>
+            <a:fontRef idx="minor">
+              <a:schemeClr val="tx1"/>
+            </a:fontRef>
+          </p:style>
+        </p:cxnSp>
+        <p:cxnSp>
+          <p:nvCxnSpPr>
+            <p:cNvPr id="79" name="曲线连接符 78">
+              <a:extLst>
+                <a:ext uri="{FF2B5EF4-FFF2-40B4-BE49-F238E27FC236}">
+                  <a16:creationId xmlns:a16="http://schemas.microsoft.com/office/drawing/2014/main" id="{1D179C77-AC18-A042-856A-BEEE6DEB0BC4}"/>
+                </a:ext>
+              </a:extLst>
+            </p:cNvPr>
+            <p:cNvCxnSpPr>
+              <a:cxnSpLocks/>
+              <a:stCxn id="78" idx="6"/>
+              <a:endCxn id="77" idx="1"/>
+            </p:cNvCxnSpPr>
+            <p:nvPr/>
+          </p:nvCxnSpPr>
+          <p:spPr>
+            <a:xfrm>
+              <a:off x="9929867" y="2265140"/>
+              <a:ext cx="328098" cy="3128"/>
+            </a:xfrm>
+            <a:prstGeom prst="curvedConnector3">
+              <a:avLst/>
+            </a:prstGeom>
+            <a:ln>
+              <a:headEnd type="triangle"/>
+              <a:tailEnd type="triangle"/>
+            </a:ln>
+          </p:spPr>
+          <p:style>
+            <a:lnRef idx="1">
+              <a:schemeClr val="accent1"/>
+            </a:lnRef>
+            <a:fillRef idx="0">
+              <a:schemeClr val="accent1"/>
+            </a:fillRef>
+            <a:effectRef idx="0">
+              <a:schemeClr val="accent1"/>
+            </a:effectRef>
+            <a:fontRef idx="minor">
+              <a:schemeClr val="tx1"/>
+            </a:fontRef>
+          </p:style>
+        </p:cxnSp>
+      </p:grpSp>
+      <p:sp>
+        <p:nvSpPr>
+          <p:cNvPr id="85" name="左大括号 84">
+            <a:extLst>
+              <a:ext uri="{FF2B5EF4-FFF2-40B4-BE49-F238E27FC236}">
+                <a16:creationId xmlns:a16="http://schemas.microsoft.com/office/drawing/2014/main" id="{B077745D-084E-7444-8AEE-8AF81B09E0BA}"/>
+              </a:ext>
+            </a:extLst>
+          </p:cNvPr>
+          <p:cNvSpPr/>
+          <p:nvPr/>
+        </p:nvSpPr>
+        <p:spPr>
+          <a:xfrm>
+            <a:off x="1456862" y="1407977"/>
+            <a:ext cx="192309" cy="948184"/>
+          </a:xfrm>
+          <a:prstGeom prst="leftBrace">
+            <a:avLst/>
+          </a:prstGeom>
+        </p:spPr>
+        <p:style>
+          <a:lnRef idx="1">
+            <a:schemeClr val="accent1"/>
+          </a:lnRef>
+          <a:fillRef idx="0">
+            <a:schemeClr val="accent1"/>
+          </a:fillRef>
+          <a:effectRef idx="0">
+            <a:schemeClr val="accent1"/>
+          </a:effectRef>
+          <a:fontRef idx="minor">
+            <a:schemeClr val="tx1"/>
+          </a:fontRef>
+        </p:style>
+        <p:txBody>
+          <a:bodyPr rtlCol="0" anchor="ctr"/>
+          <a:lstStyle/>
+          <a:p>
+            <a:pPr algn="ctr"/>
+            <a:endParaRPr kumimoji="1" lang="zh-CN" altLang="en-US" sz="1000"/>
+          </a:p>
+        </p:txBody>
+      </p:sp>
+      <p:sp>
+        <p:nvSpPr>
+          <p:cNvPr id="86" name="左大括号 85">
+            <a:extLst>
+              <a:ext uri="{FF2B5EF4-FFF2-40B4-BE49-F238E27FC236}">
+                <a16:creationId xmlns:a16="http://schemas.microsoft.com/office/drawing/2014/main" id="{385D5125-F25D-9A46-94BA-C5DDFB13893E}"/>
+              </a:ext>
+            </a:extLst>
+          </p:cNvPr>
+          <p:cNvSpPr/>
+          <p:nvPr/>
+        </p:nvSpPr>
+        <p:spPr>
+          <a:xfrm>
+            <a:off x="1503712" y="2535279"/>
+            <a:ext cx="192309" cy="839371"/>
+          </a:xfrm>
+          <a:prstGeom prst="leftBrace">
+            <a:avLst/>
+          </a:prstGeom>
+        </p:spPr>
+        <p:style>
+          <a:lnRef idx="1">
+            <a:schemeClr val="accent1"/>
+          </a:lnRef>
+          <a:fillRef idx="0">
+            <a:schemeClr val="accent1"/>
+          </a:fillRef>
+          <a:effectRef idx="0">
+            <a:schemeClr val="accent1"/>
+          </a:effectRef>
+          <a:fontRef idx="minor">
+            <a:schemeClr val="tx1"/>
+          </a:fontRef>
+        </p:style>
+        <p:txBody>
+          <a:bodyPr rtlCol="0" anchor="ctr"/>
+          <a:lstStyle/>
+          <a:p>
+            <a:pPr algn="ctr"/>
+            <a:endParaRPr kumimoji="1" lang="zh-CN" altLang="en-US" sz="1000"/>
+          </a:p>
+        </p:txBody>
+      </p:sp>
+      <p:sp>
+        <p:nvSpPr>
+          <p:cNvPr id="87" name="左大括号 86">
+            <a:extLst>
+              <a:ext uri="{FF2B5EF4-FFF2-40B4-BE49-F238E27FC236}">
+                <a16:creationId xmlns:a16="http://schemas.microsoft.com/office/drawing/2014/main" id="{7FB8AED3-3F12-0145-BEEF-825E3D76181D}"/>
+              </a:ext>
+            </a:extLst>
+          </p:cNvPr>
+          <p:cNvSpPr/>
+          <p:nvPr/>
+        </p:nvSpPr>
+        <p:spPr>
+          <a:xfrm>
+            <a:off x="1515284" y="3516413"/>
+            <a:ext cx="192309" cy="757099"/>
+          </a:xfrm>
+          <a:prstGeom prst="leftBrace">
+            <a:avLst/>
+          </a:prstGeom>
+        </p:spPr>
+        <p:style>
+          <a:lnRef idx="1">
+            <a:schemeClr val="accent1"/>
+          </a:lnRef>
+          <a:fillRef idx="0">
+            <a:schemeClr val="accent1"/>
+          </a:fillRef>
+          <a:effectRef idx="0">
+            <a:schemeClr val="accent1"/>
+          </a:effectRef>
+          <a:fontRef idx="minor">
+            <a:schemeClr val="tx1"/>
+          </a:fontRef>
+        </p:style>
+        <p:txBody>
+          <a:bodyPr rtlCol="0" anchor="ctr"/>
+          <a:lstStyle/>
+          <a:p>
+            <a:pPr algn="ctr"/>
+            <a:endParaRPr kumimoji="1" lang="zh-CN" altLang="en-US" sz="1000"/>
+          </a:p>
+        </p:txBody>
+      </p:sp>
+      <p:sp>
+        <p:nvSpPr>
+          <p:cNvPr id="88" name="文本框 87">
+            <a:extLst>
+              <a:ext uri="{FF2B5EF4-FFF2-40B4-BE49-F238E27FC236}">
+                <a16:creationId xmlns:a16="http://schemas.microsoft.com/office/drawing/2014/main" id="{F2A26C04-D2C0-4048-ABFB-86DB8E34D746}"/>
+              </a:ext>
+            </a:extLst>
+          </p:cNvPr>
+          <p:cNvSpPr txBox="1"/>
+          <p:nvPr/>
+        </p:nvSpPr>
+        <p:spPr>
+          <a:xfrm>
+            <a:off x="133684" y="1610932"/>
+            <a:ext cx="1416738" cy="553998"/>
+          </a:xfrm>
+          <a:prstGeom prst="rect">
+            <a:avLst/>
+          </a:prstGeom>
+          <a:noFill/>
+        </p:spPr>
+        <p:txBody>
+          <a:bodyPr wrap="square" rtlCol="0">
+            <a:spAutoFit/>
+          </a:bodyPr>
+          <a:lstStyle/>
+          <a:p>
+            <a:r>
+              <a:rPr kumimoji="1" lang="zh-CN" altLang="en-US" sz="1000"/>
+              <a:t>随进程持续</a:t>
+            </a:r>
+            <a:endParaRPr kumimoji="1" lang="en-US" altLang="zh-CN" sz="1000"/>
+          </a:p>
+          <a:p>
+            <a:r>
+              <a:rPr kumimoji="1" lang="zh-CN" altLang="en-US" sz="1000"/>
+              <a:t>存在直到最后一个进程关闭该对象</a:t>
+            </a:r>
+          </a:p>
+        </p:txBody>
+      </p:sp>
+      <p:sp>
+        <p:nvSpPr>
+          <p:cNvPr id="89" name="文本框 88">
+            <a:extLst>
+              <a:ext uri="{FF2B5EF4-FFF2-40B4-BE49-F238E27FC236}">
+                <a16:creationId xmlns:a16="http://schemas.microsoft.com/office/drawing/2014/main" id="{285F9B43-A739-5E47-B0E4-F3E1108CC62A}"/>
+              </a:ext>
+            </a:extLst>
+          </p:cNvPr>
+          <p:cNvSpPr txBox="1"/>
+          <p:nvPr/>
+        </p:nvSpPr>
+        <p:spPr>
+          <a:xfrm>
+            <a:off x="121595" y="2763185"/>
+            <a:ext cx="1416738" cy="553998"/>
+          </a:xfrm>
+          <a:prstGeom prst="rect">
+            <a:avLst/>
+          </a:prstGeom>
+          <a:noFill/>
+        </p:spPr>
+        <p:txBody>
+          <a:bodyPr wrap="square" rtlCol="0">
+            <a:spAutoFit/>
+          </a:bodyPr>
+          <a:lstStyle/>
+          <a:p>
+            <a:r>
+              <a:rPr kumimoji="1" lang="zh-CN" altLang="en-US" sz="1000"/>
+              <a:t>随内核持续</a:t>
+            </a:r>
+            <a:endParaRPr kumimoji="1" lang="en-US" altLang="zh-CN" sz="1000"/>
+          </a:p>
+          <a:p>
+            <a:r>
+              <a:rPr kumimoji="1" lang="zh-CN" altLang="en-US" sz="1000"/>
+              <a:t>存在直到内核重新自举或显示删除该对象</a:t>
+            </a:r>
+          </a:p>
+        </p:txBody>
+      </p:sp>
+      <p:sp>
+        <p:nvSpPr>
+          <p:cNvPr id="90" name="文本框 89">
+            <a:extLst>
+              <a:ext uri="{FF2B5EF4-FFF2-40B4-BE49-F238E27FC236}">
+                <a16:creationId xmlns:a16="http://schemas.microsoft.com/office/drawing/2014/main" id="{467D9B09-884E-474A-B4DA-F5B959E23B76}"/>
+              </a:ext>
+            </a:extLst>
+          </p:cNvPr>
+          <p:cNvSpPr txBox="1"/>
+          <p:nvPr/>
+        </p:nvSpPr>
+        <p:spPr>
+          <a:xfrm>
+            <a:off x="60032" y="3694907"/>
+            <a:ext cx="1677975" cy="400110"/>
+          </a:xfrm>
+          <a:prstGeom prst="rect">
+            <a:avLst/>
+          </a:prstGeom>
+          <a:noFill/>
+        </p:spPr>
+        <p:txBody>
+          <a:bodyPr wrap="square" rtlCol="0">
+            <a:spAutoFit/>
+          </a:bodyPr>
+          <a:lstStyle/>
+          <a:p>
+            <a:r>
+              <a:rPr kumimoji="1" lang="zh-CN" altLang="en-US" sz="1000"/>
+              <a:t>随文件系统持续</a:t>
+            </a:r>
+            <a:endParaRPr kumimoji="1" lang="en-US" altLang="zh-CN" sz="1000"/>
+          </a:p>
+          <a:p>
+            <a:r>
+              <a:rPr kumimoji="1" lang="zh-CN" altLang="en-US" sz="1000"/>
+              <a:t>存在直到显示删除该对象</a:t>
+            </a:r>
+          </a:p>
+        </p:txBody>
+      </p:sp>
+    </p:spTree>
+    <p:extLst>
+      <p:ext uri="{BB962C8B-B14F-4D97-AF65-F5344CB8AC3E}">
+        <p14:creationId xmlns:p14="http://schemas.microsoft.com/office/powerpoint/2010/main" val="1909024496"/>
+      </p:ext>
+    </p:extLst>
+  </p:cSld>
+  <p:clrMapOvr>
+    <a:masterClrMapping/>
+  </p:clrMapOvr>
+</p:sld>
+</file>
+
 <file path=ppt/theme/theme1.xml><?xml version="1.0" encoding="utf-8"?>
 <a:theme xmlns:a="http://schemas.openxmlformats.org/drawingml/2006/main" name="Office 主题​​">
   <a:themeElements>

--- a/ppts/进程.pptx
+++ b/ppts/进程.pptx
@@ -277,7 +277,7 @@
           <a:p>
             <a:fld id="{3D71AFD6-832F-764F-A8C5-443411455556}" type="datetimeFigureOut">
               <a:rPr kumimoji="1" lang="zh-CN" altLang="en-US" smtClean="0"/>
-              <a:t>2019/10/22</a:t>
+              <a:t>2019/10/23</a:t>
             </a:fld>
             <a:endParaRPr kumimoji="1" lang="zh-CN" altLang="en-US"/>
           </a:p>
@@ -475,7 +475,7 @@
           <a:p>
             <a:fld id="{3D71AFD6-832F-764F-A8C5-443411455556}" type="datetimeFigureOut">
               <a:rPr kumimoji="1" lang="zh-CN" altLang="en-US" smtClean="0"/>
-              <a:t>2019/10/22</a:t>
+              <a:t>2019/10/23</a:t>
             </a:fld>
             <a:endParaRPr kumimoji="1" lang="zh-CN" altLang="en-US"/>
           </a:p>
@@ -683,7 +683,7 @@
           <a:p>
             <a:fld id="{3D71AFD6-832F-764F-A8C5-443411455556}" type="datetimeFigureOut">
               <a:rPr kumimoji="1" lang="zh-CN" altLang="en-US" smtClean="0"/>
-              <a:t>2019/10/22</a:t>
+              <a:t>2019/10/23</a:t>
             </a:fld>
             <a:endParaRPr kumimoji="1" lang="zh-CN" altLang="en-US"/>
           </a:p>
@@ -881,7 +881,7 @@
           <a:p>
             <a:fld id="{3D71AFD6-832F-764F-A8C5-443411455556}" type="datetimeFigureOut">
               <a:rPr kumimoji="1" lang="zh-CN" altLang="en-US" smtClean="0"/>
-              <a:t>2019/10/22</a:t>
+              <a:t>2019/10/23</a:t>
             </a:fld>
             <a:endParaRPr kumimoji="1" lang="zh-CN" altLang="en-US"/>
           </a:p>
@@ -1156,7 +1156,7 @@
           <a:p>
             <a:fld id="{3D71AFD6-832F-764F-A8C5-443411455556}" type="datetimeFigureOut">
               <a:rPr kumimoji="1" lang="zh-CN" altLang="en-US" smtClean="0"/>
-              <a:t>2019/10/22</a:t>
+              <a:t>2019/10/23</a:t>
             </a:fld>
             <a:endParaRPr kumimoji="1" lang="zh-CN" altLang="en-US"/>
           </a:p>
@@ -1421,7 +1421,7 @@
           <a:p>
             <a:fld id="{3D71AFD6-832F-764F-A8C5-443411455556}" type="datetimeFigureOut">
               <a:rPr kumimoji="1" lang="zh-CN" altLang="en-US" smtClean="0"/>
-              <a:t>2019/10/22</a:t>
+              <a:t>2019/10/23</a:t>
             </a:fld>
             <a:endParaRPr kumimoji="1" lang="zh-CN" altLang="en-US"/>
           </a:p>
@@ -1833,7 +1833,7 @@
           <a:p>
             <a:fld id="{3D71AFD6-832F-764F-A8C5-443411455556}" type="datetimeFigureOut">
               <a:rPr kumimoji="1" lang="zh-CN" altLang="en-US" smtClean="0"/>
-              <a:t>2019/10/22</a:t>
+              <a:t>2019/10/23</a:t>
             </a:fld>
             <a:endParaRPr kumimoji="1" lang="zh-CN" altLang="en-US"/>
           </a:p>
@@ -1974,7 +1974,7 @@
           <a:p>
             <a:fld id="{3D71AFD6-832F-764F-A8C5-443411455556}" type="datetimeFigureOut">
               <a:rPr kumimoji="1" lang="zh-CN" altLang="en-US" smtClean="0"/>
-              <a:t>2019/10/22</a:t>
+              <a:t>2019/10/23</a:t>
             </a:fld>
             <a:endParaRPr kumimoji="1" lang="zh-CN" altLang="en-US"/>
           </a:p>
@@ -2087,7 +2087,7 @@
           <a:p>
             <a:fld id="{3D71AFD6-832F-764F-A8C5-443411455556}" type="datetimeFigureOut">
               <a:rPr kumimoji="1" lang="zh-CN" altLang="en-US" smtClean="0"/>
-              <a:t>2019/10/22</a:t>
+              <a:t>2019/10/23</a:t>
             </a:fld>
             <a:endParaRPr kumimoji="1" lang="zh-CN" altLang="en-US"/>
           </a:p>
@@ -2398,7 +2398,7 @@
           <a:p>
             <a:fld id="{3D71AFD6-832F-764F-A8C5-443411455556}" type="datetimeFigureOut">
               <a:rPr kumimoji="1" lang="zh-CN" altLang="en-US" smtClean="0"/>
-              <a:t>2019/10/22</a:t>
+              <a:t>2019/10/23</a:t>
             </a:fld>
             <a:endParaRPr kumimoji="1" lang="zh-CN" altLang="en-US"/>
           </a:p>
@@ -2686,7 +2686,7 @@
           <a:p>
             <a:fld id="{3D71AFD6-832F-764F-A8C5-443411455556}" type="datetimeFigureOut">
               <a:rPr kumimoji="1" lang="zh-CN" altLang="en-US" smtClean="0"/>
-              <a:t>2019/10/22</a:t>
+              <a:t>2019/10/23</a:t>
             </a:fld>
             <a:endParaRPr kumimoji="1" lang="zh-CN" altLang="en-US"/>
           </a:p>
@@ -2927,7 +2927,7 @@
           <a:p>
             <a:fld id="{3D71AFD6-832F-764F-A8C5-443411455556}" type="datetimeFigureOut">
               <a:rPr kumimoji="1" lang="zh-CN" altLang="en-US" smtClean="0"/>
-              <a:t>2019/10/22</a:t>
+              <a:t>2019/10/23</a:t>
             </a:fld>
             <a:endParaRPr kumimoji="1" lang="zh-CN" altLang="en-US"/>
           </a:p>
@@ -16403,6 +16403,89 @@
           </a:p>
         </p:txBody>
       </p:sp>
+      <p:sp>
+        <p:nvSpPr>
+          <p:cNvPr id="23" name="文本框 22">
+            <a:extLst>
+              <a:ext uri="{FF2B5EF4-FFF2-40B4-BE49-F238E27FC236}">
+                <a16:creationId xmlns:a16="http://schemas.microsoft.com/office/drawing/2014/main" id="{9265CD3C-6ADE-C742-8A0B-EBB719DA5098}"/>
+              </a:ext>
+            </a:extLst>
+          </p:cNvPr>
+          <p:cNvSpPr txBox="1"/>
+          <p:nvPr/>
+        </p:nvSpPr>
+        <p:spPr>
+          <a:xfrm>
+            <a:off x="6970490" y="2710356"/>
+            <a:ext cx="1128877" cy="230832"/>
+          </a:xfrm>
+          <a:prstGeom prst="rect">
+            <a:avLst/>
+          </a:prstGeom>
+          <a:noFill/>
+        </p:spPr>
+        <p:txBody>
+          <a:bodyPr wrap="square" rtlCol="0">
+            <a:spAutoFit/>
+          </a:bodyPr>
+          <a:lstStyle/>
+          <a:p>
+            <a:r>
+              <a:rPr kumimoji="1" lang="zh-CN" altLang="en-US" sz="900"/>
+              <a:t>等待队列</a:t>
+            </a:r>
+            <a:r>
+              <a:rPr kumimoji="1" lang="en-US" altLang="zh-CN" sz="900"/>
+              <a:t>|</a:t>
+            </a:r>
+            <a:r>
+              <a:rPr kumimoji="1" lang="zh-CN" altLang="en-US" sz="900"/>
+              <a:t> </a:t>
+            </a:r>
+            <a:r>
+              <a:rPr kumimoji="1" lang="en-US" altLang="zh-CN" sz="900"/>
+              <a:t>timer</a:t>
+            </a:r>
+            <a:endParaRPr kumimoji="1" lang="zh-CN" altLang="en-US" sz="900"/>
+          </a:p>
+        </p:txBody>
+      </p:sp>
+      <p:sp>
+        <p:nvSpPr>
+          <p:cNvPr id="24" name="文本框 23">
+            <a:extLst>
+              <a:ext uri="{FF2B5EF4-FFF2-40B4-BE49-F238E27FC236}">
+                <a16:creationId xmlns:a16="http://schemas.microsoft.com/office/drawing/2014/main" id="{AB532CB9-E584-E841-8262-436AE7E76E40}"/>
+              </a:ext>
+            </a:extLst>
+          </p:cNvPr>
+          <p:cNvSpPr txBox="1"/>
+          <p:nvPr/>
+        </p:nvSpPr>
+        <p:spPr>
+          <a:xfrm>
+            <a:off x="3747830" y="2466508"/>
+            <a:ext cx="762474" cy="230832"/>
+          </a:xfrm>
+          <a:prstGeom prst="rect">
+            <a:avLst/>
+          </a:prstGeom>
+          <a:noFill/>
+        </p:spPr>
+        <p:txBody>
+          <a:bodyPr wrap="square" rtlCol="0">
+            <a:spAutoFit/>
+          </a:bodyPr>
+          <a:lstStyle/>
+          <a:p>
+            <a:r>
+              <a:rPr kumimoji="1" lang="zh-CN" altLang="en-US" sz="900"/>
+              <a:t>就绪队列</a:t>
+            </a:r>
+          </a:p>
+        </p:txBody>
+      </p:sp>
     </p:spTree>
     <p:extLst>
       <p:ext uri="{BB962C8B-B14F-4D97-AF65-F5344CB8AC3E}">

--- a/ppts/进程.pptx
+++ b/ppts/进程.pptx
@@ -13,6 +13,8 @@
     <p:sldId id="266" r:id="rId7"/>
     <p:sldId id="267" r:id="rId8"/>
     <p:sldId id="270" r:id="rId9"/>
+    <p:sldId id="271" r:id="rId10"/>
+    <p:sldId id="272" r:id="rId11"/>
   </p:sldIdLst>
   <p:sldSz cx="12192000" cy="6858000"/>
   <p:notesSz cx="6858000" cy="9144000"/>
@@ -277,7 +279,7 @@
           <a:p>
             <a:fld id="{3D71AFD6-832F-764F-A8C5-443411455556}" type="datetimeFigureOut">
               <a:rPr kumimoji="1" lang="zh-CN" altLang="en-US" smtClean="0"/>
-              <a:t>2019/10/23</a:t>
+              <a:t>2019/10/25</a:t>
             </a:fld>
             <a:endParaRPr kumimoji="1" lang="zh-CN" altLang="en-US"/>
           </a:p>
@@ -475,7 +477,7 @@
           <a:p>
             <a:fld id="{3D71AFD6-832F-764F-A8C5-443411455556}" type="datetimeFigureOut">
               <a:rPr kumimoji="1" lang="zh-CN" altLang="en-US" smtClean="0"/>
-              <a:t>2019/10/23</a:t>
+              <a:t>2019/10/25</a:t>
             </a:fld>
             <a:endParaRPr kumimoji="1" lang="zh-CN" altLang="en-US"/>
           </a:p>
@@ -683,7 +685,7 @@
           <a:p>
             <a:fld id="{3D71AFD6-832F-764F-A8C5-443411455556}" type="datetimeFigureOut">
               <a:rPr kumimoji="1" lang="zh-CN" altLang="en-US" smtClean="0"/>
-              <a:t>2019/10/23</a:t>
+              <a:t>2019/10/25</a:t>
             </a:fld>
             <a:endParaRPr kumimoji="1" lang="zh-CN" altLang="en-US"/>
           </a:p>
@@ -881,7 +883,7 @@
           <a:p>
             <a:fld id="{3D71AFD6-832F-764F-A8C5-443411455556}" type="datetimeFigureOut">
               <a:rPr kumimoji="1" lang="zh-CN" altLang="en-US" smtClean="0"/>
-              <a:t>2019/10/23</a:t>
+              <a:t>2019/10/25</a:t>
             </a:fld>
             <a:endParaRPr kumimoji="1" lang="zh-CN" altLang="en-US"/>
           </a:p>
@@ -1156,7 +1158,7 @@
           <a:p>
             <a:fld id="{3D71AFD6-832F-764F-A8C5-443411455556}" type="datetimeFigureOut">
               <a:rPr kumimoji="1" lang="zh-CN" altLang="en-US" smtClean="0"/>
-              <a:t>2019/10/23</a:t>
+              <a:t>2019/10/25</a:t>
             </a:fld>
             <a:endParaRPr kumimoji="1" lang="zh-CN" altLang="en-US"/>
           </a:p>
@@ -1421,7 +1423,7 @@
           <a:p>
             <a:fld id="{3D71AFD6-832F-764F-A8C5-443411455556}" type="datetimeFigureOut">
               <a:rPr kumimoji="1" lang="zh-CN" altLang="en-US" smtClean="0"/>
-              <a:t>2019/10/23</a:t>
+              <a:t>2019/10/25</a:t>
             </a:fld>
             <a:endParaRPr kumimoji="1" lang="zh-CN" altLang="en-US"/>
           </a:p>
@@ -1833,7 +1835,7 @@
           <a:p>
             <a:fld id="{3D71AFD6-832F-764F-A8C5-443411455556}" type="datetimeFigureOut">
               <a:rPr kumimoji="1" lang="zh-CN" altLang="en-US" smtClean="0"/>
-              <a:t>2019/10/23</a:t>
+              <a:t>2019/10/25</a:t>
             </a:fld>
             <a:endParaRPr kumimoji="1" lang="zh-CN" altLang="en-US"/>
           </a:p>
@@ -1974,7 +1976,7 @@
           <a:p>
             <a:fld id="{3D71AFD6-832F-764F-A8C5-443411455556}" type="datetimeFigureOut">
               <a:rPr kumimoji="1" lang="zh-CN" altLang="en-US" smtClean="0"/>
-              <a:t>2019/10/23</a:t>
+              <a:t>2019/10/25</a:t>
             </a:fld>
             <a:endParaRPr kumimoji="1" lang="zh-CN" altLang="en-US"/>
           </a:p>
@@ -2087,7 +2089,7 @@
           <a:p>
             <a:fld id="{3D71AFD6-832F-764F-A8C5-443411455556}" type="datetimeFigureOut">
               <a:rPr kumimoji="1" lang="zh-CN" altLang="en-US" smtClean="0"/>
-              <a:t>2019/10/23</a:t>
+              <a:t>2019/10/25</a:t>
             </a:fld>
             <a:endParaRPr kumimoji="1" lang="zh-CN" altLang="en-US"/>
           </a:p>
@@ -2398,7 +2400,7 @@
           <a:p>
             <a:fld id="{3D71AFD6-832F-764F-A8C5-443411455556}" type="datetimeFigureOut">
               <a:rPr kumimoji="1" lang="zh-CN" altLang="en-US" smtClean="0"/>
-              <a:t>2019/10/23</a:t>
+              <a:t>2019/10/25</a:t>
             </a:fld>
             <a:endParaRPr kumimoji="1" lang="zh-CN" altLang="en-US"/>
           </a:p>
@@ -2686,7 +2688,7 @@
           <a:p>
             <a:fld id="{3D71AFD6-832F-764F-A8C5-443411455556}" type="datetimeFigureOut">
               <a:rPr kumimoji="1" lang="zh-CN" altLang="en-US" smtClean="0"/>
-              <a:t>2019/10/23</a:t>
+              <a:t>2019/10/25</a:t>
             </a:fld>
             <a:endParaRPr kumimoji="1" lang="zh-CN" altLang="en-US"/>
           </a:p>
@@ -2927,7 +2929,7 @@
           <a:p>
             <a:fld id="{3D71AFD6-832F-764F-A8C5-443411455556}" type="datetimeFigureOut">
               <a:rPr kumimoji="1" lang="zh-CN" altLang="en-US" smtClean="0"/>
-              <a:t>2019/10/23</a:t>
+              <a:t>2019/10/25</a:t>
             </a:fld>
             <a:endParaRPr kumimoji="1" lang="zh-CN" altLang="en-US"/>
           </a:p>
@@ -5788,6 +5790,2013 @@
     <p:extLst>
       <p:ext uri="{BB962C8B-B14F-4D97-AF65-F5344CB8AC3E}">
         <p14:creationId xmlns:p14="http://schemas.microsoft.com/office/powerpoint/2010/main" val="1178957770"/>
+      </p:ext>
+    </p:extLst>
+  </p:cSld>
+  <p:clrMapOvr>
+    <a:masterClrMapping/>
+  </p:clrMapOvr>
+</p:sld>
+</file>
+
+<file path=ppt/slides/slide10.xml><?xml version="1.0" encoding="utf-8"?>
+<p:sld xmlns:a="http://schemas.openxmlformats.org/drawingml/2006/main" xmlns:r="http://schemas.openxmlformats.org/officeDocument/2006/relationships" xmlns:p="http://schemas.openxmlformats.org/presentationml/2006/main">
+  <p:cSld>
+    <p:spTree>
+      <p:nvGrpSpPr>
+        <p:cNvPr id="1" name=""/>
+        <p:cNvGrpSpPr/>
+        <p:nvPr/>
+      </p:nvGrpSpPr>
+      <p:grpSpPr>
+        <a:xfrm>
+          <a:off x="0" y="0"/>
+          <a:ext cx="0" cy="0"/>
+          <a:chOff x="0" y="0"/>
+          <a:chExt cx="0" cy="0"/>
+        </a:xfrm>
+      </p:grpSpPr>
+      <p:grpSp>
+        <p:nvGrpSpPr>
+          <p:cNvPr id="31" name="组合 30">
+            <a:extLst>
+              <a:ext uri="{FF2B5EF4-FFF2-40B4-BE49-F238E27FC236}">
+                <a16:creationId xmlns:a16="http://schemas.microsoft.com/office/drawing/2014/main" id="{B89807D1-F9CA-BD4D-AA79-F5BAA1228A8B}"/>
+              </a:ext>
+            </a:extLst>
+          </p:cNvPr>
+          <p:cNvGrpSpPr/>
+          <p:nvPr/>
+        </p:nvGrpSpPr>
+        <p:grpSpPr>
+          <a:xfrm>
+            <a:off x="2023241" y="561062"/>
+            <a:ext cx="1166647" cy="1037787"/>
+            <a:chOff x="1124607" y="488373"/>
+            <a:chExt cx="1166647" cy="1037787"/>
+          </a:xfrm>
+        </p:grpSpPr>
+        <p:sp>
+          <p:nvSpPr>
+            <p:cNvPr id="32" name="矩形 31">
+              <a:extLst>
+                <a:ext uri="{FF2B5EF4-FFF2-40B4-BE49-F238E27FC236}">
+                  <a16:creationId xmlns:a16="http://schemas.microsoft.com/office/drawing/2014/main" id="{A26CEA36-9DF6-0C48-A238-C59E28E89397}"/>
+                </a:ext>
+              </a:extLst>
+            </p:cNvPr>
+            <p:cNvSpPr/>
+            <p:nvPr/>
+          </p:nvSpPr>
+          <p:spPr>
+            <a:xfrm>
+              <a:off x="1124607" y="782270"/>
+              <a:ext cx="1166647" cy="743890"/>
+            </a:xfrm>
+            <a:prstGeom prst="rect">
+              <a:avLst/>
+            </a:prstGeom>
+            <a:noFill/>
+            <a:ln>
+              <a:solidFill>
+                <a:schemeClr val="tx1"/>
+              </a:solidFill>
+            </a:ln>
+          </p:spPr>
+          <p:style>
+            <a:lnRef idx="2">
+              <a:schemeClr val="accent1">
+                <a:shade val="50000"/>
+              </a:schemeClr>
+            </a:lnRef>
+            <a:fillRef idx="1">
+              <a:schemeClr val="accent1"/>
+            </a:fillRef>
+            <a:effectRef idx="0">
+              <a:schemeClr val="accent1"/>
+            </a:effectRef>
+            <a:fontRef idx="minor">
+              <a:schemeClr val="lt1"/>
+            </a:fontRef>
+          </p:style>
+          <p:txBody>
+            <a:bodyPr rtlCol="0" anchor="ctr"/>
+            <a:lstStyle/>
+            <a:p>
+              <a:pPr algn="ctr"/>
+              <a:endParaRPr kumimoji="1" lang="zh-CN" altLang="en-US">
+                <a:solidFill>
+                  <a:schemeClr val="tx1"/>
+                </a:solidFill>
+              </a:endParaRPr>
+            </a:p>
+          </p:txBody>
+        </p:sp>
+        <p:sp>
+          <p:nvSpPr>
+            <p:cNvPr id="33" name="矩形 32">
+              <a:extLst>
+                <a:ext uri="{FF2B5EF4-FFF2-40B4-BE49-F238E27FC236}">
+                  <a16:creationId xmlns:a16="http://schemas.microsoft.com/office/drawing/2014/main" id="{1A44B219-327A-094F-B082-0562DD959BFA}"/>
+                </a:ext>
+              </a:extLst>
+            </p:cNvPr>
+            <p:cNvSpPr/>
+            <p:nvPr/>
+          </p:nvSpPr>
+          <p:spPr>
+            <a:xfrm>
+              <a:off x="1124607" y="977867"/>
+              <a:ext cx="1166647" cy="336331"/>
+            </a:xfrm>
+            <a:prstGeom prst="rect">
+              <a:avLst/>
+            </a:prstGeom>
+            <a:noFill/>
+            <a:ln>
+              <a:solidFill>
+                <a:schemeClr val="tx1"/>
+              </a:solidFill>
+            </a:ln>
+          </p:spPr>
+          <p:style>
+            <a:lnRef idx="2">
+              <a:schemeClr val="accent1">
+                <a:shade val="50000"/>
+              </a:schemeClr>
+            </a:lnRef>
+            <a:fillRef idx="1">
+              <a:schemeClr val="accent1"/>
+            </a:fillRef>
+            <a:effectRef idx="0">
+              <a:schemeClr val="accent1"/>
+            </a:effectRef>
+            <a:fontRef idx="minor">
+              <a:schemeClr val="lt1"/>
+            </a:fontRef>
+          </p:style>
+          <p:txBody>
+            <a:bodyPr rtlCol="0" anchor="ctr"/>
+            <a:lstStyle/>
+            <a:p>
+              <a:pPr algn="ctr"/>
+              <a:r>
+                <a:rPr lang="en-US" altLang="zh-CN">
+                  <a:solidFill>
+                    <a:schemeClr val="tx1"/>
+                  </a:solidFill>
+                </a:rPr>
+                <a:t>vtpr</a:t>
+              </a:r>
+            </a:p>
+          </p:txBody>
+        </p:sp>
+        <p:sp>
+          <p:nvSpPr>
+            <p:cNvPr id="34" name="同侧圆角矩形 33">
+              <a:extLst>
+                <a:ext uri="{FF2B5EF4-FFF2-40B4-BE49-F238E27FC236}">
+                  <a16:creationId xmlns:a16="http://schemas.microsoft.com/office/drawing/2014/main" id="{B394BDD9-72A0-C644-8A4B-202C3284F49E}"/>
+                </a:ext>
+              </a:extLst>
+            </p:cNvPr>
+            <p:cNvSpPr/>
+            <p:nvPr/>
+          </p:nvSpPr>
+          <p:spPr>
+            <a:xfrm>
+              <a:off x="1124607" y="488373"/>
+              <a:ext cx="1166647" cy="293897"/>
+            </a:xfrm>
+            <a:prstGeom prst="round2SameRect">
+              <a:avLst/>
+            </a:prstGeom>
+            <a:noFill/>
+            <a:ln>
+              <a:solidFill>
+                <a:schemeClr val="tx1"/>
+              </a:solidFill>
+            </a:ln>
+          </p:spPr>
+          <p:style>
+            <a:lnRef idx="2">
+              <a:schemeClr val="accent1">
+                <a:shade val="50000"/>
+              </a:schemeClr>
+            </a:lnRef>
+            <a:fillRef idx="1">
+              <a:schemeClr val="accent1"/>
+            </a:fillRef>
+            <a:effectRef idx="0">
+              <a:schemeClr val="accent1"/>
+            </a:effectRef>
+            <a:fontRef idx="minor">
+              <a:schemeClr val="lt1"/>
+            </a:fontRef>
+          </p:style>
+          <p:txBody>
+            <a:bodyPr rot="0" spcFirstLastPara="0" vertOverflow="overflow" horzOverflow="overflow" vert="horz" wrap="square" lIns="91440" tIns="45720" rIns="91440" bIns="45720" numCol="1" spcCol="0" rtlCol="0" fromWordArt="0" anchor="ctr" anchorCtr="0" forceAA="0" compatLnSpc="1">
+              <a:prstTxWarp prst="textNoShape">
+                <a:avLst/>
+              </a:prstTxWarp>
+              <a:noAutofit/>
+            </a:bodyPr>
+            <a:lstStyle/>
+            <a:p>
+              <a:pPr algn="ctr"/>
+              <a:r>
+                <a:rPr lang="en-US" altLang="zh-CN">
+                  <a:solidFill>
+                    <a:schemeClr val="tx1"/>
+                  </a:solidFill>
+                </a:rPr>
+                <a:t>b1</a:t>
+              </a:r>
+              <a:r>
+                <a:rPr lang="zh-CN" altLang="en-US">
+                  <a:solidFill>
+                    <a:schemeClr val="tx1"/>
+                  </a:solidFill>
+                </a:rPr>
+                <a:t> </a:t>
+              </a:r>
+              <a:r>
+                <a:rPr lang="en-US" altLang="zh-CN">
+                  <a:solidFill>
+                    <a:schemeClr val="tx1"/>
+                  </a:solidFill>
+                </a:rPr>
+                <a:t>obj</a:t>
+              </a:r>
+            </a:p>
+          </p:txBody>
+        </p:sp>
+      </p:grpSp>
+      <p:grpSp>
+        <p:nvGrpSpPr>
+          <p:cNvPr id="41" name="组合 40">
+            <a:extLst>
+              <a:ext uri="{FF2B5EF4-FFF2-40B4-BE49-F238E27FC236}">
+                <a16:creationId xmlns:a16="http://schemas.microsoft.com/office/drawing/2014/main" id="{9D2DD411-EDC0-BD42-9274-61BC10F38FD1}"/>
+              </a:ext>
+            </a:extLst>
+          </p:cNvPr>
+          <p:cNvGrpSpPr/>
+          <p:nvPr/>
+        </p:nvGrpSpPr>
+        <p:grpSpPr>
+          <a:xfrm>
+            <a:off x="2023240" y="3927467"/>
+            <a:ext cx="1166647" cy="1037787"/>
+            <a:chOff x="1124607" y="488373"/>
+            <a:chExt cx="1166647" cy="1037787"/>
+          </a:xfrm>
+        </p:grpSpPr>
+        <p:sp>
+          <p:nvSpPr>
+            <p:cNvPr id="44" name="矩形 43">
+              <a:extLst>
+                <a:ext uri="{FF2B5EF4-FFF2-40B4-BE49-F238E27FC236}">
+                  <a16:creationId xmlns:a16="http://schemas.microsoft.com/office/drawing/2014/main" id="{C8A7CC23-AA58-AC49-B5F8-22745DF077C6}"/>
+                </a:ext>
+              </a:extLst>
+            </p:cNvPr>
+            <p:cNvSpPr/>
+            <p:nvPr/>
+          </p:nvSpPr>
+          <p:spPr>
+            <a:xfrm>
+              <a:off x="1124607" y="782270"/>
+              <a:ext cx="1166647" cy="743890"/>
+            </a:xfrm>
+            <a:prstGeom prst="rect">
+              <a:avLst/>
+            </a:prstGeom>
+            <a:noFill/>
+            <a:ln>
+              <a:solidFill>
+                <a:schemeClr val="tx1"/>
+              </a:solidFill>
+            </a:ln>
+          </p:spPr>
+          <p:style>
+            <a:lnRef idx="2">
+              <a:schemeClr val="accent1">
+                <a:shade val="50000"/>
+              </a:schemeClr>
+            </a:lnRef>
+            <a:fillRef idx="1">
+              <a:schemeClr val="accent1"/>
+            </a:fillRef>
+            <a:effectRef idx="0">
+              <a:schemeClr val="accent1"/>
+            </a:effectRef>
+            <a:fontRef idx="minor">
+              <a:schemeClr val="lt1"/>
+            </a:fontRef>
+          </p:style>
+          <p:txBody>
+            <a:bodyPr rtlCol="0" anchor="ctr"/>
+            <a:lstStyle/>
+            <a:p>
+              <a:pPr algn="ctr"/>
+              <a:endParaRPr kumimoji="1" lang="zh-CN" altLang="en-US">
+                <a:solidFill>
+                  <a:schemeClr val="tx1"/>
+                </a:solidFill>
+              </a:endParaRPr>
+            </a:p>
+          </p:txBody>
+        </p:sp>
+        <p:sp>
+          <p:nvSpPr>
+            <p:cNvPr id="45" name="矩形 44">
+              <a:extLst>
+                <a:ext uri="{FF2B5EF4-FFF2-40B4-BE49-F238E27FC236}">
+                  <a16:creationId xmlns:a16="http://schemas.microsoft.com/office/drawing/2014/main" id="{C86EC961-CC45-B749-A4DC-1DE1687D50A5}"/>
+                </a:ext>
+              </a:extLst>
+            </p:cNvPr>
+            <p:cNvSpPr/>
+            <p:nvPr/>
+          </p:nvSpPr>
+          <p:spPr>
+            <a:xfrm>
+              <a:off x="1124607" y="977867"/>
+              <a:ext cx="1166647" cy="336331"/>
+            </a:xfrm>
+            <a:prstGeom prst="rect">
+              <a:avLst/>
+            </a:prstGeom>
+            <a:noFill/>
+            <a:ln>
+              <a:solidFill>
+                <a:schemeClr val="tx1"/>
+              </a:solidFill>
+            </a:ln>
+          </p:spPr>
+          <p:style>
+            <a:lnRef idx="2">
+              <a:schemeClr val="accent1">
+                <a:shade val="50000"/>
+              </a:schemeClr>
+            </a:lnRef>
+            <a:fillRef idx="1">
+              <a:schemeClr val="accent1"/>
+            </a:fillRef>
+            <a:effectRef idx="0">
+              <a:schemeClr val="accent1"/>
+            </a:effectRef>
+            <a:fontRef idx="minor">
+              <a:schemeClr val="lt1"/>
+            </a:fontRef>
+          </p:style>
+          <p:txBody>
+            <a:bodyPr rtlCol="0" anchor="ctr"/>
+            <a:lstStyle/>
+            <a:p>
+              <a:pPr algn="ctr"/>
+              <a:r>
+                <a:rPr lang="en-US" altLang="zh-CN">
+                  <a:solidFill>
+                    <a:schemeClr val="tx1"/>
+                  </a:solidFill>
+                </a:rPr>
+                <a:t>vtpr</a:t>
+              </a:r>
+            </a:p>
+          </p:txBody>
+        </p:sp>
+        <p:sp>
+          <p:nvSpPr>
+            <p:cNvPr id="47" name="同侧圆角矩形 46">
+              <a:extLst>
+                <a:ext uri="{FF2B5EF4-FFF2-40B4-BE49-F238E27FC236}">
+                  <a16:creationId xmlns:a16="http://schemas.microsoft.com/office/drawing/2014/main" id="{EC7A2EF3-0B22-F640-9589-0F40787A5E72}"/>
+                </a:ext>
+              </a:extLst>
+            </p:cNvPr>
+            <p:cNvSpPr/>
+            <p:nvPr/>
+          </p:nvSpPr>
+          <p:spPr>
+            <a:xfrm>
+              <a:off x="1124607" y="488373"/>
+              <a:ext cx="1166647" cy="293897"/>
+            </a:xfrm>
+            <a:prstGeom prst="round2SameRect">
+              <a:avLst/>
+            </a:prstGeom>
+            <a:noFill/>
+            <a:ln>
+              <a:solidFill>
+                <a:schemeClr val="tx1"/>
+              </a:solidFill>
+            </a:ln>
+          </p:spPr>
+          <p:style>
+            <a:lnRef idx="2">
+              <a:schemeClr val="accent1">
+                <a:shade val="50000"/>
+              </a:schemeClr>
+            </a:lnRef>
+            <a:fillRef idx="1">
+              <a:schemeClr val="accent1"/>
+            </a:fillRef>
+            <a:effectRef idx="0">
+              <a:schemeClr val="accent1"/>
+            </a:effectRef>
+            <a:fontRef idx="minor">
+              <a:schemeClr val="lt1"/>
+            </a:fontRef>
+          </p:style>
+          <p:txBody>
+            <a:bodyPr rot="0" spcFirstLastPara="0" vertOverflow="overflow" horzOverflow="overflow" vert="horz" wrap="square" lIns="91440" tIns="45720" rIns="91440" bIns="45720" numCol="1" spcCol="0" rtlCol="0" fromWordArt="0" anchor="ctr" anchorCtr="0" forceAA="0" compatLnSpc="1">
+              <a:prstTxWarp prst="textNoShape">
+                <a:avLst/>
+              </a:prstTxWarp>
+              <a:noAutofit/>
+            </a:bodyPr>
+            <a:lstStyle/>
+            <a:p>
+              <a:pPr algn="ctr"/>
+              <a:r>
+                <a:rPr lang="en-US" altLang="zh-CN">
+                  <a:solidFill>
+                    <a:schemeClr val="tx1"/>
+                  </a:solidFill>
+                </a:rPr>
+                <a:t>d1</a:t>
+              </a:r>
+              <a:r>
+                <a:rPr lang="zh-CN" altLang="en-US">
+                  <a:solidFill>
+                    <a:schemeClr val="tx1"/>
+                  </a:solidFill>
+                </a:rPr>
+                <a:t> </a:t>
+              </a:r>
+              <a:r>
+                <a:rPr lang="en-US" altLang="zh-CN">
+                  <a:solidFill>
+                    <a:schemeClr val="tx1"/>
+                  </a:solidFill>
+                </a:rPr>
+                <a:t>obj</a:t>
+              </a:r>
+            </a:p>
+          </p:txBody>
+        </p:sp>
+      </p:grpSp>
+      <p:grpSp>
+        <p:nvGrpSpPr>
+          <p:cNvPr id="52" name="组合 51">
+            <a:extLst>
+              <a:ext uri="{FF2B5EF4-FFF2-40B4-BE49-F238E27FC236}">
+                <a16:creationId xmlns:a16="http://schemas.microsoft.com/office/drawing/2014/main" id="{C32BD3BD-7F82-3C43-BB5E-3A226C60313F}"/>
+              </a:ext>
+            </a:extLst>
+          </p:cNvPr>
+          <p:cNvGrpSpPr/>
+          <p:nvPr/>
+        </p:nvGrpSpPr>
+        <p:grpSpPr>
+          <a:xfrm>
+            <a:off x="2023240" y="1859940"/>
+            <a:ext cx="1166647" cy="1037787"/>
+            <a:chOff x="1124607" y="488373"/>
+            <a:chExt cx="1166647" cy="1037787"/>
+          </a:xfrm>
+        </p:grpSpPr>
+        <p:sp>
+          <p:nvSpPr>
+            <p:cNvPr id="53" name="矩形 52">
+              <a:extLst>
+                <a:ext uri="{FF2B5EF4-FFF2-40B4-BE49-F238E27FC236}">
+                  <a16:creationId xmlns:a16="http://schemas.microsoft.com/office/drawing/2014/main" id="{D5D6304C-3DD7-6543-B009-FC4D2AF7E86E}"/>
+                </a:ext>
+              </a:extLst>
+            </p:cNvPr>
+            <p:cNvSpPr/>
+            <p:nvPr/>
+          </p:nvSpPr>
+          <p:spPr>
+            <a:xfrm>
+              <a:off x="1124607" y="782270"/>
+              <a:ext cx="1166647" cy="743890"/>
+            </a:xfrm>
+            <a:prstGeom prst="rect">
+              <a:avLst/>
+            </a:prstGeom>
+            <a:noFill/>
+            <a:ln>
+              <a:solidFill>
+                <a:schemeClr val="tx1"/>
+              </a:solidFill>
+            </a:ln>
+          </p:spPr>
+          <p:style>
+            <a:lnRef idx="2">
+              <a:schemeClr val="accent1">
+                <a:shade val="50000"/>
+              </a:schemeClr>
+            </a:lnRef>
+            <a:fillRef idx="1">
+              <a:schemeClr val="accent1"/>
+            </a:fillRef>
+            <a:effectRef idx="0">
+              <a:schemeClr val="accent1"/>
+            </a:effectRef>
+            <a:fontRef idx="minor">
+              <a:schemeClr val="lt1"/>
+            </a:fontRef>
+          </p:style>
+          <p:txBody>
+            <a:bodyPr rtlCol="0" anchor="ctr"/>
+            <a:lstStyle/>
+            <a:p>
+              <a:pPr algn="ctr"/>
+              <a:endParaRPr kumimoji="1" lang="zh-CN" altLang="en-US">
+                <a:solidFill>
+                  <a:schemeClr val="tx1"/>
+                </a:solidFill>
+              </a:endParaRPr>
+            </a:p>
+          </p:txBody>
+        </p:sp>
+        <p:sp>
+          <p:nvSpPr>
+            <p:cNvPr id="54" name="矩形 53">
+              <a:extLst>
+                <a:ext uri="{FF2B5EF4-FFF2-40B4-BE49-F238E27FC236}">
+                  <a16:creationId xmlns:a16="http://schemas.microsoft.com/office/drawing/2014/main" id="{B44047E3-60F1-1A42-B46C-3F5F6C207DD1}"/>
+                </a:ext>
+              </a:extLst>
+            </p:cNvPr>
+            <p:cNvSpPr/>
+            <p:nvPr/>
+          </p:nvSpPr>
+          <p:spPr>
+            <a:xfrm>
+              <a:off x="1124607" y="977867"/>
+              <a:ext cx="1166647" cy="336331"/>
+            </a:xfrm>
+            <a:prstGeom prst="rect">
+              <a:avLst/>
+            </a:prstGeom>
+            <a:noFill/>
+            <a:ln>
+              <a:solidFill>
+                <a:schemeClr val="tx1"/>
+              </a:solidFill>
+            </a:ln>
+          </p:spPr>
+          <p:style>
+            <a:lnRef idx="2">
+              <a:schemeClr val="accent1">
+                <a:shade val="50000"/>
+              </a:schemeClr>
+            </a:lnRef>
+            <a:fillRef idx="1">
+              <a:schemeClr val="accent1"/>
+            </a:fillRef>
+            <a:effectRef idx="0">
+              <a:schemeClr val="accent1"/>
+            </a:effectRef>
+            <a:fontRef idx="minor">
+              <a:schemeClr val="lt1"/>
+            </a:fontRef>
+          </p:style>
+          <p:txBody>
+            <a:bodyPr rtlCol="0" anchor="ctr"/>
+            <a:lstStyle/>
+            <a:p>
+              <a:pPr algn="ctr"/>
+              <a:r>
+                <a:rPr lang="en-US" altLang="zh-CN">
+                  <a:solidFill>
+                    <a:schemeClr val="tx1"/>
+                  </a:solidFill>
+                </a:rPr>
+                <a:t>vtpr</a:t>
+              </a:r>
+            </a:p>
+          </p:txBody>
+        </p:sp>
+        <p:sp>
+          <p:nvSpPr>
+            <p:cNvPr id="58" name="同侧圆角矩形 57">
+              <a:extLst>
+                <a:ext uri="{FF2B5EF4-FFF2-40B4-BE49-F238E27FC236}">
+                  <a16:creationId xmlns:a16="http://schemas.microsoft.com/office/drawing/2014/main" id="{13C65AE7-1A74-8D45-B195-2FF54125DA2D}"/>
+                </a:ext>
+              </a:extLst>
+            </p:cNvPr>
+            <p:cNvSpPr/>
+            <p:nvPr/>
+          </p:nvSpPr>
+          <p:spPr>
+            <a:xfrm>
+              <a:off x="1124607" y="488373"/>
+              <a:ext cx="1166647" cy="293897"/>
+            </a:xfrm>
+            <a:prstGeom prst="round2SameRect">
+              <a:avLst/>
+            </a:prstGeom>
+            <a:noFill/>
+            <a:ln>
+              <a:solidFill>
+                <a:schemeClr val="tx1"/>
+              </a:solidFill>
+            </a:ln>
+          </p:spPr>
+          <p:style>
+            <a:lnRef idx="2">
+              <a:schemeClr val="accent1">
+                <a:shade val="50000"/>
+              </a:schemeClr>
+            </a:lnRef>
+            <a:fillRef idx="1">
+              <a:schemeClr val="accent1"/>
+            </a:fillRef>
+            <a:effectRef idx="0">
+              <a:schemeClr val="accent1"/>
+            </a:effectRef>
+            <a:fontRef idx="minor">
+              <a:schemeClr val="lt1"/>
+            </a:fontRef>
+          </p:style>
+          <p:txBody>
+            <a:bodyPr rot="0" spcFirstLastPara="0" vertOverflow="overflow" horzOverflow="overflow" vert="horz" wrap="square" lIns="91440" tIns="45720" rIns="91440" bIns="45720" numCol="1" spcCol="0" rtlCol="0" fromWordArt="0" anchor="ctr" anchorCtr="0" forceAA="0" compatLnSpc="1">
+              <a:prstTxWarp prst="textNoShape">
+                <a:avLst/>
+              </a:prstTxWarp>
+              <a:noAutofit/>
+            </a:bodyPr>
+            <a:lstStyle/>
+            <a:p>
+              <a:pPr algn="ctr"/>
+              <a:r>
+                <a:rPr lang="en-US" altLang="zh-CN">
+                  <a:solidFill>
+                    <a:schemeClr val="tx1"/>
+                  </a:solidFill>
+                </a:rPr>
+                <a:t>b2</a:t>
+              </a:r>
+              <a:r>
+                <a:rPr lang="zh-CN" altLang="en-US">
+                  <a:solidFill>
+                    <a:schemeClr val="tx1"/>
+                  </a:solidFill>
+                </a:rPr>
+                <a:t> </a:t>
+              </a:r>
+              <a:r>
+                <a:rPr lang="en-US" altLang="zh-CN">
+                  <a:solidFill>
+                    <a:schemeClr val="tx1"/>
+                  </a:solidFill>
+                </a:rPr>
+                <a:t>obj</a:t>
+              </a:r>
+            </a:p>
+          </p:txBody>
+        </p:sp>
+      </p:grpSp>
+      <p:grpSp>
+        <p:nvGrpSpPr>
+          <p:cNvPr id="59" name="组合 58">
+            <a:extLst>
+              <a:ext uri="{FF2B5EF4-FFF2-40B4-BE49-F238E27FC236}">
+                <a16:creationId xmlns:a16="http://schemas.microsoft.com/office/drawing/2014/main" id="{DBD5E6FC-B69B-6649-B770-2ED8F750F51B}"/>
+              </a:ext>
+            </a:extLst>
+          </p:cNvPr>
+          <p:cNvGrpSpPr/>
+          <p:nvPr/>
+        </p:nvGrpSpPr>
+        <p:grpSpPr>
+          <a:xfrm>
+            <a:off x="2023240" y="5259151"/>
+            <a:ext cx="1166647" cy="1037787"/>
+            <a:chOff x="1124607" y="488373"/>
+            <a:chExt cx="1166647" cy="1037787"/>
+          </a:xfrm>
+        </p:grpSpPr>
+        <p:sp>
+          <p:nvSpPr>
+            <p:cNvPr id="60" name="矩形 59">
+              <a:extLst>
+                <a:ext uri="{FF2B5EF4-FFF2-40B4-BE49-F238E27FC236}">
+                  <a16:creationId xmlns:a16="http://schemas.microsoft.com/office/drawing/2014/main" id="{3FED4293-EA44-324C-BDAC-DF5B4908FD03}"/>
+                </a:ext>
+              </a:extLst>
+            </p:cNvPr>
+            <p:cNvSpPr/>
+            <p:nvPr/>
+          </p:nvSpPr>
+          <p:spPr>
+            <a:xfrm>
+              <a:off x="1124607" y="782270"/>
+              <a:ext cx="1166647" cy="743890"/>
+            </a:xfrm>
+            <a:prstGeom prst="rect">
+              <a:avLst/>
+            </a:prstGeom>
+            <a:noFill/>
+            <a:ln>
+              <a:solidFill>
+                <a:schemeClr val="tx1"/>
+              </a:solidFill>
+            </a:ln>
+          </p:spPr>
+          <p:style>
+            <a:lnRef idx="2">
+              <a:schemeClr val="accent1">
+                <a:shade val="50000"/>
+              </a:schemeClr>
+            </a:lnRef>
+            <a:fillRef idx="1">
+              <a:schemeClr val="accent1"/>
+            </a:fillRef>
+            <a:effectRef idx="0">
+              <a:schemeClr val="accent1"/>
+            </a:effectRef>
+            <a:fontRef idx="minor">
+              <a:schemeClr val="lt1"/>
+            </a:fontRef>
+          </p:style>
+          <p:txBody>
+            <a:bodyPr rtlCol="0" anchor="ctr"/>
+            <a:lstStyle/>
+            <a:p>
+              <a:pPr algn="ctr"/>
+              <a:endParaRPr kumimoji="1" lang="zh-CN" altLang="en-US">
+                <a:solidFill>
+                  <a:schemeClr val="tx1"/>
+                </a:solidFill>
+              </a:endParaRPr>
+            </a:p>
+          </p:txBody>
+        </p:sp>
+        <p:sp>
+          <p:nvSpPr>
+            <p:cNvPr id="61" name="矩形 60">
+              <a:extLst>
+                <a:ext uri="{FF2B5EF4-FFF2-40B4-BE49-F238E27FC236}">
+                  <a16:creationId xmlns:a16="http://schemas.microsoft.com/office/drawing/2014/main" id="{782D673D-AC78-E64D-982B-1C1C942BF510}"/>
+                </a:ext>
+              </a:extLst>
+            </p:cNvPr>
+            <p:cNvSpPr/>
+            <p:nvPr/>
+          </p:nvSpPr>
+          <p:spPr>
+            <a:xfrm>
+              <a:off x="1124607" y="977867"/>
+              <a:ext cx="1166647" cy="336331"/>
+            </a:xfrm>
+            <a:prstGeom prst="rect">
+              <a:avLst/>
+            </a:prstGeom>
+            <a:noFill/>
+            <a:ln>
+              <a:solidFill>
+                <a:schemeClr val="tx1"/>
+              </a:solidFill>
+            </a:ln>
+          </p:spPr>
+          <p:style>
+            <a:lnRef idx="2">
+              <a:schemeClr val="accent1">
+                <a:shade val="50000"/>
+              </a:schemeClr>
+            </a:lnRef>
+            <a:fillRef idx="1">
+              <a:schemeClr val="accent1"/>
+            </a:fillRef>
+            <a:effectRef idx="0">
+              <a:schemeClr val="accent1"/>
+            </a:effectRef>
+            <a:fontRef idx="minor">
+              <a:schemeClr val="lt1"/>
+            </a:fontRef>
+          </p:style>
+          <p:txBody>
+            <a:bodyPr rtlCol="0" anchor="ctr"/>
+            <a:lstStyle/>
+            <a:p>
+              <a:pPr algn="ctr"/>
+              <a:r>
+                <a:rPr lang="en-US" altLang="zh-CN">
+                  <a:solidFill>
+                    <a:schemeClr val="tx1"/>
+                  </a:solidFill>
+                </a:rPr>
+                <a:t>vtpr</a:t>
+              </a:r>
+            </a:p>
+          </p:txBody>
+        </p:sp>
+        <p:sp>
+          <p:nvSpPr>
+            <p:cNvPr id="62" name="同侧圆角矩形 61">
+              <a:extLst>
+                <a:ext uri="{FF2B5EF4-FFF2-40B4-BE49-F238E27FC236}">
+                  <a16:creationId xmlns:a16="http://schemas.microsoft.com/office/drawing/2014/main" id="{AC40C2AC-3D92-D24E-A317-FB88809C7495}"/>
+                </a:ext>
+              </a:extLst>
+            </p:cNvPr>
+            <p:cNvSpPr/>
+            <p:nvPr/>
+          </p:nvSpPr>
+          <p:spPr>
+            <a:xfrm>
+              <a:off x="1124607" y="488373"/>
+              <a:ext cx="1166647" cy="293897"/>
+            </a:xfrm>
+            <a:prstGeom prst="round2SameRect">
+              <a:avLst/>
+            </a:prstGeom>
+            <a:noFill/>
+            <a:ln>
+              <a:solidFill>
+                <a:schemeClr val="tx1"/>
+              </a:solidFill>
+            </a:ln>
+          </p:spPr>
+          <p:style>
+            <a:lnRef idx="2">
+              <a:schemeClr val="accent1">
+                <a:shade val="50000"/>
+              </a:schemeClr>
+            </a:lnRef>
+            <a:fillRef idx="1">
+              <a:schemeClr val="accent1"/>
+            </a:fillRef>
+            <a:effectRef idx="0">
+              <a:schemeClr val="accent1"/>
+            </a:effectRef>
+            <a:fontRef idx="minor">
+              <a:schemeClr val="lt1"/>
+            </a:fontRef>
+          </p:style>
+          <p:txBody>
+            <a:bodyPr rot="0" spcFirstLastPara="0" vertOverflow="overflow" horzOverflow="overflow" vert="horz" wrap="square" lIns="91440" tIns="45720" rIns="91440" bIns="45720" numCol="1" spcCol="0" rtlCol="0" fromWordArt="0" anchor="ctr" anchorCtr="0" forceAA="0" compatLnSpc="1">
+              <a:prstTxWarp prst="textNoShape">
+                <a:avLst/>
+              </a:prstTxWarp>
+              <a:noAutofit/>
+            </a:bodyPr>
+            <a:lstStyle/>
+            <a:p>
+              <a:pPr algn="ctr"/>
+              <a:r>
+                <a:rPr lang="en-US" altLang="zh-CN">
+                  <a:solidFill>
+                    <a:schemeClr val="tx1"/>
+                  </a:solidFill>
+                </a:rPr>
+                <a:t>d2</a:t>
+              </a:r>
+              <a:r>
+                <a:rPr lang="zh-CN" altLang="en-US">
+                  <a:solidFill>
+                    <a:schemeClr val="tx1"/>
+                  </a:solidFill>
+                </a:rPr>
+                <a:t> </a:t>
+              </a:r>
+              <a:r>
+                <a:rPr lang="en-US" altLang="zh-CN">
+                  <a:solidFill>
+                    <a:schemeClr val="tx1"/>
+                  </a:solidFill>
+                </a:rPr>
+                <a:t>obj</a:t>
+              </a:r>
+            </a:p>
+          </p:txBody>
+        </p:sp>
+      </p:grpSp>
+      <p:grpSp>
+        <p:nvGrpSpPr>
+          <p:cNvPr id="7" name="组合 6">
+            <a:extLst>
+              <a:ext uri="{FF2B5EF4-FFF2-40B4-BE49-F238E27FC236}">
+                <a16:creationId xmlns:a16="http://schemas.microsoft.com/office/drawing/2014/main" id="{21F13962-0AF1-F844-BEF2-0E19E08771DD}"/>
+              </a:ext>
+            </a:extLst>
+          </p:cNvPr>
+          <p:cNvGrpSpPr/>
+          <p:nvPr/>
+        </p:nvGrpSpPr>
+        <p:grpSpPr>
+          <a:xfrm>
+            <a:off x="4582511" y="1371121"/>
+            <a:ext cx="2338552" cy="1785089"/>
+            <a:chOff x="5512676" y="1304952"/>
+            <a:chExt cx="1818290" cy="1785089"/>
+          </a:xfrm>
+        </p:grpSpPr>
+        <p:sp>
+          <p:nvSpPr>
+            <p:cNvPr id="49" name="矩形 48">
+              <a:extLst>
+                <a:ext uri="{FF2B5EF4-FFF2-40B4-BE49-F238E27FC236}">
+                  <a16:creationId xmlns:a16="http://schemas.microsoft.com/office/drawing/2014/main" id="{A4A023C0-2B7A-D043-8BAD-C3778EFD4548}"/>
+                </a:ext>
+              </a:extLst>
+            </p:cNvPr>
+            <p:cNvSpPr/>
+            <p:nvPr/>
+          </p:nvSpPr>
+          <p:spPr>
+            <a:xfrm>
+              <a:off x="5512676" y="1598849"/>
+              <a:ext cx="1818290" cy="1491192"/>
+            </a:xfrm>
+            <a:prstGeom prst="rect">
+              <a:avLst/>
+            </a:prstGeom>
+            <a:noFill/>
+            <a:ln>
+              <a:solidFill>
+                <a:schemeClr val="tx1"/>
+              </a:solidFill>
+            </a:ln>
+          </p:spPr>
+          <p:style>
+            <a:lnRef idx="2">
+              <a:schemeClr val="accent1">
+                <a:shade val="50000"/>
+              </a:schemeClr>
+            </a:lnRef>
+            <a:fillRef idx="1">
+              <a:schemeClr val="accent1"/>
+            </a:fillRef>
+            <a:effectRef idx="0">
+              <a:schemeClr val="accent1"/>
+            </a:effectRef>
+            <a:fontRef idx="minor">
+              <a:schemeClr val="lt1"/>
+            </a:fontRef>
+          </p:style>
+          <p:txBody>
+            <a:bodyPr rtlCol="0" anchor="ctr"/>
+            <a:lstStyle/>
+            <a:p>
+              <a:pPr algn="ctr"/>
+              <a:endParaRPr kumimoji="1" lang="zh-CN" altLang="en-US">
+                <a:solidFill>
+                  <a:schemeClr val="tx1"/>
+                </a:solidFill>
+              </a:endParaRPr>
+            </a:p>
+          </p:txBody>
+        </p:sp>
+        <p:sp>
+          <p:nvSpPr>
+            <p:cNvPr id="50" name="矩形 49">
+              <a:extLst>
+                <a:ext uri="{FF2B5EF4-FFF2-40B4-BE49-F238E27FC236}">
+                  <a16:creationId xmlns:a16="http://schemas.microsoft.com/office/drawing/2014/main" id="{7A16CD20-6F7A-9E4A-BD5D-310340CF2D4A}"/>
+                </a:ext>
+              </a:extLst>
+            </p:cNvPr>
+            <p:cNvSpPr/>
+            <p:nvPr/>
+          </p:nvSpPr>
+          <p:spPr>
+            <a:xfrm>
+              <a:off x="5512676" y="1794446"/>
+              <a:ext cx="1818290" cy="336331"/>
+            </a:xfrm>
+            <a:prstGeom prst="rect">
+              <a:avLst/>
+            </a:prstGeom>
+            <a:noFill/>
+            <a:ln>
+              <a:solidFill>
+                <a:schemeClr val="tx1"/>
+              </a:solidFill>
+            </a:ln>
+          </p:spPr>
+          <p:style>
+            <a:lnRef idx="2">
+              <a:schemeClr val="accent1">
+                <a:shade val="50000"/>
+              </a:schemeClr>
+            </a:lnRef>
+            <a:fillRef idx="1">
+              <a:schemeClr val="accent1"/>
+            </a:fillRef>
+            <a:effectRef idx="0">
+              <a:schemeClr val="accent1"/>
+            </a:effectRef>
+            <a:fontRef idx="minor">
+              <a:schemeClr val="lt1"/>
+            </a:fontRef>
+          </p:style>
+          <p:txBody>
+            <a:bodyPr rtlCol="0" anchor="ctr"/>
+            <a:lstStyle/>
+            <a:p>
+              <a:pPr algn="ctr"/>
+              <a:r>
+                <a:rPr lang="en-US" altLang="zh-CN">
+                  <a:solidFill>
+                    <a:schemeClr val="tx1"/>
+                  </a:solidFill>
+                </a:rPr>
+                <a:t>foo</a:t>
+              </a:r>
+            </a:p>
+          </p:txBody>
+        </p:sp>
+        <p:sp>
+          <p:nvSpPr>
+            <p:cNvPr id="51" name="同侧圆角矩形 50">
+              <a:extLst>
+                <a:ext uri="{FF2B5EF4-FFF2-40B4-BE49-F238E27FC236}">
+                  <a16:creationId xmlns:a16="http://schemas.microsoft.com/office/drawing/2014/main" id="{4654044C-E390-9441-9ACC-B0C836D13045}"/>
+                </a:ext>
+              </a:extLst>
+            </p:cNvPr>
+            <p:cNvSpPr/>
+            <p:nvPr/>
+          </p:nvSpPr>
+          <p:spPr>
+            <a:xfrm>
+              <a:off x="5512676" y="1304952"/>
+              <a:ext cx="1818290" cy="293897"/>
+            </a:xfrm>
+            <a:prstGeom prst="round2SameRect">
+              <a:avLst/>
+            </a:prstGeom>
+            <a:noFill/>
+            <a:ln>
+              <a:solidFill>
+                <a:schemeClr val="tx1"/>
+              </a:solidFill>
+            </a:ln>
+          </p:spPr>
+          <p:style>
+            <a:lnRef idx="2">
+              <a:schemeClr val="accent1">
+                <a:shade val="50000"/>
+              </a:schemeClr>
+            </a:lnRef>
+            <a:fillRef idx="1">
+              <a:schemeClr val="accent1"/>
+            </a:fillRef>
+            <a:effectRef idx="0">
+              <a:schemeClr val="accent1"/>
+            </a:effectRef>
+            <a:fontRef idx="minor">
+              <a:schemeClr val="lt1"/>
+            </a:fontRef>
+          </p:style>
+          <p:txBody>
+            <a:bodyPr rot="0" spcFirstLastPara="0" vertOverflow="overflow" horzOverflow="overflow" vert="horz" wrap="square" lIns="91440" tIns="45720" rIns="91440" bIns="45720" numCol="1" spcCol="0" rtlCol="0" fromWordArt="0" anchor="ctr" anchorCtr="0" forceAA="0" compatLnSpc="1">
+              <a:prstTxWarp prst="textNoShape">
+                <a:avLst/>
+              </a:prstTxWarp>
+              <a:noAutofit/>
+            </a:bodyPr>
+            <a:lstStyle/>
+            <a:p>
+              <a:pPr algn="ctr"/>
+              <a:r>
+                <a:rPr kumimoji="1" lang="en-US" altLang="zh-CN">
+                  <a:solidFill>
+                    <a:schemeClr val="tx1"/>
+                  </a:solidFill>
+                </a:rPr>
+                <a:t>Base</a:t>
+              </a:r>
+              <a:r>
+                <a:rPr kumimoji="1" lang="zh-CN" altLang="en-US">
+                  <a:solidFill>
+                    <a:schemeClr val="tx1"/>
+                  </a:solidFill>
+                </a:rPr>
+                <a:t> </a:t>
+              </a:r>
+              <a:r>
+                <a:rPr kumimoji="1" lang="en-US" altLang="zh-CN">
+                  <a:solidFill>
+                    <a:schemeClr val="tx1"/>
+                  </a:solidFill>
+                </a:rPr>
+                <a:t>vtable</a:t>
+              </a:r>
+              <a:endParaRPr kumimoji="1" lang="zh-CN" altLang="en-US">
+                <a:solidFill>
+                  <a:schemeClr val="tx1"/>
+                </a:solidFill>
+              </a:endParaRPr>
+            </a:p>
+          </p:txBody>
+        </p:sp>
+        <p:sp>
+          <p:nvSpPr>
+            <p:cNvPr id="63" name="矩形 62">
+              <a:extLst>
+                <a:ext uri="{FF2B5EF4-FFF2-40B4-BE49-F238E27FC236}">
+                  <a16:creationId xmlns:a16="http://schemas.microsoft.com/office/drawing/2014/main" id="{B2A4FD8F-BA32-7F4C-B6D9-FAAC3D4D51B5}"/>
+                </a:ext>
+              </a:extLst>
+            </p:cNvPr>
+            <p:cNvSpPr/>
+            <p:nvPr/>
+          </p:nvSpPr>
+          <p:spPr>
+            <a:xfrm>
+              <a:off x="5512676" y="2132817"/>
+              <a:ext cx="1818290" cy="336331"/>
+            </a:xfrm>
+            <a:prstGeom prst="rect">
+              <a:avLst/>
+            </a:prstGeom>
+            <a:noFill/>
+            <a:ln>
+              <a:solidFill>
+                <a:schemeClr val="tx1"/>
+              </a:solidFill>
+            </a:ln>
+          </p:spPr>
+          <p:style>
+            <a:lnRef idx="2">
+              <a:schemeClr val="accent1">
+                <a:shade val="50000"/>
+              </a:schemeClr>
+            </a:lnRef>
+            <a:fillRef idx="1">
+              <a:schemeClr val="accent1"/>
+            </a:fillRef>
+            <a:effectRef idx="0">
+              <a:schemeClr val="accent1"/>
+            </a:effectRef>
+            <a:fontRef idx="minor">
+              <a:schemeClr val="lt1"/>
+            </a:fontRef>
+          </p:style>
+          <p:txBody>
+            <a:bodyPr rtlCol="0" anchor="ctr"/>
+            <a:lstStyle/>
+            <a:p>
+              <a:pPr algn="ctr"/>
+              <a:r>
+                <a:rPr lang="en-US" altLang="zh-CN">
+                  <a:solidFill>
+                    <a:schemeClr val="tx1"/>
+                  </a:solidFill>
+                </a:rPr>
+                <a:t>FooNotOverridde</a:t>
+              </a:r>
+            </a:p>
+          </p:txBody>
+        </p:sp>
+      </p:grpSp>
+      <p:grpSp>
+        <p:nvGrpSpPr>
+          <p:cNvPr id="8" name="组合 7">
+            <a:extLst>
+              <a:ext uri="{FF2B5EF4-FFF2-40B4-BE49-F238E27FC236}">
+                <a16:creationId xmlns:a16="http://schemas.microsoft.com/office/drawing/2014/main" id="{075C0628-7160-144F-B63A-DC5A5F7928B8}"/>
+              </a:ext>
+            </a:extLst>
+          </p:cNvPr>
+          <p:cNvGrpSpPr/>
+          <p:nvPr/>
+        </p:nvGrpSpPr>
+        <p:grpSpPr>
+          <a:xfrm>
+            <a:off x="8660523" y="983835"/>
+            <a:ext cx="3005959" cy="1146941"/>
+            <a:chOff x="8660524" y="983836"/>
+            <a:chExt cx="2338552" cy="674702"/>
+          </a:xfrm>
+        </p:grpSpPr>
+        <p:sp>
+          <p:nvSpPr>
+            <p:cNvPr id="72" name="矩形 71">
+              <a:extLst>
+                <a:ext uri="{FF2B5EF4-FFF2-40B4-BE49-F238E27FC236}">
+                  <a16:creationId xmlns:a16="http://schemas.microsoft.com/office/drawing/2014/main" id="{DC45067B-9BF2-7A49-8805-9474577C0CA2}"/>
+                </a:ext>
+              </a:extLst>
+            </p:cNvPr>
+            <p:cNvSpPr/>
+            <p:nvPr/>
+          </p:nvSpPr>
+          <p:spPr>
+            <a:xfrm>
+              <a:off x="8660524" y="983836"/>
+              <a:ext cx="2338552" cy="336331"/>
+            </a:xfrm>
+            <a:prstGeom prst="rect">
+              <a:avLst/>
+            </a:prstGeom>
+            <a:noFill/>
+            <a:ln>
+              <a:solidFill>
+                <a:schemeClr val="tx1"/>
+              </a:solidFill>
+            </a:ln>
+          </p:spPr>
+          <p:style>
+            <a:lnRef idx="2">
+              <a:schemeClr val="accent1">
+                <a:shade val="50000"/>
+              </a:schemeClr>
+            </a:lnRef>
+            <a:fillRef idx="1">
+              <a:schemeClr val="accent1"/>
+            </a:fillRef>
+            <a:effectRef idx="0">
+              <a:schemeClr val="accent1"/>
+            </a:effectRef>
+            <a:fontRef idx="minor">
+              <a:schemeClr val="lt1"/>
+            </a:fontRef>
+          </p:style>
+          <p:txBody>
+            <a:bodyPr rtlCol="0" anchor="ctr"/>
+            <a:lstStyle/>
+            <a:p>
+              <a:pPr algn="ctr"/>
+              <a:r>
+                <a:rPr lang="en-US" altLang="zh-CN">
+                  <a:solidFill>
+                    <a:schemeClr val="tx1"/>
+                  </a:solidFill>
+                </a:rPr>
+                <a:t>Base::foo</a:t>
+              </a:r>
+            </a:p>
+          </p:txBody>
+        </p:sp>
+        <p:sp>
+          <p:nvSpPr>
+            <p:cNvPr id="74" name="矩形 73">
+              <a:extLst>
+                <a:ext uri="{FF2B5EF4-FFF2-40B4-BE49-F238E27FC236}">
+                  <a16:creationId xmlns:a16="http://schemas.microsoft.com/office/drawing/2014/main" id="{7B2696FD-1579-064E-8DDD-EF70D473F83B}"/>
+                </a:ext>
+              </a:extLst>
+            </p:cNvPr>
+            <p:cNvSpPr/>
+            <p:nvPr/>
+          </p:nvSpPr>
+          <p:spPr>
+            <a:xfrm>
+              <a:off x="8660524" y="1322207"/>
+              <a:ext cx="2338552" cy="336331"/>
+            </a:xfrm>
+            <a:prstGeom prst="rect">
+              <a:avLst/>
+            </a:prstGeom>
+            <a:noFill/>
+            <a:ln>
+              <a:solidFill>
+                <a:schemeClr val="tx1"/>
+              </a:solidFill>
+            </a:ln>
+          </p:spPr>
+          <p:style>
+            <a:lnRef idx="2">
+              <a:schemeClr val="accent1">
+                <a:shade val="50000"/>
+              </a:schemeClr>
+            </a:lnRef>
+            <a:fillRef idx="1">
+              <a:schemeClr val="accent1"/>
+            </a:fillRef>
+            <a:effectRef idx="0">
+              <a:schemeClr val="accent1"/>
+            </a:effectRef>
+            <a:fontRef idx="minor">
+              <a:schemeClr val="lt1"/>
+            </a:fontRef>
+          </p:style>
+          <p:txBody>
+            <a:bodyPr rtlCol="0" anchor="ctr"/>
+            <a:lstStyle/>
+            <a:p>
+              <a:pPr algn="ctr"/>
+              <a:r>
+                <a:rPr lang="en-US" altLang="zh-CN">
+                  <a:solidFill>
+                    <a:schemeClr val="tx1"/>
+                  </a:solidFill>
+                </a:rPr>
+                <a:t>Base::FooNotOverridde</a:t>
+              </a:r>
+            </a:p>
+          </p:txBody>
+        </p:sp>
+      </p:grpSp>
+      <p:cxnSp>
+        <p:nvCxnSpPr>
+          <p:cNvPr id="10" name="曲线连接符 9">
+            <a:extLst>
+              <a:ext uri="{FF2B5EF4-FFF2-40B4-BE49-F238E27FC236}">
+                <a16:creationId xmlns:a16="http://schemas.microsoft.com/office/drawing/2014/main" id="{FD44E2CA-026B-EE4F-8757-48613FD3DB26}"/>
+              </a:ext>
+            </a:extLst>
+          </p:cNvPr>
+          <p:cNvCxnSpPr>
+            <a:stCxn id="33" idx="3"/>
+            <a:endCxn id="51" idx="2"/>
+          </p:cNvCxnSpPr>
+          <p:nvPr/>
+        </p:nvCxnSpPr>
+        <p:spPr>
+          <a:xfrm>
+            <a:off x="3189888" y="1218722"/>
+            <a:ext cx="1392623" cy="299348"/>
+          </a:xfrm>
+          <a:prstGeom prst="curvedConnector3">
+            <a:avLst/>
+          </a:prstGeom>
+          <a:ln>
+            <a:tailEnd type="triangle"/>
+          </a:ln>
+        </p:spPr>
+        <p:style>
+          <a:lnRef idx="1">
+            <a:schemeClr val="accent1"/>
+          </a:lnRef>
+          <a:fillRef idx="0">
+            <a:schemeClr val="accent1"/>
+          </a:fillRef>
+          <a:effectRef idx="0">
+            <a:schemeClr val="accent1"/>
+          </a:effectRef>
+          <a:fontRef idx="minor">
+            <a:schemeClr val="tx1"/>
+          </a:fontRef>
+        </p:style>
+      </p:cxnSp>
+      <p:cxnSp>
+        <p:nvCxnSpPr>
+          <p:cNvPr id="75" name="曲线连接符 74">
+            <a:extLst>
+              <a:ext uri="{FF2B5EF4-FFF2-40B4-BE49-F238E27FC236}">
+                <a16:creationId xmlns:a16="http://schemas.microsoft.com/office/drawing/2014/main" id="{1A901527-E418-D74F-884D-CEBAB55A6983}"/>
+              </a:ext>
+            </a:extLst>
+          </p:cNvPr>
+          <p:cNvCxnSpPr>
+            <a:cxnSpLocks/>
+            <a:stCxn id="54" idx="3"/>
+            <a:endCxn id="51" idx="2"/>
+          </p:cNvCxnSpPr>
+          <p:nvPr/>
+        </p:nvCxnSpPr>
+        <p:spPr>
+          <a:xfrm flipV="1">
+            <a:off x="3189887" y="1518070"/>
+            <a:ext cx="1392624" cy="999530"/>
+          </a:xfrm>
+          <a:prstGeom prst="curvedConnector3">
+            <a:avLst/>
+          </a:prstGeom>
+          <a:ln>
+            <a:tailEnd type="triangle"/>
+          </a:ln>
+        </p:spPr>
+        <p:style>
+          <a:lnRef idx="1">
+            <a:schemeClr val="accent1"/>
+          </a:lnRef>
+          <a:fillRef idx="0">
+            <a:schemeClr val="accent1"/>
+          </a:fillRef>
+          <a:effectRef idx="0">
+            <a:schemeClr val="accent1"/>
+          </a:effectRef>
+          <a:fontRef idx="minor">
+            <a:schemeClr val="tx1"/>
+          </a:fontRef>
+        </p:style>
+      </p:cxnSp>
+      <p:cxnSp>
+        <p:nvCxnSpPr>
+          <p:cNvPr id="76" name="曲线连接符 75">
+            <a:extLst>
+              <a:ext uri="{FF2B5EF4-FFF2-40B4-BE49-F238E27FC236}">
+                <a16:creationId xmlns:a16="http://schemas.microsoft.com/office/drawing/2014/main" id="{04038815-4CFC-4B44-A8B5-8E5A010D902B}"/>
+              </a:ext>
+            </a:extLst>
+          </p:cNvPr>
+          <p:cNvCxnSpPr>
+            <a:cxnSpLocks/>
+            <a:stCxn id="50" idx="3"/>
+            <a:endCxn id="72" idx="1"/>
+          </p:cNvCxnSpPr>
+          <p:nvPr/>
+        </p:nvCxnSpPr>
+        <p:spPr>
+          <a:xfrm flipV="1">
+            <a:off x="6921063" y="1269704"/>
+            <a:ext cx="1739460" cy="759077"/>
+          </a:xfrm>
+          <a:prstGeom prst="curvedConnector3">
+            <a:avLst>
+              <a:gd name="adj1" fmla="val 50000"/>
+            </a:avLst>
+          </a:prstGeom>
+          <a:ln>
+            <a:tailEnd type="triangle"/>
+          </a:ln>
+        </p:spPr>
+        <p:style>
+          <a:lnRef idx="1">
+            <a:schemeClr val="accent1"/>
+          </a:lnRef>
+          <a:fillRef idx="0">
+            <a:schemeClr val="accent1"/>
+          </a:fillRef>
+          <a:effectRef idx="0">
+            <a:schemeClr val="accent1"/>
+          </a:effectRef>
+          <a:fontRef idx="minor">
+            <a:schemeClr val="tx1"/>
+          </a:fontRef>
+        </p:style>
+      </p:cxnSp>
+      <p:cxnSp>
+        <p:nvCxnSpPr>
+          <p:cNvPr id="77" name="曲线连接符 76">
+            <a:extLst>
+              <a:ext uri="{FF2B5EF4-FFF2-40B4-BE49-F238E27FC236}">
+                <a16:creationId xmlns:a16="http://schemas.microsoft.com/office/drawing/2014/main" id="{E789F0E3-D6CA-C442-848C-B3E1268634BE}"/>
+              </a:ext>
+            </a:extLst>
+          </p:cNvPr>
+          <p:cNvCxnSpPr>
+            <a:cxnSpLocks/>
+            <a:stCxn id="63" idx="3"/>
+            <a:endCxn id="74" idx="1"/>
+          </p:cNvCxnSpPr>
+          <p:nvPr/>
+        </p:nvCxnSpPr>
+        <p:spPr>
+          <a:xfrm flipV="1">
+            <a:off x="6921063" y="1844908"/>
+            <a:ext cx="1739460" cy="522244"/>
+          </a:xfrm>
+          <a:prstGeom prst="curvedConnector3">
+            <a:avLst>
+              <a:gd name="adj1" fmla="val 50000"/>
+            </a:avLst>
+          </a:prstGeom>
+          <a:ln>
+            <a:tailEnd type="triangle"/>
+          </a:ln>
+        </p:spPr>
+        <p:style>
+          <a:lnRef idx="1">
+            <a:schemeClr val="accent1"/>
+          </a:lnRef>
+          <a:fillRef idx="0">
+            <a:schemeClr val="accent1"/>
+          </a:fillRef>
+          <a:effectRef idx="0">
+            <a:schemeClr val="accent1"/>
+          </a:effectRef>
+          <a:fontRef idx="minor">
+            <a:schemeClr val="tx1"/>
+          </a:fontRef>
+        </p:style>
+      </p:cxnSp>
+      <p:cxnSp>
+        <p:nvCxnSpPr>
+          <p:cNvPr id="84" name="曲线连接符 83">
+            <a:extLst>
+              <a:ext uri="{FF2B5EF4-FFF2-40B4-BE49-F238E27FC236}">
+                <a16:creationId xmlns:a16="http://schemas.microsoft.com/office/drawing/2014/main" id="{291A099E-5D97-3448-9D71-113128307D31}"/>
+              </a:ext>
+            </a:extLst>
+          </p:cNvPr>
+          <p:cNvCxnSpPr>
+            <a:cxnSpLocks/>
+            <a:stCxn id="45" idx="3"/>
+            <a:endCxn id="92" idx="2"/>
+          </p:cNvCxnSpPr>
+          <p:nvPr/>
+        </p:nvCxnSpPr>
+        <p:spPr>
+          <a:xfrm flipV="1">
+            <a:off x="3189887" y="4328617"/>
+            <a:ext cx="1432035" cy="256510"/>
+          </a:xfrm>
+          <a:prstGeom prst="curvedConnector3">
+            <a:avLst>
+              <a:gd name="adj1" fmla="val 50000"/>
+            </a:avLst>
+          </a:prstGeom>
+          <a:ln>
+            <a:tailEnd type="triangle"/>
+          </a:ln>
+        </p:spPr>
+        <p:style>
+          <a:lnRef idx="1">
+            <a:schemeClr val="accent1"/>
+          </a:lnRef>
+          <a:fillRef idx="0">
+            <a:schemeClr val="accent1"/>
+          </a:fillRef>
+          <a:effectRef idx="0">
+            <a:schemeClr val="accent1"/>
+          </a:effectRef>
+          <a:fontRef idx="minor">
+            <a:schemeClr val="tx1"/>
+          </a:fontRef>
+        </p:style>
+      </p:cxnSp>
+      <p:cxnSp>
+        <p:nvCxnSpPr>
+          <p:cNvPr id="85" name="曲线连接符 84">
+            <a:extLst>
+              <a:ext uri="{FF2B5EF4-FFF2-40B4-BE49-F238E27FC236}">
+                <a16:creationId xmlns:a16="http://schemas.microsoft.com/office/drawing/2014/main" id="{5E30C100-28F4-7649-9CF9-D8E5C02E229B}"/>
+              </a:ext>
+            </a:extLst>
+          </p:cNvPr>
+          <p:cNvCxnSpPr>
+            <a:cxnSpLocks/>
+            <a:stCxn id="61" idx="3"/>
+            <a:endCxn id="92" idx="2"/>
+          </p:cNvCxnSpPr>
+          <p:nvPr/>
+        </p:nvCxnSpPr>
+        <p:spPr>
+          <a:xfrm flipV="1">
+            <a:off x="3189887" y="4328617"/>
+            <a:ext cx="1432035" cy="1588194"/>
+          </a:xfrm>
+          <a:prstGeom prst="curvedConnector3">
+            <a:avLst>
+              <a:gd name="adj1" fmla="val 50000"/>
+            </a:avLst>
+          </a:prstGeom>
+          <a:ln>
+            <a:tailEnd type="triangle"/>
+          </a:ln>
+        </p:spPr>
+        <p:style>
+          <a:lnRef idx="1">
+            <a:schemeClr val="accent1"/>
+          </a:lnRef>
+          <a:fillRef idx="0">
+            <a:schemeClr val="accent1"/>
+          </a:fillRef>
+          <a:effectRef idx="0">
+            <a:schemeClr val="accent1"/>
+          </a:effectRef>
+          <a:fontRef idx="minor">
+            <a:schemeClr val="tx1"/>
+          </a:fontRef>
+        </p:style>
+      </p:cxnSp>
+      <p:grpSp>
+        <p:nvGrpSpPr>
+          <p:cNvPr id="89" name="组合 88">
+            <a:extLst>
+              <a:ext uri="{FF2B5EF4-FFF2-40B4-BE49-F238E27FC236}">
+                <a16:creationId xmlns:a16="http://schemas.microsoft.com/office/drawing/2014/main" id="{429B061E-9E34-5641-BC1C-E2006CCC2237}"/>
+              </a:ext>
+            </a:extLst>
+          </p:cNvPr>
+          <p:cNvGrpSpPr/>
+          <p:nvPr/>
+        </p:nvGrpSpPr>
+        <p:grpSpPr>
+          <a:xfrm>
+            <a:off x="4621922" y="4181668"/>
+            <a:ext cx="2338552" cy="1785089"/>
+            <a:chOff x="5512676" y="1304952"/>
+            <a:chExt cx="1818290" cy="1785089"/>
+          </a:xfrm>
+        </p:grpSpPr>
+        <p:sp>
+          <p:nvSpPr>
+            <p:cNvPr id="90" name="矩形 89">
+              <a:extLst>
+                <a:ext uri="{FF2B5EF4-FFF2-40B4-BE49-F238E27FC236}">
+                  <a16:creationId xmlns:a16="http://schemas.microsoft.com/office/drawing/2014/main" id="{29A2079F-2197-5E45-AFE2-7F1401EB1736}"/>
+                </a:ext>
+              </a:extLst>
+            </p:cNvPr>
+            <p:cNvSpPr/>
+            <p:nvPr/>
+          </p:nvSpPr>
+          <p:spPr>
+            <a:xfrm>
+              <a:off x="5512676" y="1598849"/>
+              <a:ext cx="1818290" cy="1491192"/>
+            </a:xfrm>
+            <a:prstGeom prst="rect">
+              <a:avLst/>
+            </a:prstGeom>
+            <a:noFill/>
+            <a:ln>
+              <a:solidFill>
+                <a:schemeClr val="tx1"/>
+              </a:solidFill>
+            </a:ln>
+          </p:spPr>
+          <p:style>
+            <a:lnRef idx="2">
+              <a:schemeClr val="accent1">
+                <a:shade val="50000"/>
+              </a:schemeClr>
+            </a:lnRef>
+            <a:fillRef idx="1">
+              <a:schemeClr val="accent1"/>
+            </a:fillRef>
+            <a:effectRef idx="0">
+              <a:schemeClr val="accent1"/>
+            </a:effectRef>
+            <a:fontRef idx="minor">
+              <a:schemeClr val="lt1"/>
+            </a:fontRef>
+          </p:style>
+          <p:txBody>
+            <a:bodyPr rtlCol="0" anchor="ctr"/>
+            <a:lstStyle/>
+            <a:p>
+              <a:pPr algn="ctr"/>
+              <a:endParaRPr kumimoji="1" lang="zh-CN" altLang="en-US">
+                <a:solidFill>
+                  <a:schemeClr val="tx1"/>
+                </a:solidFill>
+              </a:endParaRPr>
+            </a:p>
+          </p:txBody>
+        </p:sp>
+        <p:sp>
+          <p:nvSpPr>
+            <p:cNvPr id="91" name="矩形 90">
+              <a:extLst>
+                <a:ext uri="{FF2B5EF4-FFF2-40B4-BE49-F238E27FC236}">
+                  <a16:creationId xmlns:a16="http://schemas.microsoft.com/office/drawing/2014/main" id="{BE24D875-1CC1-DB44-B506-88C6A827966F}"/>
+                </a:ext>
+              </a:extLst>
+            </p:cNvPr>
+            <p:cNvSpPr/>
+            <p:nvPr/>
+          </p:nvSpPr>
+          <p:spPr>
+            <a:xfrm>
+              <a:off x="5512676" y="1794446"/>
+              <a:ext cx="1818290" cy="336331"/>
+            </a:xfrm>
+            <a:prstGeom prst="rect">
+              <a:avLst/>
+            </a:prstGeom>
+            <a:noFill/>
+            <a:ln>
+              <a:solidFill>
+                <a:schemeClr val="tx1"/>
+              </a:solidFill>
+            </a:ln>
+          </p:spPr>
+          <p:style>
+            <a:lnRef idx="2">
+              <a:schemeClr val="accent1">
+                <a:shade val="50000"/>
+              </a:schemeClr>
+            </a:lnRef>
+            <a:fillRef idx="1">
+              <a:schemeClr val="accent1"/>
+            </a:fillRef>
+            <a:effectRef idx="0">
+              <a:schemeClr val="accent1"/>
+            </a:effectRef>
+            <a:fontRef idx="minor">
+              <a:schemeClr val="lt1"/>
+            </a:fontRef>
+          </p:style>
+          <p:txBody>
+            <a:bodyPr rtlCol="0" anchor="ctr"/>
+            <a:lstStyle/>
+            <a:p>
+              <a:pPr algn="ctr"/>
+              <a:r>
+                <a:rPr lang="en-US" altLang="zh-CN">
+                  <a:solidFill>
+                    <a:schemeClr val="tx1"/>
+                  </a:solidFill>
+                </a:rPr>
+                <a:t>foo</a:t>
+              </a:r>
+            </a:p>
+          </p:txBody>
+        </p:sp>
+        <p:sp>
+          <p:nvSpPr>
+            <p:cNvPr id="92" name="同侧圆角矩形 91">
+              <a:extLst>
+                <a:ext uri="{FF2B5EF4-FFF2-40B4-BE49-F238E27FC236}">
+                  <a16:creationId xmlns:a16="http://schemas.microsoft.com/office/drawing/2014/main" id="{7717A9F6-2446-CA43-B9BE-E67BE0402123}"/>
+                </a:ext>
+              </a:extLst>
+            </p:cNvPr>
+            <p:cNvSpPr/>
+            <p:nvPr/>
+          </p:nvSpPr>
+          <p:spPr>
+            <a:xfrm>
+              <a:off x="5512676" y="1304952"/>
+              <a:ext cx="1818290" cy="293897"/>
+            </a:xfrm>
+            <a:prstGeom prst="round2SameRect">
+              <a:avLst/>
+            </a:prstGeom>
+            <a:noFill/>
+            <a:ln>
+              <a:solidFill>
+                <a:schemeClr val="tx1"/>
+              </a:solidFill>
+            </a:ln>
+          </p:spPr>
+          <p:style>
+            <a:lnRef idx="2">
+              <a:schemeClr val="accent1">
+                <a:shade val="50000"/>
+              </a:schemeClr>
+            </a:lnRef>
+            <a:fillRef idx="1">
+              <a:schemeClr val="accent1"/>
+            </a:fillRef>
+            <a:effectRef idx="0">
+              <a:schemeClr val="accent1"/>
+            </a:effectRef>
+            <a:fontRef idx="minor">
+              <a:schemeClr val="lt1"/>
+            </a:fontRef>
+          </p:style>
+          <p:txBody>
+            <a:bodyPr rot="0" spcFirstLastPara="0" vertOverflow="overflow" horzOverflow="overflow" vert="horz" wrap="square" lIns="91440" tIns="45720" rIns="91440" bIns="45720" numCol="1" spcCol="0" rtlCol="0" fromWordArt="0" anchor="ctr" anchorCtr="0" forceAA="0" compatLnSpc="1">
+              <a:prstTxWarp prst="textNoShape">
+                <a:avLst/>
+              </a:prstTxWarp>
+              <a:noAutofit/>
+            </a:bodyPr>
+            <a:lstStyle/>
+            <a:p>
+              <a:pPr algn="ctr"/>
+              <a:r>
+                <a:rPr kumimoji="1" lang="en-US" altLang="zh-CN">
+                  <a:solidFill>
+                    <a:schemeClr val="tx1"/>
+                  </a:solidFill>
+                </a:rPr>
+                <a:t>Derived</a:t>
+              </a:r>
+              <a:r>
+                <a:rPr kumimoji="1" lang="zh-CN" altLang="en-US">
+                  <a:solidFill>
+                    <a:schemeClr val="tx1"/>
+                  </a:solidFill>
+                </a:rPr>
+                <a:t> </a:t>
+              </a:r>
+              <a:r>
+                <a:rPr kumimoji="1" lang="en-US" altLang="zh-CN">
+                  <a:solidFill>
+                    <a:schemeClr val="tx1"/>
+                  </a:solidFill>
+                </a:rPr>
+                <a:t>vtable</a:t>
+              </a:r>
+              <a:endParaRPr kumimoji="1" lang="zh-CN" altLang="en-US">
+                <a:solidFill>
+                  <a:schemeClr val="tx1"/>
+                </a:solidFill>
+              </a:endParaRPr>
+            </a:p>
+          </p:txBody>
+        </p:sp>
+        <p:sp>
+          <p:nvSpPr>
+            <p:cNvPr id="93" name="矩形 92">
+              <a:extLst>
+                <a:ext uri="{FF2B5EF4-FFF2-40B4-BE49-F238E27FC236}">
+                  <a16:creationId xmlns:a16="http://schemas.microsoft.com/office/drawing/2014/main" id="{62BF2DBF-1DD4-194B-A7F4-BE5D32ED0541}"/>
+                </a:ext>
+              </a:extLst>
+            </p:cNvPr>
+            <p:cNvSpPr/>
+            <p:nvPr/>
+          </p:nvSpPr>
+          <p:spPr>
+            <a:xfrm>
+              <a:off x="5512676" y="2132817"/>
+              <a:ext cx="1818290" cy="336331"/>
+            </a:xfrm>
+            <a:prstGeom prst="rect">
+              <a:avLst/>
+            </a:prstGeom>
+            <a:noFill/>
+            <a:ln>
+              <a:solidFill>
+                <a:schemeClr val="tx1"/>
+              </a:solidFill>
+            </a:ln>
+          </p:spPr>
+          <p:style>
+            <a:lnRef idx="2">
+              <a:schemeClr val="accent1">
+                <a:shade val="50000"/>
+              </a:schemeClr>
+            </a:lnRef>
+            <a:fillRef idx="1">
+              <a:schemeClr val="accent1"/>
+            </a:fillRef>
+            <a:effectRef idx="0">
+              <a:schemeClr val="accent1"/>
+            </a:effectRef>
+            <a:fontRef idx="minor">
+              <a:schemeClr val="lt1"/>
+            </a:fontRef>
+          </p:style>
+          <p:txBody>
+            <a:bodyPr rtlCol="0" anchor="ctr"/>
+            <a:lstStyle/>
+            <a:p>
+              <a:pPr algn="ctr"/>
+              <a:r>
+                <a:rPr lang="en-US" altLang="zh-CN">
+                  <a:solidFill>
+                    <a:schemeClr val="tx1"/>
+                  </a:solidFill>
+                </a:rPr>
+                <a:t>FooNotOverridde</a:t>
+              </a:r>
+            </a:p>
+          </p:txBody>
+        </p:sp>
+      </p:grpSp>
+      <p:sp>
+        <p:nvSpPr>
+          <p:cNvPr id="98" name="矩形 97">
+            <a:extLst>
+              <a:ext uri="{FF2B5EF4-FFF2-40B4-BE49-F238E27FC236}">
+                <a16:creationId xmlns:a16="http://schemas.microsoft.com/office/drawing/2014/main" id="{592082E1-B14C-914B-A0C4-A9C1913C37CD}"/>
+              </a:ext>
+            </a:extLst>
+          </p:cNvPr>
+          <p:cNvSpPr/>
+          <p:nvPr/>
+        </p:nvSpPr>
+        <p:spPr>
+          <a:xfrm>
+            <a:off x="8660522" y="4434022"/>
+            <a:ext cx="3005959" cy="571737"/>
+          </a:xfrm>
+          <a:prstGeom prst="rect">
+            <a:avLst/>
+          </a:prstGeom>
+          <a:noFill/>
+          <a:ln>
+            <a:solidFill>
+              <a:schemeClr val="tx1"/>
+            </a:solidFill>
+          </a:ln>
+        </p:spPr>
+        <p:style>
+          <a:lnRef idx="2">
+            <a:schemeClr val="accent1">
+              <a:shade val="50000"/>
+            </a:schemeClr>
+          </a:lnRef>
+          <a:fillRef idx="1">
+            <a:schemeClr val="accent1"/>
+          </a:fillRef>
+          <a:effectRef idx="0">
+            <a:schemeClr val="accent1"/>
+          </a:effectRef>
+          <a:fontRef idx="minor">
+            <a:schemeClr val="lt1"/>
+          </a:fontRef>
+        </p:style>
+        <p:txBody>
+          <a:bodyPr rtlCol="0" anchor="ctr"/>
+          <a:lstStyle/>
+          <a:p>
+            <a:pPr algn="ctr"/>
+            <a:r>
+              <a:rPr lang="en-US" altLang="zh-CN">
+                <a:solidFill>
+                  <a:schemeClr val="tx1"/>
+                </a:solidFill>
+              </a:rPr>
+              <a:t>Derived::foo</a:t>
+            </a:r>
+          </a:p>
+        </p:txBody>
+      </p:sp>
+      <p:cxnSp>
+        <p:nvCxnSpPr>
+          <p:cNvPr id="100" name="曲线连接符 99">
+            <a:extLst>
+              <a:ext uri="{FF2B5EF4-FFF2-40B4-BE49-F238E27FC236}">
+                <a16:creationId xmlns:a16="http://schemas.microsoft.com/office/drawing/2014/main" id="{01DE769D-511C-1044-A707-A3C8D1E04ADD}"/>
+              </a:ext>
+            </a:extLst>
+          </p:cNvPr>
+          <p:cNvCxnSpPr>
+            <a:cxnSpLocks/>
+            <a:stCxn id="91" idx="3"/>
+            <a:endCxn id="98" idx="1"/>
+          </p:cNvCxnSpPr>
+          <p:nvPr/>
+        </p:nvCxnSpPr>
+        <p:spPr>
+          <a:xfrm flipV="1">
+            <a:off x="6960474" y="4719891"/>
+            <a:ext cx="1700048" cy="119437"/>
+          </a:xfrm>
+          <a:prstGeom prst="curvedConnector3">
+            <a:avLst>
+              <a:gd name="adj1" fmla="val 50000"/>
+            </a:avLst>
+          </a:prstGeom>
+          <a:ln>
+            <a:tailEnd type="triangle"/>
+          </a:ln>
+        </p:spPr>
+        <p:style>
+          <a:lnRef idx="1">
+            <a:schemeClr val="accent1"/>
+          </a:lnRef>
+          <a:fillRef idx="0">
+            <a:schemeClr val="accent1"/>
+          </a:fillRef>
+          <a:effectRef idx="0">
+            <a:schemeClr val="accent1"/>
+          </a:effectRef>
+          <a:fontRef idx="minor">
+            <a:schemeClr val="tx1"/>
+          </a:fontRef>
+        </p:style>
+      </p:cxnSp>
+      <p:cxnSp>
+        <p:nvCxnSpPr>
+          <p:cNvPr id="103" name="曲线连接符 102">
+            <a:extLst>
+              <a:ext uri="{FF2B5EF4-FFF2-40B4-BE49-F238E27FC236}">
+                <a16:creationId xmlns:a16="http://schemas.microsoft.com/office/drawing/2014/main" id="{C735100B-E91E-B647-815E-1729E69C0724}"/>
+              </a:ext>
+            </a:extLst>
+          </p:cNvPr>
+          <p:cNvCxnSpPr>
+            <a:cxnSpLocks/>
+            <a:stCxn id="93" idx="3"/>
+            <a:endCxn id="74" idx="1"/>
+          </p:cNvCxnSpPr>
+          <p:nvPr/>
+        </p:nvCxnSpPr>
+        <p:spPr>
+          <a:xfrm flipV="1">
+            <a:off x="6960474" y="1844908"/>
+            <a:ext cx="1700049" cy="3332791"/>
+          </a:xfrm>
+          <a:prstGeom prst="curvedConnector3">
+            <a:avLst>
+              <a:gd name="adj1" fmla="val 50000"/>
+            </a:avLst>
+          </a:prstGeom>
+          <a:ln>
+            <a:tailEnd type="triangle"/>
+          </a:ln>
+        </p:spPr>
+        <p:style>
+          <a:lnRef idx="1">
+            <a:schemeClr val="accent1"/>
+          </a:lnRef>
+          <a:fillRef idx="0">
+            <a:schemeClr val="accent1"/>
+          </a:fillRef>
+          <a:effectRef idx="0">
+            <a:schemeClr val="accent1"/>
+          </a:effectRef>
+          <a:fontRef idx="minor">
+            <a:schemeClr val="tx1"/>
+          </a:fontRef>
+        </p:style>
+      </p:cxnSp>
+    </p:spTree>
+    <p:extLst>
+      <p:ext uri="{BB962C8B-B14F-4D97-AF65-F5344CB8AC3E}">
+        <p14:creationId xmlns:p14="http://schemas.microsoft.com/office/powerpoint/2010/main" val="1633669176"/>
       </p:ext>
     </p:extLst>
   </p:cSld>
@@ -17885,6 +19894,1117 @@
 </p:sld>
 </file>
 
+<file path=ppt/slides/slide9.xml><?xml version="1.0" encoding="utf-8"?>
+<p:sld xmlns:a="http://schemas.openxmlformats.org/drawingml/2006/main" xmlns:r="http://schemas.openxmlformats.org/officeDocument/2006/relationships" xmlns:p="http://schemas.openxmlformats.org/presentationml/2006/main">
+  <p:cSld>
+    <p:spTree>
+      <p:nvGrpSpPr>
+        <p:cNvPr id="1" name=""/>
+        <p:cNvGrpSpPr/>
+        <p:nvPr/>
+      </p:nvGrpSpPr>
+      <p:grpSpPr>
+        <a:xfrm>
+          <a:off x="0" y="0"/>
+          <a:ext cx="0" cy="0"/>
+          <a:chOff x="0" y="0"/>
+          <a:chExt cx="0" cy="0"/>
+        </a:xfrm>
+      </p:grpSpPr>
+      <p:grpSp>
+        <p:nvGrpSpPr>
+          <p:cNvPr id="19" name="组合 18">
+            <a:extLst>
+              <a:ext uri="{FF2B5EF4-FFF2-40B4-BE49-F238E27FC236}">
+                <a16:creationId xmlns:a16="http://schemas.microsoft.com/office/drawing/2014/main" id="{658DE43E-5239-3148-82F2-853E4F2D3FB7}"/>
+              </a:ext>
+            </a:extLst>
+          </p:cNvPr>
+          <p:cNvGrpSpPr/>
+          <p:nvPr/>
+        </p:nvGrpSpPr>
+        <p:grpSpPr>
+          <a:xfrm>
+            <a:off x="4792909" y="3272531"/>
+            <a:ext cx="3224924" cy="2392876"/>
+            <a:chOff x="2871076" y="3203884"/>
+            <a:chExt cx="3224924" cy="2392876"/>
+          </a:xfrm>
+        </p:grpSpPr>
+        <p:grpSp>
+          <p:nvGrpSpPr>
+            <p:cNvPr id="35" name="组合 34">
+              <a:extLst>
+                <a:ext uri="{FF2B5EF4-FFF2-40B4-BE49-F238E27FC236}">
+                  <a16:creationId xmlns:a16="http://schemas.microsoft.com/office/drawing/2014/main" id="{04DB3D51-9B09-B447-BAA7-48607E232248}"/>
+                </a:ext>
+              </a:extLst>
+            </p:cNvPr>
+            <p:cNvGrpSpPr/>
+            <p:nvPr/>
+          </p:nvGrpSpPr>
+          <p:grpSpPr>
+            <a:xfrm>
+              <a:off x="3587530" y="4322021"/>
+              <a:ext cx="1792015" cy="1037787"/>
+              <a:chOff x="1124607" y="488373"/>
+              <a:chExt cx="1166647" cy="1037787"/>
+            </a:xfrm>
+          </p:grpSpPr>
+          <p:sp>
+            <p:nvSpPr>
+              <p:cNvPr id="36" name="矩形 35">
+                <a:extLst>
+                  <a:ext uri="{FF2B5EF4-FFF2-40B4-BE49-F238E27FC236}">
+                    <a16:creationId xmlns:a16="http://schemas.microsoft.com/office/drawing/2014/main" id="{EF31A8BB-2F09-DA41-97EE-44CA03D075FE}"/>
+                  </a:ext>
+                </a:extLst>
+              </p:cNvPr>
+              <p:cNvSpPr/>
+              <p:nvPr/>
+            </p:nvSpPr>
+            <p:spPr>
+              <a:xfrm>
+                <a:off x="1124607" y="782270"/>
+                <a:ext cx="1166647" cy="743890"/>
+              </a:xfrm>
+              <a:prstGeom prst="rect">
+                <a:avLst/>
+              </a:prstGeom>
+              <a:noFill/>
+              <a:ln>
+                <a:solidFill>
+                  <a:schemeClr val="tx1"/>
+                </a:solidFill>
+              </a:ln>
+            </p:spPr>
+            <p:style>
+              <a:lnRef idx="2">
+                <a:schemeClr val="accent1">
+                  <a:shade val="50000"/>
+                </a:schemeClr>
+              </a:lnRef>
+              <a:fillRef idx="1">
+                <a:schemeClr val="accent1"/>
+              </a:fillRef>
+              <a:effectRef idx="0">
+                <a:schemeClr val="accent1"/>
+              </a:effectRef>
+              <a:fontRef idx="minor">
+                <a:schemeClr val="lt1"/>
+              </a:fontRef>
+            </p:style>
+            <p:txBody>
+              <a:bodyPr rtlCol="0" anchor="ctr"/>
+              <a:lstStyle/>
+              <a:p>
+                <a:pPr algn="ctr"/>
+                <a:endParaRPr kumimoji="1" lang="zh-CN" altLang="en-US">
+                  <a:solidFill>
+                    <a:schemeClr val="tx1"/>
+                  </a:solidFill>
+                </a:endParaRPr>
+              </a:p>
+            </p:txBody>
+          </p:sp>
+          <p:sp>
+            <p:nvSpPr>
+              <p:cNvPr id="38" name="同侧圆角矩形 37">
+                <a:extLst>
+                  <a:ext uri="{FF2B5EF4-FFF2-40B4-BE49-F238E27FC236}">
+                    <a16:creationId xmlns:a16="http://schemas.microsoft.com/office/drawing/2014/main" id="{B29FE563-8F12-234A-BD3C-2238B49EBA6C}"/>
+                  </a:ext>
+                </a:extLst>
+              </p:cNvPr>
+              <p:cNvSpPr/>
+              <p:nvPr/>
+            </p:nvSpPr>
+            <p:spPr>
+              <a:xfrm>
+                <a:off x="1124607" y="488373"/>
+                <a:ext cx="1166647" cy="293897"/>
+              </a:xfrm>
+              <a:prstGeom prst="round2SameRect">
+                <a:avLst/>
+              </a:prstGeom>
+              <a:solidFill>
+                <a:schemeClr val="bg1">
+                  <a:lumMod val="85000"/>
+                </a:schemeClr>
+              </a:solidFill>
+              <a:ln>
+                <a:solidFill>
+                  <a:schemeClr val="tx1"/>
+                </a:solidFill>
+              </a:ln>
+            </p:spPr>
+            <p:style>
+              <a:lnRef idx="2">
+                <a:schemeClr val="accent1">
+                  <a:shade val="50000"/>
+                </a:schemeClr>
+              </a:lnRef>
+              <a:fillRef idx="1">
+                <a:schemeClr val="accent1"/>
+              </a:fillRef>
+              <a:effectRef idx="0">
+                <a:schemeClr val="accent1"/>
+              </a:effectRef>
+              <a:fontRef idx="minor">
+                <a:schemeClr val="lt1"/>
+              </a:fontRef>
+            </p:style>
+            <p:txBody>
+              <a:bodyPr rot="0" spcFirstLastPara="0" vertOverflow="overflow" horzOverflow="overflow" vert="horz" wrap="square" lIns="91440" tIns="45720" rIns="91440" bIns="45720" numCol="1" spcCol="0" rtlCol="0" fromWordArt="0" anchor="ctr" anchorCtr="0" forceAA="0" compatLnSpc="1">
+                <a:prstTxWarp prst="textNoShape">
+                  <a:avLst/>
+                </a:prstTxWarp>
+                <a:noAutofit/>
+              </a:bodyPr>
+              <a:lstStyle/>
+              <a:p>
+                <a:pPr algn="ctr"/>
+                <a:r>
+                  <a:rPr kumimoji="1" lang="en-US" altLang="zh-CN">
+                    <a:solidFill>
+                      <a:schemeClr val="tx1"/>
+                    </a:solidFill>
+                  </a:rPr>
+                  <a:t>Son</a:t>
+                </a:r>
+                <a:r>
+                  <a:rPr kumimoji="1" lang="zh-CN" altLang="en-US">
+                    <a:solidFill>
+                      <a:schemeClr val="tx1"/>
+                    </a:solidFill>
+                  </a:rPr>
+                  <a:t> </a:t>
+                </a:r>
+                <a:r>
+                  <a:rPr kumimoji="1" lang="en-US" altLang="zh-CN">
+                    <a:solidFill>
+                      <a:schemeClr val="tx1"/>
+                    </a:solidFill>
+                  </a:rPr>
+                  <a:t>obj</a:t>
+                </a:r>
+                <a:endParaRPr kumimoji="1" lang="zh-CN" altLang="en-US">
+                  <a:solidFill>
+                    <a:schemeClr val="tx1"/>
+                  </a:solidFill>
+                </a:endParaRPr>
+              </a:p>
+            </p:txBody>
+          </p:sp>
+        </p:grpSp>
+        <p:grpSp>
+          <p:nvGrpSpPr>
+            <p:cNvPr id="55" name="组合 54">
+              <a:extLst>
+                <a:ext uri="{FF2B5EF4-FFF2-40B4-BE49-F238E27FC236}">
+                  <a16:creationId xmlns:a16="http://schemas.microsoft.com/office/drawing/2014/main" id="{0EF37845-1A22-F341-978A-30CFAF1FBF7E}"/>
+                </a:ext>
+              </a:extLst>
+            </p:cNvPr>
+            <p:cNvGrpSpPr/>
+            <p:nvPr/>
+          </p:nvGrpSpPr>
+          <p:grpSpPr>
+            <a:xfrm>
+              <a:off x="2871076" y="3203884"/>
+              <a:ext cx="3224924" cy="2392876"/>
+              <a:chOff x="5512676" y="1531377"/>
+              <a:chExt cx="3224924" cy="2982817"/>
+            </a:xfrm>
+          </p:grpSpPr>
+          <p:sp>
+            <p:nvSpPr>
+              <p:cNvPr id="56" name="矩形 55">
+                <a:extLst>
+                  <a:ext uri="{FF2B5EF4-FFF2-40B4-BE49-F238E27FC236}">
+                    <a16:creationId xmlns:a16="http://schemas.microsoft.com/office/drawing/2014/main" id="{1BF0A84F-C557-244F-81DE-F4BCD184BBDB}"/>
+                  </a:ext>
+                </a:extLst>
+              </p:cNvPr>
+              <p:cNvSpPr/>
+              <p:nvPr/>
+            </p:nvSpPr>
+            <p:spPr>
+              <a:xfrm>
+                <a:off x="5512676" y="1930400"/>
+                <a:ext cx="3224924" cy="2583794"/>
+              </a:xfrm>
+              <a:prstGeom prst="rect">
+                <a:avLst/>
+              </a:prstGeom>
+              <a:noFill/>
+              <a:ln>
+                <a:solidFill>
+                  <a:schemeClr val="tx1"/>
+                </a:solidFill>
+              </a:ln>
+            </p:spPr>
+            <p:style>
+              <a:lnRef idx="2">
+                <a:schemeClr val="accent1">
+                  <a:shade val="50000"/>
+                </a:schemeClr>
+              </a:lnRef>
+              <a:fillRef idx="1">
+                <a:schemeClr val="accent1"/>
+              </a:fillRef>
+              <a:effectRef idx="0">
+                <a:schemeClr val="accent1"/>
+              </a:effectRef>
+              <a:fontRef idx="minor">
+                <a:schemeClr val="lt1"/>
+              </a:fontRef>
+            </p:style>
+            <p:txBody>
+              <a:bodyPr rtlCol="0" anchor="ctr"/>
+              <a:lstStyle/>
+              <a:p>
+                <a:pPr algn="ctr"/>
+                <a:endParaRPr kumimoji="1" lang="zh-CN" altLang="en-US">
+                  <a:solidFill>
+                    <a:schemeClr val="tx1"/>
+                  </a:solidFill>
+                </a:endParaRPr>
+              </a:p>
+            </p:txBody>
+          </p:sp>
+          <p:sp>
+            <p:nvSpPr>
+              <p:cNvPr id="57" name="同侧圆角矩形 56">
+                <a:extLst>
+                  <a:ext uri="{FF2B5EF4-FFF2-40B4-BE49-F238E27FC236}">
+                    <a16:creationId xmlns:a16="http://schemas.microsoft.com/office/drawing/2014/main" id="{05A4A340-3E1B-D94D-B860-5D59F0BC04AC}"/>
+                  </a:ext>
+                </a:extLst>
+              </p:cNvPr>
+              <p:cNvSpPr/>
+              <p:nvPr/>
+            </p:nvSpPr>
+            <p:spPr>
+              <a:xfrm>
+                <a:off x="5512676" y="1531377"/>
+                <a:ext cx="3224924" cy="399023"/>
+              </a:xfrm>
+              <a:prstGeom prst="round2SameRect">
+                <a:avLst/>
+              </a:prstGeom>
+              <a:solidFill>
+                <a:schemeClr val="accent1">
+                  <a:lumMod val="60000"/>
+                  <a:lumOff val="40000"/>
+                </a:schemeClr>
+              </a:solidFill>
+              <a:ln>
+                <a:solidFill>
+                  <a:schemeClr val="tx1"/>
+                </a:solidFill>
+              </a:ln>
+            </p:spPr>
+            <p:style>
+              <a:lnRef idx="2">
+                <a:schemeClr val="accent1">
+                  <a:shade val="50000"/>
+                </a:schemeClr>
+              </a:lnRef>
+              <a:fillRef idx="1">
+                <a:schemeClr val="accent1"/>
+              </a:fillRef>
+              <a:effectRef idx="0">
+                <a:schemeClr val="accent1"/>
+              </a:effectRef>
+              <a:fontRef idx="minor">
+                <a:schemeClr val="lt1"/>
+              </a:fontRef>
+            </p:style>
+            <p:txBody>
+              <a:bodyPr rot="0" spcFirstLastPara="0" vertOverflow="overflow" horzOverflow="overflow" vert="horz" wrap="square" lIns="91440" tIns="45720" rIns="91440" bIns="45720" numCol="1" spcCol="0" rtlCol="0" fromWordArt="0" anchor="ctr" anchorCtr="0" forceAA="0" compatLnSpc="1">
+                <a:prstTxWarp prst="textNoShape">
+                  <a:avLst/>
+                </a:prstTxWarp>
+                <a:noAutofit/>
+              </a:bodyPr>
+              <a:lstStyle/>
+              <a:p>
+                <a:pPr algn="ctr"/>
+                <a:r>
+                  <a:rPr kumimoji="1" lang="en-US" altLang="zh-CN">
+                    <a:solidFill>
+                      <a:schemeClr val="tx1"/>
+                    </a:solidFill>
+                  </a:rPr>
+                  <a:t>heap</a:t>
+                </a:r>
+                <a:endParaRPr kumimoji="1" lang="zh-CN" altLang="en-US">
+                  <a:solidFill>
+                    <a:schemeClr val="tx1"/>
+                  </a:solidFill>
+                </a:endParaRPr>
+              </a:p>
+            </p:txBody>
+          </p:sp>
+        </p:grpSp>
+      </p:grpSp>
+      <p:grpSp>
+        <p:nvGrpSpPr>
+          <p:cNvPr id="20" name="组合 19">
+            <a:extLst>
+              <a:ext uri="{FF2B5EF4-FFF2-40B4-BE49-F238E27FC236}">
+                <a16:creationId xmlns:a16="http://schemas.microsoft.com/office/drawing/2014/main" id="{863C5FB5-58E8-7048-9940-47012EB011A4}"/>
+              </a:ext>
+            </a:extLst>
+          </p:cNvPr>
+          <p:cNvGrpSpPr/>
+          <p:nvPr/>
+        </p:nvGrpSpPr>
+        <p:grpSpPr>
+          <a:xfrm>
+            <a:off x="8511833" y="3003131"/>
+            <a:ext cx="3224924" cy="2982817"/>
+            <a:chOff x="8511833" y="3003131"/>
+            <a:chExt cx="3224924" cy="2982817"/>
+          </a:xfrm>
+        </p:grpSpPr>
+        <p:grpSp>
+          <p:nvGrpSpPr>
+            <p:cNvPr id="16" name="组合 15">
+              <a:extLst>
+                <a:ext uri="{FF2B5EF4-FFF2-40B4-BE49-F238E27FC236}">
+                  <a16:creationId xmlns:a16="http://schemas.microsoft.com/office/drawing/2014/main" id="{F1EAD77D-D1E2-CE48-BF63-465D844E48CF}"/>
+                </a:ext>
+              </a:extLst>
+            </p:cNvPr>
+            <p:cNvGrpSpPr/>
+            <p:nvPr/>
+          </p:nvGrpSpPr>
+          <p:grpSpPr>
+            <a:xfrm>
+              <a:off x="9499833" y="4322021"/>
+              <a:ext cx="1591852" cy="775317"/>
+              <a:chOff x="6621982" y="1932871"/>
+              <a:chExt cx="1591852" cy="775317"/>
+            </a:xfrm>
+          </p:grpSpPr>
+          <p:sp>
+            <p:nvSpPr>
+              <p:cNvPr id="42" name="矩形 41">
+                <a:extLst>
+                  <a:ext uri="{FF2B5EF4-FFF2-40B4-BE49-F238E27FC236}">
+                    <a16:creationId xmlns:a16="http://schemas.microsoft.com/office/drawing/2014/main" id="{BA447B18-FC63-0044-9722-CA62A65C337F}"/>
+                  </a:ext>
+                </a:extLst>
+              </p:cNvPr>
+              <p:cNvSpPr/>
+              <p:nvPr/>
+            </p:nvSpPr>
+            <p:spPr>
+              <a:xfrm>
+                <a:off x="6621982" y="1932871"/>
+                <a:ext cx="1591852" cy="386722"/>
+              </a:xfrm>
+              <a:prstGeom prst="rect">
+                <a:avLst/>
+              </a:prstGeom>
+              <a:solidFill>
+                <a:schemeClr val="bg1">
+                  <a:lumMod val="75000"/>
+                </a:schemeClr>
+              </a:solidFill>
+              <a:ln>
+                <a:solidFill>
+                  <a:schemeClr val="tx1"/>
+                </a:solidFill>
+              </a:ln>
+            </p:spPr>
+            <p:style>
+              <a:lnRef idx="2">
+                <a:schemeClr val="accent1">
+                  <a:shade val="50000"/>
+                </a:schemeClr>
+              </a:lnRef>
+              <a:fillRef idx="1">
+                <a:schemeClr val="accent1"/>
+              </a:fillRef>
+              <a:effectRef idx="0">
+                <a:schemeClr val="accent1"/>
+              </a:effectRef>
+              <a:fontRef idx="minor">
+                <a:schemeClr val="lt1"/>
+              </a:fontRef>
+            </p:style>
+            <p:txBody>
+              <a:bodyPr rot="0" spcFirstLastPara="0" vertOverflow="overflow" horzOverflow="overflow" vert="horz" wrap="square" lIns="91440" tIns="45720" rIns="91440" bIns="45720" numCol="1" spcCol="0" rtlCol="0" fromWordArt="0" anchor="ctr" anchorCtr="0" forceAA="0" compatLnSpc="1">
+                <a:prstTxWarp prst="textNoShape">
+                  <a:avLst/>
+                </a:prstTxWarp>
+                <a:noAutofit/>
+              </a:bodyPr>
+              <a:lstStyle/>
+              <a:p>
+                <a:pPr algn="ctr"/>
+                <a:r>
+                  <a:rPr kumimoji="1" lang="en-US" altLang="zh-CN">
+                    <a:solidFill>
+                      <a:schemeClr val="tx1"/>
+                    </a:solidFill>
+                  </a:rPr>
+                  <a:t>Father::foo()</a:t>
+                </a:r>
+                <a:endParaRPr kumimoji="1" lang="zh-CN" altLang="en-US">
+                  <a:solidFill>
+                    <a:schemeClr val="tx1"/>
+                  </a:solidFill>
+                </a:endParaRPr>
+              </a:p>
+            </p:txBody>
+          </p:sp>
+          <p:sp>
+            <p:nvSpPr>
+              <p:cNvPr id="43" name="矩形 42">
+                <a:extLst>
+                  <a:ext uri="{FF2B5EF4-FFF2-40B4-BE49-F238E27FC236}">
+                    <a16:creationId xmlns:a16="http://schemas.microsoft.com/office/drawing/2014/main" id="{517141E1-21ED-2948-BC8C-89F9870199DA}"/>
+                  </a:ext>
+                </a:extLst>
+              </p:cNvPr>
+              <p:cNvSpPr/>
+              <p:nvPr/>
+            </p:nvSpPr>
+            <p:spPr>
+              <a:xfrm>
+                <a:off x="6621982" y="2321466"/>
+                <a:ext cx="1591852" cy="386722"/>
+              </a:xfrm>
+              <a:prstGeom prst="rect">
+                <a:avLst/>
+              </a:prstGeom>
+              <a:solidFill>
+                <a:schemeClr val="bg1">
+                  <a:lumMod val="85000"/>
+                </a:schemeClr>
+              </a:solidFill>
+              <a:ln>
+                <a:solidFill>
+                  <a:schemeClr val="tx1"/>
+                </a:solidFill>
+              </a:ln>
+            </p:spPr>
+            <p:style>
+              <a:lnRef idx="2">
+                <a:schemeClr val="accent1">
+                  <a:shade val="50000"/>
+                </a:schemeClr>
+              </a:lnRef>
+              <a:fillRef idx="1">
+                <a:schemeClr val="accent1"/>
+              </a:fillRef>
+              <a:effectRef idx="0">
+                <a:schemeClr val="accent1"/>
+              </a:effectRef>
+              <a:fontRef idx="minor">
+                <a:schemeClr val="lt1"/>
+              </a:fontRef>
+            </p:style>
+            <p:txBody>
+              <a:bodyPr rot="0" spcFirstLastPara="0" vertOverflow="overflow" horzOverflow="overflow" vert="horz" wrap="square" lIns="91440" tIns="45720" rIns="91440" bIns="45720" numCol="1" spcCol="0" rtlCol="0" fromWordArt="0" anchor="ctr" anchorCtr="0" forceAA="0" compatLnSpc="1">
+                <a:prstTxWarp prst="textNoShape">
+                  <a:avLst/>
+                </a:prstTxWarp>
+                <a:noAutofit/>
+              </a:bodyPr>
+              <a:lstStyle/>
+              <a:p>
+                <a:pPr algn="ctr"/>
+                <a:r>
+                  <a:rPr kumimoji="1" lang="en-US" altLang="zh-CN">
+                    <a:solidFill>
+                      <a:schemeClr val="tx1"/>
+                    </a:solidFill>
+                  </a:rPr>
+                  <a:t>Son::foo()</a:t>
+                </a:r>
+                <a:endParaRPr kumimoji="1" lang="zh-CN" altLang="en-US">
+                  <a:solidFill>
+                    <a:schemeClr val="tx1"/>
+                  </a:solidFill>
+                </a:endParaRPr>
+              </a:p>
+            </p:txBody>
+          </p:sp>
+          <p:cxnSp>
+            <p:nvCxnSpPr>
+              <p:cNvPr id="4" name="直线连接符 3">
+                <a:extLst>
+                  <a:ext uri="{FF2B5EF4-FFF2-40B4-BE49-F238E27FC236}">
+                    <a16:creationId xmlns:a16="http://schemas.microsoft.com/office/drawing/2014/main" id="{E3D09CB1-87F4-9B4A-92DA-8432340E8028}"/>
+                  </a:ext>
+                </a:extLst>
+              </p:cNvPr>
+              <p:cNvCxnSpPr>
+                <a:cxnSpLocks/>
+                <a:stCxn id="42" idx="1"/>
+                <a:endCxn id="42" idx="3"/>
+              </p:cNvCxnSpPr>
+              <p:nvPr/>
+            </p:nvCxnSpPr>
+            <p:spPr>
+              <a:xfrm>
+                <a:off x="6621982" y="2126232"/>
+                <a:ext cx="1591852" cy="0"/>
+              </a:xfrm>
+              <a:prstGeom prst="line">
+                <a:avLst/>
+              </a:prstGeom>
+            </p:spPr>
+            <p:style>
+              <a:lnRef idx="1">
+                <a:schemeClr val="dk1"/>
+              </a:lnRef>
+              <a:fillRef idx="0">
+                <a:schemeClr val="dk1"/>
+              </a:fillRef>
+              <a:effectRef idx="0">
+                <a:schemeClr val="dk1"/>
+              </a:effectRef>
+              <a:fontRef idx="minor">
+                <a:schemeClr val="tx1"/>
+              </a:fontRef>
+            </p:style>
+          </p:cxnSp>
+        </p:grpSp>
+        <p:grpSp>
+          <p:nvGrpSpPr>
+            <p:cNvPr id="65" name="组合 64">
+              <a:extLst>
+                <a:ext uri="{FF2B5EF4-FFF2-40B4-BE49-F238E27FC236}">
+                  <a16:creationId xmlns:a16="http://schemas.microsoft.com/office/drawing/2014/main" id="{91C6E237-40D7-7148-B71D-AEC189C8F08C}"/>
+                </a:ext>
+              </a:extLst>
+            </p:cNvPr>
+            <p:cNvGrpSpPr/>
+            <p:nvPr/>
+          </p:nvGrpSpPr>
+          <p:grpSpPr>
+            <a:xfrm>
+              <a:off x="8511833" y="3003131"/>
+              <a:ext cx="3224924" cy="2982817"/>
+              <a:chOff x="5512676" y="1531377"/>
+              <a:chExt cx="3224924" cy="2982817"/>
+            </a:xfrm>
+          </p:grpSpPr>
+          <p:sp>
+            <p:nvSpPr>
+              <p:cNvPr id="66" name="矩形 65">
+                <a:extLst>
+                  <a:ext uri="{FF2B5EF4-FFF2-40B4-BE49-F238E27FC236}">
+                    <a16:creationId xmlns:a16="http://schemas.microsoft.com/office/drawing/2014/main" id="{EDFBBB1E-194C-3D4B-BACD-3C2D751B9445}"/>
+                  </a:ext>
+                </a:extLst>
+              </p:cNvPr>
+              <p:cNvSpPr/>
+              <p:nvPr/>
+            </p:nvSpPr>
+            <p:spPr>
+              <a:xfrm>
+                <a:off x="5512676" y="1930400"/>
+                <a:ext cx="3224924" cy="2583794"/>
+              </a:xfrm>
+              <a:prstGeom prst="rect">
+                <a:avLst/>
+              </a:prstGeom>
+              <a:noFill/>
+              <a:ln>
+                <a:solidFill>
+                  <a:schemeClr val="tx1"/>
+                </a:solidFill>
+              </a:ln>
+            </p:spPr>
+            <p:style>
+              <a:lnRef idx="2">
+                <a:schemeClr val="accent1">
+                  <a:shade val="50000"/>
+                </a:schemeClr>
+              </a:lnRef>
+              <a:fillRef idx="1">
+                <a:schemeClr val="accent1"/>
+              </a:fillRef>
+              <a:effectRef idx="0">
+                <a:schemeClr val="accent1"/>
+              </a:effectRef>
+              <a:fontRef idx="minor">
+                <a:schemeClr val="lt1"/>
+              </a:fontRef>
+            </p:style>
+            <p:txBody>
+              <a:bodyPr rtlCol="0" anchor="ctr"/>
+              <a:lstStyle/>
+              <a:p>
+                <a:pPr algn="ctr"/>
+                <a:endParaRPr kumimoji="1" lang="zh-CN" altLang="en-US">
+                  <a:solidFill>
+                    <a:schemeClr val="tx1"/>
+                  </a:solidFill>
+                </a:endParaRPr>
+              </a:p>
+            </p:txBody>
+          </p:sp>
+          <p:sp>
+            <p:nvSpPr>
+              <p:cNvPr id="67" name="同侧圆角矩形 66">
+                <a:extLst>
+                  <a:ext uri="{FF2B5EF4-FFF2-40B4-BE49-F238E27FC236}">
+                    <a16:creationId xmlns:a16="http://schemas.microsoft.com/office/drawing/2014/main" id="{34C8B2C2-A95A-634E-998C-EBDE874C0E91}"/>
+                  </a:ext>
+                </a:extLst>
+              </p:cNvPr>
+              <p:cNvSpPr/>
+              <p:nvPr/>
+            </p:nvSpPr>
+            <p:spPr>
+              <a:xfrm>
+                <a:off x="5512676" y="1531377"/>
+                <a:ext cx="3224924" cy="399023"/>
+              </a:xfrm>
+              <a:prstGeom prst="round2SameRect">
+                <a:avLst/>
+              </a:prstGeom>
+              <a:solidFill>
+                <a:schemeClr val="accent6">
+                  <a:lumMod val="60000"/>
+                  <a:lumOff val="40000"/>
+                </a:schemeClr>
+              </a:solidFill>
+              <a:ln>
+                <a:solidFill>
+                  <a:schemeClr val="tx1"/>
+                </a:solidFill>
+              </a:ln>
+            </p:spPr>
+            <p:style>
+              <a:lnRef idx="2">
+                <a:schemeClr val="accent1">
+                  <a:shade val="50000"/>
+                </a:schemeClr>
+              </a:lnRef>
+              <a:fillRef idx="1">
+                <a:schemeClr val="accent1"/>
+              </a:fillRef>
+              <a:effectRef idx="0">
+                <a:schemeClr val="accent1"/>
+              </a:effectRef>
+              <a:fontRef idx="minor">
+                <a:schemeClr val="lt1"/>
+              </a:fontRef>
+            </p:style>
+            <p:txBody>
+              <a:bodyPr rot="0" spcFirstLastPara="0" vertOverflow="overflow" horzOverflow="overflow" vert="horz" wrap="square" lIns="91440" tIns="45720" rIns="91440" bIns="45720" numCol="1" spcCol="0" rtlCol="0" fromWordArt="0" anchor="ctr" anchorCtr="0" forceAA="0" compatLnSpc="1">
+                <a:prstTxWarp prst="textNoShape">
+                  <a:avLst/>
+                </a:prstTxWarp>
+                <a:noAutofit/>
+              </a:bodyPr>
+              <a:lstStyle/>
+              <a:p>
+                <a:pPr algn="ctr"/>
+                <a:r>
+                  <a:rPr lang="en-US" altLang="zh-CN">
+                    <a:solidFill>
+                      <a:schemeClr val="tx1"/>
+                    </a:solidFill>
+                  </a:rPr>
+                  <a:t>Method Area</a:t>
+                </a:r>
+                <a:endParaRPr kumimoji="1" lang="zh-CN" altLang="en-US">
+                  <a:solidFill>
+                    <a:schemeClr val="tx1"/>
+                  </a:solidFill>
+                </a:endParaRPr>
+              </a:p>
+            </p:txBody>
+          </p:sp>
+        </p:grpSp>
+      </p:grpSp>
+      <p:grpSp>
+        <p:nvGrpSpPr>
+          <p:cNvPr id="18" name="组合 17">
+            <a:extLst>
+              <a:ext uri="{FF2B5EF4-FFF2-40B4-BE49-F238E27FC236}">
+                <a16:creationId xmlns:a16="http://schemas.microsoft.com/office/drawing/2014/main" id="{6D6112B8-6C53-FD4C-A266-2538D3FB95FB}"/>
+              </a:ext>
+            </a:extLst>
+          </p:cNvPr>
+          <p:cNvGrpSpPr/>
+          <p:nvPr/>
+        </p:nvGrpSpPr>
+        <p:grpSpPr>
+          <a:xfrm>
+            <a:off x="2463992" y="2682590"/>
+            <a:ext cx="1612462" cy="2982817"/>
+            <a:chOff x="7563945" y="-57820"/>
+            <a:chExt cx="1612462" cy="2982817"/>
+          </a:xfrm>
+        </p:grpSpPr>
+        <p:sp>
+          <p:nvSpPr>
+            <p:cNvPr id="46" name="矩形 45">
+              <a:extLst>
+                <a:ext uri="{FF2B5EF4-FFF2-40B4-BE49-F238E27FC236}">
+                  <a16:creationId xmlns:a16="http://schemas.microsoft.com/office/drawing/2014/main" id="{9AC84613-578F-E042-BD1F-538095CFCC0B}"/>
+                </a:ext>
+              </a:extLst>
+            </p:cNvPr>
+            <p:cNvSpPr/>
+            <p:nvPr/>
+          </p:nvSpPr>
+          <p:spPr>
+            <a:xfrm>
+              <a:off x="7676726" y="2062252"/>
+              <a:ext cx="1386900" cy="400894"/>
+            </a:xfrm>
+            <a:prstGeom prst="rect">
+              <a:avLst/>
+            </a:prstGeom>
+            <a:solidFill>
+              <a:schemeClr val="bg1">
+                <a:lumMod val="85000"/>
+              </a:schemeClr>
+            </a:solidFill>
+            <a:ln>
+              <a:solidFill>
+                <a:schemeClr val="tx1"/>
+              </a:solidFill>
+            </a:ln>
+          </p:spPr>
+          <p:style>
+            <a:lnRef idx="2">
+              <a:schemeClr val="accent1">
+                <a:shade val="50000"/>
+              </a:schemeClr>
+            </a:lnRef>
+            <a:fillRef idx="1">
+              <a:schemeClr val="accent1"/>
+            </a:fillRef>
+            <a:effectRef idx="0">
+              <a:schemeClr val="accent1"/>
+            </a:effectRef>
+            <a:fontRef idx="minor">
+              <a:schemeClr val="lt1"/>
+            </a:fontRef>
+          </p:style>
+          <p:txBody>
+            <a:bodyPr rot="0" spcFirstLastPara="0" vertOverflow="overflow" horzOverflow="overflow" vert="horz" wrap="square" lIns="91440" tIns="45720" rIns="91440" bIns="45720" numCol="1" spcCol="0" rtlCol="0" fromWordArt="0" anchor="ctr" anchorCtr="0" forceAA="0" compatLnSpc="1">
+              <a:prstTxWarp prst="textNoShape">
+                <a:avLst/>
+              </a:prstTxWarp>
+              <a:noAutofit/>
+            </a:bodyPr>
+            <a:lstStyle/>
+            <a:p>
+              <a:pPr algn="ctr"/>
+              <a:r>
+                <a:rPr kumimoji="1" lang="en-US" altLang="zh-CN">
+                  <a:solidFill>
+                    <a:schemeClr val="tx1"/>
+                  </a:solidFill>
+                </a:rPr>
+                <a:t>Father</a:t>
+              </a:r>
+              <a:r>
+                <a:rPr kumimoji="1" lang="zh-CN" altLang="en-US">
+                  <a:solidFill>
+                    <a:schemeClr val="tx1"/>
+                  </a:solidFill>
+                </a:rPr>
+                <a:t> </a:t>
+              </a:r>
+              <a:r>
+                <a:rPr kumimoji="1" lang="en-US" altLang="zh-CN">
+                  <a:solidFill>
+                    <a:schemeClr val="tx1"/>
+                  </a:solidFill>
+                </a:rPr>
+                <a:t>var</a:t>
+              </a:r>
+              <a:endParaRPr kumimoji="1" lang="zh-CN" altLang="en-US">
+                <a:solidFill>
+                  <a:schemeClr val="tx1"/>
+                </a:solidFill>
+              </a:endParaRPr>
+            </a:p>
+          </p:txBody>
+        </p:sp>
+        <p:grpSp>
+          <p:nvGrpSpPr>
+            <p:cNvPr id="68" name="组合 67">
+              <a:extLst>
+                <a:ext uri="{FF2B5EF4-FFF2-40B4-BE49-F238E27FC236}">
+                  <a16:creationId xmlns:a16="http://schemas.microsoft.com/office/drawing/2014/main" id="{4669C28E-3936-0441-AECA-18383788F53B}"/>
+                </a:ext>
+              </a:extLst>
+            </p:cNvPr>
+            <p:cNvGrpSpPr/>
+            <p:nvPr/>
+          </p:nvGrpSpPr>
+          <p:grpSpPr>
+            <a:xfrm>
+              <a:off x="7563945" y="-57820"/>
+              <a:ext cx="1612462" cy="2982817"/>
+              <a:chOff x="5512676" y="1531377"/>
+              <a:chExt cx="1612462" cy="2982817"/>
+            </a:xfrm>
+          </p:grpSpPr>
+          <p:sp>
+            <p:nvSpPr>
+              <p:cNvPr id="70" name="矩形 69">
+                <a:extLst>
+                  <a:ext uri="{FF2B5EF4-FFF2-40B4-BE49-F238E27FC236}">
+                    <a16:creationId xmlns:a16="http://schemas.microsoft.com/office/drawing/2014/main" id="{02AEBA19-2261-BE43-AED4-6CB24ACC3757}"/>
+                  </a:ext>
+                </a:extLst>
+              </p:cNvPr>
+              <p:cNvSpPr/>
+              <p:nvPr/>
+            </p:nvSpPr>
+            <p:spPr>
+              <a:xfrm>
+                <a:off x="5512676" y="1930400"/>
+                <a:ext cx="1612462" cy="2583794"/>
+              </a:xfrm>
+              <a:prstGeom prst="rect">
+                <a:avLst/>
+              </a:prstGeom>
+              <a:noFill/>
+              <a:ln>
+                <a:solidFill>
+                  <a:schemeClr val="tx1"/>
+                </a:solidFill>
+              </a:ln>
+            </p:spPr>
+            <p:style>
+              <a:lnRef idx="2">
+                <a:schemeClr val="accent1">
+                  <a:shade val="50000"/>
+                </a:schemeClr>
+              </a:lnRef>
+              <a:fillRef idx="1">
+                <a:schemeClr val="accent1"/>
+              </a:fillRef>
+              <a:effectRef idx="0">
+                <a:schemeClr val="accent1"/>
+              </a:effectRef>
+              <a:fontRef idx="minor">
+                <a:schemeClr val="lt1"/>
+              </a:fontRef>
+            </p:style>
+            <p:txBody>
+              <a:bodyPr rtlCol="0" anchor="ctr"/>
+              <a:lstStyle/>
+              <a:p>
+                <a:pPr algn="ctr"/>
+                <a:endParaRPr kumimoji="1" lang="zh-CN" altLang="en-US">
+                  <a:solidFill>
+                    <a:schemeClr val="tx1"/>
+                  </a:solidFill>
+                </a:endParaRPr>
+              </a:p>
+            </p:txBody>
+          </p:sp>
+          <p:sp>
+            <p:nvSpPr>
+              <p:cNvPr id="71" name="同侧圆角矩形 70">
+                <a:extLst>
+                  <a:ext uri="{FF2B5EF4-FFF2-40B4-BE49-F238E27FC236}">
+                    <a16:creationId xmlns:a16="http://schemas.microsoft.com/office/drawing/2014/main" id="{716D6C91-104B-574B-8921-4A6FFB8A14DF}"/>
+                  </a:ext>
+                </a:extLst>
+              </p:cNvPr>
+              <p:cNvSpPr/>
+              <p:nvPr/>
+            </p:nvSpPr>
+            <p:spPr>
+              <a:xfrm>
+                <a:off x="5512676" y="1531377"/>
+                <a:ext cx="1612462" cy="399023"/>
+              </a:xfrm>
+              <a:prstGeom prst="round2SameRect">
+                <a:avLst/>
+              </a:prstGeom>
+              <a:solidFill>
+                <a:schemeClr val="accent2"/>
+              </a:solidFill>
+              <a:ln>
+                <a:solidFill>
+                  <a:schemeClr val="tx1"/>
+                </a:solidFill>
+              </a:ln>
+            </p:spPr>
+            <p:style>
+              <a:lnRef idx="2">
+                <a:schemeClr val="accent1">
+                  <a:shade val="50000"/>
+                </a:schemeClr>
+              </a:lnRef>
+              <a:fillRef idx="1">
+                <a:schemeClr val="accent1"/>
+              </a:fillRef>
+              <a:effectRef idx="0">
+                <a:schemeClr val="accent1"/>
+              </a:effectRef>
+              <a:fontRef idx="minor">
+                <a:schemeClr val="lt1"/>
+              </a:fontRef>
+            </p:style>
+            <p:txBody>
+              <a:bodyPr rot="0" spcFirstLastPara="0" vertOverflow="overflow" horzOverflow="overflow" vert="horz" wrap="square" lIns="91440" tIns="45720" rIns="91440" bIns="45720" numCol="1" spcCol="0" rtlCol="0" fromWordArt="0" anchor="ctr" anchorCtr="0" forceAA="0" compatLnSpc="1">
+                <a:prstTxWarp prst="textNoShape">
+                  <a:avLst/>
+                </a:prstTxWarp>
+                <a:noAutofit/>
+              </a:bodyPr>
+              <a:lstStyle/>
+              <a:p>
+                <a:pPr algn="ctr"/>
+                <a:r>
+                  <a:rPr kumimoji="1" lang="en-US" altLang="zh-CN">
+                    <a:solidFill>
+                      <a:schemeClr val="tx1"/>
+                    </a:solidFill>
+                  </a:rPr>
+                  <a:t>vm</a:t>
+                </a:r>
+                <a:r>
+                  <a:rPr kumimoji="1" lang="zh-CN" altLang="en-US">
+                    <a:solidFill>
+                      <a:schemeClr val="tx1"/>
+                    </a:solidFill>
+                  </a:rPr>
+                  <a:t> </a:t>
+                </a:r>
+                <a:r>
+                  <a:rPr kumimoji="1" lang="en-US" altLang="zh-CN">
+                    <a:solidFill>
+                      <a:schemeClr val="tx1"/>
+                    </a:solidFill>
+                  </a:rPr>
+                  <a:t>stack</a:t>
+                </a:r>
+                <a:endParaRPr kumimoji="1" lang="zh-CN" altLang="en-US">
+                  <a:solidFill>
+                    <a:schemeClr val="tx1"/>
+                  </a:solidFill>
+                </a:endParaRPr>
+              </a:p>
+            </p:txBody>
+          </p:sp>
+        </p:grpSp>
+      </p:grpSp>
+      <p:cxnSp>
+        <p:nvCxnSpPr>
+          <p:cNvPr id="22" name="曲线连接符 21">
+            <a:extLst>
+              <a:ext uri="{FF2B5EF4-FFF2-40B4-BE49-F238E27FC236}">
+                <a16:creationId xmlns:a16="http://schemas.microsoft.com/office/drawing/2014/main" id="{D050F9E6-3464-534B-9174-1A6A69EC973E}"/>
+              </a:ext>
+            </a:extLst>
+          </p:cNvPr>
+          <p:cNvCxnSpPr>
+            <a:cxnSpLocks/>
+            <a:stCxn id="46" idx="3"/>
+            <a:endCxn id="38" idx="2"/>
+          </p:cNvCxnSpPr>
+          <p:nvPr/>
+        </p:nvCxnSpPr>
+        <p:spPr>
+          <a:xfrm flipV="1">
+            <a:off x="3963673" y="4537617"/>
+            <a:ext cx="1545690" cy="465492"/>
+          </a:xfrm>
+          <a:prstGeom prst="curvedConnector3">
+            <a:avLst/>
+          </a:prstGeom>
+          <a:ln>
+            <a:prstDash val="sysDash"/>
+            <a:tailEnd type="triangle"/>
+          </a:ln>
+        </p:spPr>
+        <p:style>
+          <a:lnRef idx="1">
+            <a:schemeClr val="accent1"/>
+          </a:lnRef>
+          <a:fillRef idx="0">
+            <a:schemeClr val="accent1"/>
+          </a:fillRef>
+          <a:effectRef idx="0">
+            <a:schemeClr val="accent1"/>
+          </a:effectRef>
+          <a:fontRef idx="minor">
+            <a:schemeClr val="tx1"/>
+          </a:fontRef>
+        </p:style>
+      </p:cxnSp>
+      <p:cxnSp>
+        <p:nvCxnSpPr>
+          <p:cNvPr id="80" name="曲线连接符 79">
+            <a:extLst>
+              <a:ext uri="{FF2B5EF4-FFF2-40B4-BE49-F238E27FC236}">
+                <a16:creationId xmlns:a16="http://schemas.microsoft.com/office/drawing/2014/main" id="{FA890492-AB79-C34E-8EFD-A9BC5D937B33}"/>
+              </a:ext>
+            </a:extLst>
+          </p:cNvPr>
+          <p:cNvCxnSpPr>
+            <a:cxnSpLocks/>
+            <a:stCxn id="36" idx="3"/>
+            <a:endCxn id="43" idx="1"/>
+          </p:cNvCxnSpPr>
+          <p:nvPr/>
+        </p:nvCxnSpPr>
+        <p:spPr>
+          <a:xfrm flipV="1">
+            <a:off x="7301378" y="4903977"/>
+            <a:ext cx="2198455" cy="152533"/>
+          </a:xfrm>
+          <a:prstGeom prst="curvedConnector3">
+            <a:avLst>
+              <a:gd name="adj1" fmla="val 50000"/>
+            </a:avLst>
+          </a:prstGeom>
+          <a:ln>
+            <a:prstDash val="sysDash"/>
+            <a:tailEnd type="triangle"/>
+          </a:ln>
+        </p:spPr>
+        <p:style>
+          <a:lnRef idx="1">
+            <a:schemeClr val="accent1"/>
+          </a:lnRef>
+          <a:fillRef idx="0">
+            <a:schemeClr val="accent1"/>
+          </a:fillRef>
+          <a:effectRef idx="0">
+            <a:schemeClr val="accent1"/>
+          </a:effectRef>
+          <a:fontRef idx="minor">
+            <a:schemeClr val="tx1"/>
+          </a:fontRef>
+        </p:style>
+      </p:cxnSp>
+    </p:spTree>
+    <p:extLst>
+      <p:ext uri="{BB962C8B-B14F-4D97-AF65-F5344CB8AC3E}">
+        <p14:creationId xmlns:p14="http://schemas.microsoft.com/office/powerpoint/2010/main" val="2163641083"/>
+      </p:ext>
+    </p:extLst>
+  </p:cSld>
+  <p:clrMapOvr>
+    <a:masterClrMapping/>
+  </p:clrMapOvr>
+</p:sld>
+</file>
+
 <file path=ppt/theme/theme1.xml><?xml version="1.0" encoding="utf-8"?>
 <a:theme xmlns:a="http://schemas.openxmlformats.org/drawingml/2006/main" name="Office 主题​​">
   <a:themeElements>

--- a/ppts/进程.pptx
+++ b/ppts/进程.pptx
@@ -279,7 +279,7 @@
           <a:p>
             <a:fld id="{3D71AFD6-832F-764F-A8C5-443411455556}" type="datetimeFigureOut">
               <a:rPr kumimoji="1" lang="zh-CN" altLang="en-US" smtClean="0"/>
-              <a:t>2019/10/25</a:t>
+              <a:t>2019/10/27</a:t>
             </a:fld>
             <a:endParaRPr kumimoji="1" lang="zh-CN" altLang="en-US"/>
           </a:p>
@@ -477,7 +477,7 @@
           <a:p>
             <a:fld id="{3D71AFD6-832F-764F-A8C5-443411455556}" type="datetimeFigureOut">
               <a:rPr kumimoji="1" lang="zh-CN" altLang="en-US" smtClean="0"/>
-              <a:t>2019/10/25</a:t>
+              <a:t>2019/10/27</a:t>
             </a:fld>
             <a:endParaRPr kumimoji="1" lang="zh-CN" altLang="en-US"/>
           </a:p>
@@ -685,7 +685,7 @@
           <a:p>
             <a:fld id="{3D71AFD6-832F-764F-A8C5-443411455556}" type="datetimeFigureOut">
               <a:rPr kumimoji="1" lang="zh-CN" altLang="en-US" smtClean="0"/>
-              <a:t>2019/10/25</a:t>
+              <a:t>2019/10/27</a:t>
             </a:fld>
             <a:endParaRPr kumimoji="1" lang="zh-CN" altLang="en-US"/>
           </a:p>
@@ -883,7 +883,7 @@
           <a:p>
             <a:fld id="{3D71AFD6-832F-764F-A8C5-443411455556}" type="datetimeFigureOut">
               <a:rPr kumimoji="1" lang="zh-CN" altLang="en-US" smtClean="0"/>
-              <a:t>2019/10/25</a:t>
+              <a:t>2019/10/27</a:t>
             </a:fld>
             <a:endParaRPr kumimoji="1" lang="zh-CN" altLang="en-US"/>
           </a:p>
@@ -1158,7 +1158,7 @@
           <a:p>
             <a:fld id="{3D71AFD6-832F-764F-A8C5-443411455556}" type="datetimeFigureOut">
               <a:rPr kumimoji="1" lang="zh-CN" altLang="en-US" smtClean="0"/>
-              <a:t>2019/10/25</a:t>
+              <a:t>2019/10/27</a:t>
             </a:fld>
             <a:endParaRPr kumimoji="1" lang="zh-CN" altLang="en-US"/>
           </a:p>
@@ -1423,7 +1423,7 @@
           <a:p>
             <a:fld id="{3D71AFD6-832F-764F-A8C5-443411455556}" type="datetimeFigureOut">
               <a:rPr kumimoji="1" lang="zh-CN" altLang="en-US" smtClean="0"/>
-              <a:t>2019/10/25</a:t>
+              <a:t>2019/10/27</a:t>
             </a:fld>
             <a:endParaRPr kumimoji="1" lang="zh-CN" altLang="en-US"/>
           </a:p>
@@ -1835,7 +1835,7 @@
           <a:p>
             <a:fld id="{3D71AFD6-832F-764F-A8C5-443411455556}" type="datetimeFigureOut">
               <a:rPr kumimoji="1" lang="zh-CN" altLang="en-US" smtClean="0"/>
-              <a:t>2019/10/25</a:t>
+              <a:t>2019/10/27</a:t>
             </a:fld>
             <a:endParaRPr kumimoji="1" lang="zh-CN" altLang="en-US"/>
           </a:p>
@@ -1976,7 +1976,7 @@
           <a:p>
             <a:fld id="{3D71AFD6-832F-764F-A8C5-443411455556}" type="datetimeFigureOut">
               <a:rPr kumimoji="1" lang="zh-CN" altLang="en-US" smtClean="0"/>
-              <a:t>2019/10/25</a:t>
+              <a:t>2019/10/27</a:t>
             </a:fld>
             <a:endParaRPr kumimoji="1" lang="zh-CN" altLang="en-US"/>
           </a:p>
@@ -2089,7 +2089,7 @@
           <a:p>
             <a:fld id="{3D71AFD6-832F-764F-A8C5-443411455556}" type="datetimeFigureOut">
               <a:rPr kumimoji="1" lang="zh-CN" altLang="en-US" smtClean="0"/>
-              <a:t>2019/10/25</a:t>
+              <a:t>2019/10/27</a:t>
             </a:fld>
             <a:endParaRPr kumimoji="1" lang="zh-CN" altLang="en-US"/>
           </a:p>
@@ -2400,7 +2400,7 @@
           <a:p>
             <a:fld id="{3D71AFD6-832F-764F-A8C5-443411455556}" type="datetimeFigureOut">
               <a:rPr kumimoji="1" lang="zh-CN" altLang="en-US" smtClean="0"/>
-              <a:t>2019/10/25</a:t>
+              <a:t>2019/10/27</a:t>
             </a:fld>
             <a:endParaRPr kumimoji="1" lang="zh-CN" altLang="en-US"/>
           </a:p>
@@ -2688,7 +2688,7 @@
           <a:p>
             <a:fld id="{3D71AFD6-832F-764F-A8C5-443411455556}" type="datetimeFigureOut">
               <a:rPr kumimoji="1" lang="zh-CN" altLang="en-US" smtClean="0"/>
-              <a:t>2019/10/25</a:t>
+              <a:t>2019/10/27</a:t>
             </a:fld>
             <a:endParaRPr kumimoji="1" lang="zh-CN" altLang="en-US"/>
           </a:p>
@@ -2929,7 +2929,7 @@
           <a:p>
             <a:fld id="{3D71AFD6-832F-764F-A8C5-443411455556}" type="datetimeFigureOut">
               <a:rPr kumimoji="1" lang="zh-CN" altLang="en-US" smtClean="0"/>
-              <a:t>2019/10/25</a:t>
+              <a:t>2019/10/27</a:t>
             </a:fld>
             <a:endParaRPr kumimoji="1" lang="zh-CN" altLang="en-US"/>
           </a:p>
@@ -5830,8 +5830,8 @@
         </p:nvGrpSpPr>
         <p:grpSpPr>
           <a:xfrm>
-            <a:off x="2023241" y="561062"/>
-            <a:ext cx="1166647" cy="1037787"/>
+            <a:off x="2606563" y="561062"/>
+            <a:ext cx="1010833" cy="1037787"/>
             <a:chOff x="1124607" y="488373"/>
             <a:chExt cx="1166647" cy="1037787"/>
           </a:xfrm>
@@ -6046,8 +6046,8 @@
         </p:nvGrpSpPr>
         <p:grpSpPr>
           <a:xfrm>
-            <a:off x="2023240" y="3927467"/>
-            <a:ext cx="1166647" cy="1037787"/>
+            <a:off x="2606562" y="3927467"/>
+            <a:ext cx="1010833" cy="1037787"/>
             <a:chOff x="1124607" y="488373"/>
             <a:chExt cx="1166647" cy="1037787"/>
           </a:xfrm>
@@ -6262,8 +6262,8 @@
         </p:nvGrpSpPr>
         <p:grpSpPr>
           <a:xfrm>
-            <a:off x="2023240" y="1859940"/>
-            <a:ext cx="1166647" cy="1037787"/>
+            <a:off x="2606562" y="1859940"/>
+            <a:ext cx="1010833" cy="1037787"/>
             <a:chOff x="1124607" y="488373"/>
             <a:chExt cx="1166647" cy="1037787"/>
           </a:xfrm>
@@ -6478,8 +6478,8 @@
         </p:nvGrpSpPr>
         <p:grpSpPr>
           <a:xfrm>
-            <a:off x="2023240" y="5259151"/>
-            <a:ext cx="1166647" cy="1037787"/>
+            <a:off x="2606562" y="5259151"/>
+            <a:ext cx="1010833" cy="1037787"/>
             <a:chOff x="1124607" y="488373"/>
             <a:chExt cx="1166647" cy="1037787"/>
           </a:xfrm>
@@ -6694,8 +6694,8 @@
         </p:nvGrpSpPr>
         <p:grpSpPr>
           <a:xfrm>
-            <a:off x="4582511" y="1371121"/>
-            <a:ext cx="2338552" cy="1785089"/>
+            <a:off x="5322349" y="1371121"/>
+            <a:ext cx="2026222" cy="1785089"/>
             <a:chOff x="5512676" y="1304952"/>
             <a:chExt cx="1818290" cy="1785089"/>
           </a:xfrm>
@@ -6974,8 +6974,8 @@
         </p:nvGrpSpPr>
         <p:grpSpPr>
           <a:xfrm>
-            <a:off x="8660523" y="983835"/>
-            <a:ext cx="3005959" cy="1146941"/>
+            <a:off x="9489498" y="983835"/>
+            <a:ext cx="2604492" cy="1146941"/>
             <a:chOff x="8660524" y="983836"/>
             <a:chExt cx="2338552" cy="674702"/>
           </a:xfrm>
@@ -7116,8 +7116,8 @@
         </p:nvCxnSpPr>
         <p:spPr>
           <a:xfrm>
-            <a:off x="3189888" y="1218722"/>
-            <a:ext cx="1392623" cy="299348"/>
+            <a:off x="3617396" y="1218722"/>
+            <a:ext cx="1704953" cy="299348"/>
           </a:xfrm>
           <a:prstGeom prst="curvedConnector3">
             <a:avLst/>
@@ -7159,8 +7159,8 @@
         </p:nvCxnSpPr>
         <p:spPr>
           <a:xfrm flipV="1">
-            <a:off x="3189887" y="1518070"/>
-            <a:ext cx="1392624" cy="999530"/>
+            <a:off x="3617395" y="1518070"/>
+            <a:ext cx="1704954" cy="999530"/>
           </a:xfrm>
           <a:prstGeom prst="curvedConnector3">
             <a:avLst/>
@@ -7202,8 +7202,8 @@
         </p:nvCxnSpPr>
         <p:spPr>
           <a:xfrm flipV="1">
-            <a:off x="6921063" y="1269704"/>
-            <a:ext cx="1739460" cy="759077"/>
+            <a:off x="7348571" y="1269704"/>
+            <a:ext cx="2140927" cy="759077"/>
           </a:xfrm>
           <a:prstGeom prst="curvedConnector3">
             <a:avLst>
@@ -7247,8 +7247,8 @@
         </p:nvCxnSpPr>
         <p:spPr>
           <a:xfrm flipV="1">
-            <a:off x="6921063" y="1844908"/>
-            <a:ext cx="1739460" cy="522244"/>
+            <a:off x="7348571" y="1844908"/>
+            <a:ext cx="2140927" cy="522244"/>
           </a:xfrm>
           <a:prstGeom prst="curvedConnector3">
             <a:avLst>
@@ -7292,8 +7292,8 @@
         </p:nvCxnSpPr>
         <p:spPr>
           <a:xfrm flipV="1">
-            <a:off x="3189887" y="4328617"/>
-            <a:ext cx="1432035" cy="256510"/>
+            <a:off x="3617395" y="4328617"/>
+            <a:ext cx="1744365" cy="256510"/>
           </a:xfrm>
           <a:prstGeom prst="curvedConnector3">
             <a:avLst>
@@ -7337,8 +7337,8 @@
         </p:nvCxnSpPr>
         <p:spPr>
           <a:xfrm flipV="1">
-            <a:off x="3189887" y="4328617"/>
-            <a:ext cx="1432035" cy="1588194"/>
+            <a:off x="3617395" y="4328617"/>
+            <a:ext cx="1744365" cy="1588194"/>
           </a:xfrm>
           <a:prstGeom prst="curvedConnector3">
             <a:avLst>
@@ -7378,8 +7378,8 @@
         </p:nvGrpSpPr>
         <p:grpSpPr>
           <a:xfrm>
-            <a:off x="4621922" y="4181668"/>
-            <a:ext cx="2338552" cy="1785089"/>
+            <a:off x="5361760" y="4181668"/>
+            <a:ext cx="2026222" cy="1785089"/>
             <a:chOff x="5512676" y="1304952"/>
             <a:chExt cx="1818290" cy="1785089"/>
           </a:xfrm>
@@ -7658,8 +7658,8 @@
         </p:nvSpPr>
         <p:spPr>
           <a:xfrm>
-            <a:off x="8660522" y="4434022"/>
-            <a:ext cx="3005959" cy="571737"/>
+            <a:off x="9489497" y="4434022"/>
+            <a:ext cx="2604492" cy="571737"/>
           </a:xfrm>
           <a:prstGeom prst="rect">
             <a:avLst/>
@@ -7721,8 +7721,8 @@
         </p:nvCxnSpPr>
         <p:spPr>
           <a:xfrm flipV="1">
-            <a:off x="6960474" y="4719891"/>
-            <a:ext cx="1700048" cy="119437"/>
+            <a:off x="7387982" y="4719891"/>
+            <a:ext cx="2101515" cy="119437"/>
           </a:xfrm>
           <a:prstGeom prst="curvedConnector3">
             <a:avLst>
@@ -7766,13 +7766,484 @@
         </p:nvCxnSpPr>
         <p:spPr>
           <a:xfrm flipV="1">
-            <a:off x="6960474" y="1844908"/>
-            <a:ext cx="1700049" cy="3332791"/>
+            <a:off x="7387982" y="1844908"/>
+            <a:ext cx="2101516" cy="3332791"/>
           </a:xfrm>
           <a:prstGeom prst="curvedConnector3">
             <a:avLst>
               <a:gd name="adj1" fmla="val 50000"/>
             </a:avLst>
+          </a:prstGeom>
+          <a:ln>
+            <a:tailEnd type="triangle"/>
+          </a:ln>
+        </p:spPr>
+        <p:style>
+          <a:lnRef idx="1">
+            <a:schemeClr val="accent1"/>
+          </a:lnRef>
+          <a:fillRef idx="0">
+            <a:schemeClr val="accent1"/>
+          </a:fillRef>
+          <a:effectRef idx="0">
+            <a:schemeClr val="accent1"/>
+          </a:effectRef>
+          <a:fontRef idx="minor">
+            <a:schemeClr val="tx1"/>
+          </a:fontRef>
+        </p:style>
+      </p:cxnSp>
+      <p:sp>
+        <p:nvSpPr>
+          <p:cNvPr id="40" name="矩形 39">
+            <a:extLst>
+              <a:ext uri="{FF2B5EF4-FFF2-40B4-BE49-F238E27FC236}">
+                <a16:creationId xmlns:a16="http://schemas.microsoft.com/office/drawing/2014/main" id="{E4850AC6-E256-E042-9F44-B02E260C7A73}"/>
+              </a:ext>
+            </a:extLst>
+          </p:cNvPr>
+          <p:cNvSpPr/>
+          <p:nvPr/>
+        </p:nvSpPr>
+        <p:spPr>
+          <a:xfrm>
+            <a:off x="431878" y="422141"/>
+            <a:ext cx="1551302" cy="571737"/>
+          </a:xfrm>
+          <a:prstGeom prst="rect">
+            <a:avLst/>
+          </a:prstGeom>
+          <a:noFill/>
+          <a:ln>
+            <a:solidFill>
+              <a:schemeClr val="tx1"/>
+            </a:solidFill>
+          </a:ln>
+        </p:spPr>
+        <p:style>
+          <a:lnRef idx="2">
+            <a:schemeClr val="accent1">
+              <a:shade val="50000"/>
+            </a:schemeClr>
+          </a:lnRef>
+          <a:fillRef idx="1">
+            <a:schemeClr val="accent1"/>
+          </a:fillRef>
+          <a:effectRef idx="0">
+            <a:schemeClr val="accent1"/>
+          </a:effectRef>
+          <a:fontRef idx="minor">
+            <a:schemeClr val="lt1"/>
+          </a:fontRef>
+        </p:style>
+        <p:txBody>
+          <a:bodyPr rtlCol="0" anchor="ctr"/>
+          <a:lstStyle/>
+          <a:p>
+            <a:pPr algn="ctr"/>
+            <a:r>
+              <a:rPr lang="en-US" altLang="zh-CN">
+                <a:solidFill>
+                  <a:schemeClr val="tx1"/>
+                </a:solidFill>
+              </a:rPr>
+              <a:t>Base</a:t>
+            </a:r>
+            <a:r>
+              <a:rPr lang="zh-CN" altLang="en-US">
+                <a:solidFill>
+                  <a:schemeClr val="tx1"/>
+                </a:solidFill>
+              </a:rPr>
+              <a:t> *</a:t>
+            </a:r>
+            <a:r>
+              <a:rPr lang="en-US" altLang="zh-CN">
+                <a:solidFill>
+                  <a:schemeClr val="tx1"/>
+                </a:solidFill>
+              </a:rPr>
+              <a:t>bp1</a:t>
+            </a:r>
+          </a:p>
+        </p:txBody>
+      </p:sp>
+      <p:sp>
+        <p:nvSpPr>
+          <p:cNvPr id="42" name="矩形 41">
+            <a:extLst>
+              <a:ext uri="{FF2B5EF4-FFF2-40B4-BE49-F238E27FC236}">
+                <a16:creationId xmlns:a16="http://schemas.microsoft.com/office/drawing/2014/main" id="{66DCE4CD-F9E8-334E-B71B-E40223B0DB32}"/>
+              </a:ext>
+            </a:extLst>
+          </p:cNvPr>
+          <p:cNvSpPr/>
+          <p:nvPr/>
+        </p:nvSpPr>
+        <p:spPr>
+          <a:xfrm>
+            <a:off x="465635" y="1820161"/>
+            <a:ext cx="1551302" cy="571737"/>
+          </a:xfrm>
+          <a:prstGeom prst="rect">
+            <a:avLst/>
+          </a:prstGeom>
+          <a:noFill/>
+          <a:ln>
+            <a:solidFill>
+              <a:schemeClr val="tx1"/>
+            </a:solidFill>
+          </a:ln>
+        </p:spPr>
+        <p:style>
+          <a:lnRef idx="2">
+            <a:schemeClr val="accent1">
+              <a:shade val="50000"/>
+            </a:schemeClr>
+          </a:lnRef>
+          <a:fillRef idx="1">
+            <a:schemeClr val="accent1"/>
+          </a:fillRef>
+          <a:effectRef idx="0">
+            <a:schemeClr val="accent1"/>
+          </a:effectRef>
+          <a:fontRef idx="minor">
+            <a:schemeClr val="lt1"/>
+          </a:fontRef>
+        </p:style>
+        <p:txBody>
+          <a:bodyPr rtlCol="0" anchor="ctr"/>
+          <a:lstStyle/>
+          <a:p>
+            <a:pPr algn="ctr"/>
+            <a:r>
+              <a:rPr lang="en-US" altLang="zh-CN">
+                <a:solidFill>
+                  <a:schemeClr val="tx1"/>
+                </a:solidFill>
+              </a:rPr>
+              <a:t>Base</a:t>
+            </a:r>
+            <a:r>
+              <a:rPr lang="zh-CN" altLang="en-US">
+                <a:solidFill>
+                  <a:schemeClr val="tx1"/>
+                </a:solidFill>
+              </a:rPr>
+              <a:t> *</a:t>
+            </a:r>
+            <a:r>
+              <a:rPr lang="en-US" altLang="zh-CN">
+                <a:solidFill>
+                  <a:schemeClr val="tx1"/>
+                </a:solidFill>
+              </a:rPr>
+              <a:t>bp2</a:t>
+            </a:r>
+          </a:p>
+        </p:txBody>
+      </p:sp>
+      <p:sp>
+        <p:nvSpPr>
+          <p:cNvPr id="43" name="矩形 42">
+            <a:extLst>
+              <a:ext uri="{FF2B5EF4-FFF2-40B4-BE49-F238E27FC236}">
+                <a16:creationId xmlns:a16="http://schemas.microsoft.com/office/drawing/2014/main" id="{D289AD9F-EABD-F144-812C-87A1494BE922}"/>
+              </a:ext>
+            </a:extLst>
+          </p:cNvPr>
+          <p:cNvSpPr/>
+          <p:nvPr/>
+        </p:nvSpPr>
+        <p:spPr>
+          <a:xfrm>
+            <a:off x="443868" y="3845224"/>
+            <a:ext cx="1551302" cy="571737"/>
+          </a:xfrm>
+          <a:prstGeom prst="rect">
+            <a:avLst/>
+          </a:prstGeom>
+          <a:noFill/>
+          <a:ln>
+            <a:solidFill>
+              <a:schemeClr val="tx1"/>
+            </a:solidFill>
+          </a:ln>
+        </p:spPr>
+        <p:style>
+          <a:lnRef idx="2">
+            <a:schemeClr val="accent1">
+              <a:shade val="50000"/>
+            </a:schemeClr>
+          </a:lnRef>
+          <a:fillRef idx="1">
+            <a:schemeClr val="accent1"/>
+          </a:fillRef>
+          <a:effectRef idx="0">
+            <a:schemeClr val="accent1"/>
+          </a:effectRef>
+          <a:fontRef idx="minor">
+            <a:schemeClr val="lt1"/>
+          </a:fontRef>
+        </p:style>
+        <p:txBody>
+          <a:bodyPr rtlCol="0" anchor="ctr"/>
+          <a:lstStyle/>
+          <a:p>
+            <a:pPr algn="ctr"/>
+            <a:r>
+              <a:rPr lang="en-US" altLang="zh-CN">
+                <a:solidFill>
+                  <a:schemeClr val="tx1"/>
+                </a:solidFill>
+              </a:rPr>
+              <a:t>Base</a:t>
+            </a:r>
+            <a:r>
+              <a:rPr lang="zh-CN" altLang="en-US">
+                <a:solidFill>
+                  <a:schemeClr val="tx1"/>
+                </a:solidFill>
+              </a:rPr>
+              <a:t> *</a:t>
+            </a:r>
+            <a:r>
+              <a:rPr lang="en-US" altLang="zh-CN">
+                <a:solidFill>
+                  <a:schemeClr val="tx1"/>
+                </a:solidFill>
+              </a:rPr>
+              <a:t>bp3</a:t>
+            </a:r>
+          </a:p>
+        </p:txBody>
+      </p:sp>
+      <p:sp>
+        <p:nvSpPr>
+          <p:cNvPr id="46" name="矩形 45">
+            <a:extLst>
+              <a:ext uri="{FF2B5EF4-FFF2-40B4-BE49-F238E27FC236}">
+                <a16:creationId xmlns:a16="http://schemas.microsoft.com/office/drawing/2014/main" id="{0438A932-C3C4-3049-9546-E8728BD3825C}"/>
+              </a:ext>
+            </a:extLst>
+          </p:cNvPr>
+          <p:cNvSpPr/>
+          <p:nvPr/>
+        </p:nvSpPr>
+        <p:spPr>
+          <a:xfrm>
+            <a:off x="465635" y="5280121"/>
+            <a:ext cx="1551302" cy="571737"/>
+          </a:xfrm>
+          <a:prstGeom prst="rect">
+            <a:avLst/>
+          </a:prstGeom>
+          <a:noFill/>
+          <a:ln>
+            <a:solidFill>
+              <a:schemeClr val="tx1"/>
+            </a:solidFill>
+          </a:ln>
+        </p:spPr>
+        <p:style>
+          <a:lnRef idx="2">
+            <a:schemeClr val="accent1">
+              <a:shade val="50000"/>
+            </a:schemeClr>
+          </a:lnRef>
+          <a:fillRef idx="1">
+            <a:schemeClr val="accent1"/>
+          </a:fillRef>
+          <a:effectRef idx="0">
+            <a:schemeClr val="accent1"/>
+          </a:effectRef>
+          <a:fontRef idx="minor">
+            <a:schemeClr val="lt1"/>
+          </a:fontRef>
+        </p:style>
+        <p:txBody>
+          <a:bodyPr rtlCol="0" anchor="ctr"/>
+          <a:lstStyle/>
+          <a:p>
+            <a:pPr algn="ctr"/>
+            <a:r>
+              <a:rPr lang="en-US" altLang="zh-CN">
+                <a:solidFill>
+                  <a:schemeClr val="tx1"/>
+                </a:solidFill>
+              </a:rPr>
+              <a:t>Base</a:t>
+            </a:r>
+            <a:r>
+              <a:rPr lang="zh-CN" altLang="en-US">
+                <a:solidFill>
+                  <a:schemeClr val="tx1"/>
+                </a:solidFill>
+              </a:rPr>
+              <a:t> *</a:t>
+            </a:r>
+            <a:r>
+              <a:rPr lang="en-US" altLang="zh-CN">
+                <a:solidFill>
+                  <a:schemeClr val="tx1"/>
+                </a:solidFill>
+              </a:rPr>
+              <a:t>bp4</a:t>
+            </a:r>
+          </a:p>
+        </p:txBody>
+      </p:sp>
+      <p:cxnSp>
+        <p:nvCxnSpPr>
+          <p:cNvPr id="4" name="直线箭头连接符 3">
+            <a:extLst>
+              <a:ext uri="{FF2B5EF4-FFF2-40B4-BE49-F238E27FC236}">
+                <a16:creationId xmlns:a16="http://schemas.microsoft.com/office/drawing/2014/main" id="{D71965CE-6185-944B-AB60-EA2B235CE2F2}"/>
+              </a:ext>
+            </a:extLst>
+          </p:cNvPr>
+          <p:cNvCxnSpPr>
+            <a:stCxn id="40" idx="3"/>
+            <a:endCxn id="34" idx="2"/>
+          </p:cNvCxnSpPr>
+          <p:nvPr/>
+        </p:nvCxnSpPr>
+        <p:spPr>
+          <a:xfrm>
+            <a:off x="1983180" y="708010"/>
+            <a:ext cx="623383" cy="1"/>
+          </a:xfrm>
+          <a:prstGeom prst="straightConnector1">
+            <a:avLst/>
+          </a:prstGeom>
+          <a:ln>
+            <a:tailEnd type="triangle"/>
+          </a:ln>
+        </p:spPr>
+        <p:style>
+          <a:lnRef idx="1">
+            <a:schemeClr val="accent1"/>
+          </a:lnRef>
+          <a:fillRef idx="0">
+            <a:schemeClr val="accent1"/>
+          </a:fillRef>
+          <a:effectRef idx="0">
+            <a:schemeClr val="accent1"/>
+          </a:effectRef>
+          <a:fontRef idx="minor">
+            <a:schemeClr val="tx1"/>
+          </a:fontRef>
+        </p:style>
+      </p:cxnSp>
+      <p:cxnSp>
+        <p:nvCxnSpPr>
+          <p:cNvPr id="48" name="直线箭头连接符 47">
+            <a:extLst>
+              <a:ext uri="{FF2B5EF4-FFF2-40B4-BE49-F238E27FC236}">
+                <a16:creationId xmlns:a16="http://schemas.microsoft.com/office/drawing/2014/main" id="{2F8C5F92-9CC2-194A-9872-47A42534F192}"/>
+              </a:ext>
+            </a:extLst>
+          </p:cNvPr>
+          <p:cNvCxnSpPr>
+            <a:cxnSpLocks/>
+            <a:stCxn id="42" idx="3"/>
+            <a:endCxn id="58" idx="2"/>
+          </p:cNvCxnSpPr>
+          <p:nvPr/>
+        </p:nvCxnSpPr>
+        <p:spPr>
+          <a:xfrm flipV="1">
+            <a:off x="2016937" y="2006889"/>
+            <a:ext cx="589625" cy="99141"/>
+          </a:xfrm>
+          <a:prstGeom prst="straightConnector1">
+            <a:avLst/>
+          </a:prstGeom>
+          <a:ln>
+            <a:tailEnd type="triangle"/>
+          </a:ln>
+        </p:spPr>
+        <p:style>
+          <a:lnRef idx="1">
+            <a:schemeClr val="accent1"/>
+          </a:lnRef>
+          <a:fillRef idx="0">
+            <a:schemeClr val="accent1"/>
+          </a:fillRef>
+          <a:effectRef idx="0">
+            <a:schemeClr val="accent1"/>
+          </a:effectRef>
+          <a:fontRef idx="minor">
+            <a:schemeClr val="tx1"/>
+          </a:fontRef>
+        </p:style>
+      </p:cxnSp>
+      <p:cxnSp>
+        <p:nvCxnSpPr>
+          <p:cNvPr id="55" name="直线箭头连接符 54">
+            <a:extLst>
+              <a:ext uri="{FF2B5EF4-FFF2-40B4-BE49-F238E27FC236}">
+                <a16:creationId xmlns:a16="http://schemas.microsoft.com/office/drawing/2014/main" id="{CF7FF679-9168-D64A-A4E7-60F09EF36934}"/>
+              </a:ext>
+            </a:extLst>
+          </p:cNvPr>
+          <p:cNvCxnSpPr>
+            <a:cxnSpLocks/>
+            <a:stCxn id="43" idx="3"/>
+            <a:endCxn id="47" idx="2"/>
+          </p:cNvCxnSpPr>
+          <p:nvPr/>
+        </p:nvCxnSpPr>
+        <p:spPr>
+          <a:xfrm flipV="1">
+            <a:off x="1995170" y="4074416"/>
+            <a:ext cx="611392" cy="56677"/>
+          </a:xfrm>
+          <a:prstGeom prst="straightConnector1">
+            <a:avLst/>
+          </a:prstGeom>
+          <a:ln>
+            <a:tailEnd type="triangle"/>
+          </a:ln>
+        </p:spPr>
+        <p:style>
+          <a:lnRef idx="1">
+            <a:schemeClr val="accent1"/>
+          </a:lnRef>
+          <a:fillRef idx="0">
+            <a:schemeClr val="accent1"/>
+          </a:fillRef>
+          <a:effectRef idx="0">
+            <a:schemeClr val="accent1"/>
+          </a:effectRef>
+          <a:fontRef idx="minor">
+            <a:schemeClr val="tx1"/>
+          </a:fontRef>
+        </p:style>
+      </p:cxnSp>
+      <p:cxnSp>
+        <p:nvCxnSpPr>
+          <p:cNvPr id="56" name="直线箭头连接符 55">
+            <a:extLst>
+              <a:ext uri="{FF2B5EF4-FFF2-40B4-BE49-F238E27FC236}">
+                <a16:creationId xmlns:a16="http://schemas.microsoft.com/office/drawing/2014/main" id="{65BAE1A3-46B3-C647-89F2-1705EEEB7B53}"/>
+              </a:ext>
+            </a:extLst>
+          </p:cNvPr>
+          <p:cNvCxnSpPr>
+            <a:cxnSpLocks/>
+            <a:stCxn id="46" idx="3"/>
+            <a:endCxn id="62" idx="2"/>
+          </p:cNvCxnSpPr>
+          <p:nvPr/>
+        </p:nvCxnSpPr>
+        <p:spPr>
+          <a:xfrm flipV="1">
+            <a:off x="2016937" y="5406100"/>
+            <a:ext cx="589625" cy="159890"/>
+          </a:xfrm>
+          <a:prstGeom prst="straightConnector1">
+            <a:avLst/>
           </a:prstGeom>
           <a:ln>
             <a:tailEnd type="triangle"/>
